--- a/docs/kuleuven.gbiomed.LaBGAS.SynapsWP2.v1/CPAInstructions_NL.pptx
+++ b/docs/kuleuven.gbiomed.LaBGAS.SynapsWP2.v1/CPAInstructions_NL.pptx
@@ -5,12 +5,13 @@
     <p:sldMasterId id="2147483648" r:id="rId1"/>
   </p:sldMasterIdLst>
   <p:notesMasterIdLst>
-    <p:notesMasterId r:id="rId5"/>
+    <p:notesMasterId r:id="rId6"/>
   </p:notesMasterIdLst>
   <p:sldIdLst>
     <p:sldId id="256" r:id="rId2"/>
     <p:sldId id="258" r:id="rId3"/>
     <p:sldId id="259" r:id="rId4"/>
+    <p:sldId id="260" r:id="rId5"/>
   </p:sldIdLst>
   <p:sldSz cx="12192000" cy="6858000"/>
   <p:notesSz cx="6858000" cy="9144000"/>
@@ -199,7 +200,7 @@
           <a:p>
             <a:fld id="{9597641E-1FEC-4D17-ABE5-FD3DD377A8DB}" type="datetimeFigureOut">
               <a:rPr lang="en-DK" smtClean="0"/>
-              <a:t>14/03/2025</a:t>
+              <a:t>15/04/2025</a:t>
             </a:fld>
             <a:endParaRPr lang="en-DK"/>
           </a:p>
@@ -811,6 +812,160 @@
               <a:defRPr/>
             </a:pPr>
             <a:r>
+              <a:rPr lang="en-GB" b="0">
+                <a:solidFill>
+                  <a:srgbClr val="CE9178"/>
+                </a:solidFill>
+                <a:effectLst/>
+                <a:latin typeface="Fira Code" pitchFamily="1" charset="0"/>
+              </a:rPr>
+              <a:t>HOT.</a:t>
+            </a:r>
+            <a:r>
+              <a:rPr lang="en-GB" b="0" dirty="0">
+                <a:solidFill>
+                  <a:srgbClr val="CE9178"/>
+                </a:solidFill>
+                <a:effectLst/>
+                <a:latin typeface="Fira Code" pitchFamily="1" charset="0"/>
+              </a:rPr>
+              <a:t>png</a:t>
+            </a:r>
+            <a:endParaRPr lang="en-GB" b="0" dirty="0">
+              <a:solidFill>
+                <a:srgbClr val="D4D4D4"/>
+              </a:solidFill>
+              <a:effectLst/>
+              <a:latin typeface="Fira Code" pitchFamily="1" charset="0"/>
+            </a:endParaRPr>
+          </a:p>
+          <a:p>
+            <a:endParaRPr lang="en-DK" dirty="0"/>
+          </a:p>
+        </p:txBody>
+      </p:sp>
+      <p:sp>
+        <p:nvSpPr>
+          <p:cNvPr id="4" name="Slide Number Placeholder 3">
+            <a:extLst>
+              <a:ext uri="{FF2B5EF4-FFF2-40B4-BE49-F238E27FC236}">
+                <a16:creationId xmlns:a16="http://schemas.microsoft.com/office/drawing/2014/main" id="{2ECFF1CD-C7B7-855A-CE00-9A3F87EB10B5}"/>
+              </a:ext>
+            </a:extLst>
+          </p:cNvPr>
+          <p:cNvSpPr>
+            <a:spLocks noGrp="1"/>
+          </p:cNvSpPr>
+          <p:nvPr>
+            <p:ph type="sldNum" sz="quarter" idx="5"/>
+          </p:nvPr>
+        </p:nvSpPr>
+        <p:spPr/>
+        <p:txBody>
+          <a:bodyPr/>
+          <a:lstStyle/>
+          <a:p>
+            <a:fld id="{BAC487C0-0654-45DF-9D5A-54C128884D5E}" type="slidenum">
+              <a:rPr lang="en-DK" smtClean="0"/>
+              <a:t>3</a:t>
+            </a:fld>
+            <a:endParaRPr lang="en-DK"/>
+          </a:p>
+        </p:txBody>
+      </p:sp>
+    </p:spTree>
+    <p:extLst>
+      <p:ext uri="{BB962C8B-B14F-4D97-AF65-F5344CB8AC3E}">
+        <p14:creationId xmlns:p14="http://schemas.microsoft.com/office/powerpoint/2010/main" val="1798943838"/>
+      </p:ext>
+    </p:extLst>
+  </p:cSld>
+  <p:clrMapOvr>
+    <a:masterClrMapping/>
+  </p:clrMapOvr>
+</p:notes>
+</file>
+
+<file path=ppt/notesSlides/notesSlide4.xml><?xml version="1.0" encoding="utf-8"?>
+<p:notes xmlns:a="http://schemas.openxmlformats.org/drawingml/2006/main" xmlns:r="http://schemas.openxmlformats.org/officeDocument/2006/relationships" xmlns:p="http://schemas.openxmlformats.org/presentationml/2006/main">
+  <p:cSld>
+    <p:spTree>
+      <p:nvGrpSpPr>
+        <p:cNvPr id="1" name="">
+          <a:extLst>
+            <a:ext uri="{FF2B5EF4-FFF2-40B4-BE49-F238E27FC236}">
+              <a16:creationId xmlns:a16="http://schemas.microsoft.com/office/drawing/2014/main" id="{756EA81E-E674-416D-7FC6-FBC838CD569D}"/>
+            </a:ext>
+          </a:extLst>
+        </p:cNvPr>
+        <p:cNvGrpSpPr/>
+        <p:nvPr/>
+      </p:nvGrpSpPr>
+      <p:grpSpPr>
+        <a:xfrm>
+          <a:off x="0" y="0"/>
+          <a:ext cx="0" cy="0"/>
+          <a:chOff x="0" y="0"/>
+          <a:chExt cx="0" cy="0"/>
+        </a:xfrm>
+      </p:grpSpPr>
+      <p:sp>
+        <p:nvSpPr>
+          <p:cNvPr id="2" name="Slide Image Placeholder 1">
+            <a:extLst>
+              <a:ext uri="{FF2B5EF4-FFF2-40B4-BE49-F238E27FC236}">
+                <a16:creationId xmlns:a16="http://schemas.microsoft.com/office/drawing/2014/main" id="{6A1259EA-6754-9F8B-AEFD-898A58B8B303}"/>
+              </a:ext>
+            </a:extLst>
+          </p:cNvPr>
+          <p:cNvSpPr>
+            <a:spLocks noGrp="1" noRot="1" noChangeAspect="1"/>
+          </p:cNvSpPr>
+          <p:nvPr>
+            <p:ph type="sldImg"/>
+          </p:nvPr>
+        </p:nvSpPr>
+        <p:spPr/>
+      </p:sp>
+      <p:sp>
+        <p:nvSpPr>
+          <p:cNvPr id="3" name="Notes Placeholder 2">
+            <a:extLst>
+              <a:ext uri="{FF2B5EF4-FFF2-40B4-BE49-F238E27FC236}">
+                <a16:creationId xmlns:a16="http://schemas.microsoft.com/office/drawing/2014/main" id="{AC0D95B4-B914-3CE4-BA27-A3590E7B3EA0}"/>
+              </a:ext>
+            </a:extLst>
+          </p:cNvPr>
+          <p:cNvSpPr>
+            <a:spLocks noGrp="1"/>
+          </p:cNvSpPr>
+          <p:nvPr>
+            <p:ph type="body" idx="1"/>
+          </p:nvPr>
+        </p:nvSpPr>
+        <p:spPr/>
+        <p:txBody>
+          <a:bodyPr/>
+          <a:lstStyle/>
+          <a:p>
+            <a:pPr marL="0" marR="0" lvl="0" indent="0" algn="l" defTabSz="914400" rtl="0" eaLnBrk="1" fontAlgn="auto" latinLnBrk="0" hangingPunct="1">
+              <a:lnSpc>
+                <a:spcPct val="100000"/>
+              </a:lnSpc>
+              <a:spcBef>
+                <a:spcPts val="0"/>
+              </a:spcBef>
+              <a:spcAft>
+                <a:spcPts val="0"/>
+              </a:spcAft>
+              <a:buClrTx/>
+              <a:buSzTx/>
+              <a:buFontTx/>
+              <a:buNone/>
+              <a:tabLst/>
+              <a:defRPr/>
+            </a:pPr>
+            <a:r>
               <a:rPr lang="en-GB" b="0" dirty="0">
                 <a:solidFill>
                   <a:srgbClr val="CE9178"/>
@@ -838,7 +993,7 @@
           <p:cNvPr id="4" name="Slide Number Placeholder 3">
             <a:extLst>
               <a:ext uri="{FF2B5EF4-FFF2-40B4-BE49-F238E27FC236}">
-                <a16:creationId xmlns:a16="http://schemas.microsoft.com/office/drawing/2014/main" id="{2ECFF1CD-C7B7-855A-CE00-9A3F87EB10B5}"/>
+                <a16:creationId xmlns:a16="http://schemas.microsoft.com/office/drawing/2014/main" id="{CE447FD0-C8BF-7A95-7286-ACFF60339581}"/>
               </a:ext>
             </a:extLst>
           </p:cNvPr>
@@ -856,7 +1011,7 @@
           <a:p>
             <a:fld id="{BAC487C0-0654-45DF-9D5A-54C128884D5E}" type="slidenum">
               <a:rPr lang="en-DK" smtClean="0"/>
-              <a:t>3</a:t>
+              <a:t>4</a:t>
             </a:fld>
             <a:endParaRPr lang="en-DK"/>
           </a:p>
@@ -865,7 +1020,7 @@
     </p:spTree>
     <p:extLst>
       <p:ext uri="{BB962C8B-B14F-4D97-AF65-F5344CB8AC3E}">
-        <p14:creationId xmlns:p14="http://schemas.microsoft.com/office/powerpoint/2010/main" val="1798943838"/>
+        <p14:creationId xmlns:p14="http://schemas.microsoft.com/office/powerpoint/2010/main" val="2508945077"/>
       </p:ext>
     </p:extLst>
   </p:cSld>
@@ -1024,7 +1179,7 @@
           <a:p>
             <a:fld id="{FD945BFA-2589-44DD-9174-8BD10EC1EAAD}" type="datetimeFigureOut">
               <a:rPr lang="en-DK" smtClean="0"/>
-              <a:t>14/03/2025</a:t>
+              <a:t>15/04/2025</a:t>
             </a:fld>
             <a:endParaRPr lang="en-DK"/>
           </a:p>
@@ -1224,7 +1379,7 @@
           <a:p>
             <a:fld id="{FD945BFA-2589-44DD-9174-8BD10EC1EAAD}" type="datetimeFigureOut">
               <a:rPr lang="en-DK" smtClean="0"/>
-              <a:t>14/03/2025</a:t>
+              <a:t>15/04/2025</a:t>
             </a:fld>
             <a:endParaRPr lang="en-DK"/>
           </a:p>
@@ -1434,7 +1589,7 @@
           <a:p>
             <a:fld id="{FD945BFA-2589-44DD-9174-8BD10EC1EAAD}" type="datetimeFigureOut">
               <a:rPr lang="en-DK" smtClean="0"/>
-              <a:t>14/03/2025</a:t>
+              <a:t>15/04/2025</a:t>
             </a:fld>
             <a:endParaRPr lang="en-DK"/>
           </a:p>
@@ -1634,7 +1789,7 @@
           <a:p>
             <a:fld id="{FD945BFA-2589-44DD-9174-8BD10EC1EAAD}" type="datetimeFigureOut">
               <a:rPr lang="en-DK" smtClean="0"/>
-              <a:t>14/03/2025</a:t>
+              <a:t>15/04/2025</a:t>
             </a:fld>
             <a:endParaRPr lang="en-DK"/>
           </a:p>
@@ -1910,7 +2065,7 @@
           <a:p>
             <a:fld id="{FD945BFA-2589-44DD-9174-8BD10EC1EAAD}" type="datetimeFigureOut">
               <a:rPr lang="en-DK" smtClean="0"/>
-              <a:t>14/03/2025</a:t>
+              <a:t>15/04/2025</a:t>
             </a:fld>
             <a:endParaRPr lang="en-DK"/>
           </a:p>
@@ -2178,7 +2333,7 @@
           <a:p>
             <a:fld id="{FD945BFA-2589-44DD-9174-8BD10EC1EAAD}" type="datetimeFigureOut">
               <a:rPr lang="en-DK" smtClean="0"/>
-              <a:t>14/03/2025</a:t>
+              <a:t>15/04/2025</a:t>
             </a:fld>
             <a:endParaRPr lang="en-DK"/>
           </a:p>
@@ -2593,7 +2748,7 @@
           <a:p>
             <a:fld id="{FD945BFA-2589-44DD-9174-8BD10EC1EAAD}" type="datetimeFigureOut">
               <a:rPr lang="en-DK" smtClean="0"/>
-              <a:t>14/03/2025</a:t>
+              <a:t>15/04/2025</a:t>
             </a:fld>
             <a:endParaRPr lang="en-DK"/>
           </a:p>
@@ -2735,7 +2890,7 @@
           <a:p>
             <a:fld id="{FD945BFA-2589-44DD-9174-8BD10EC1EAAD}" type="datetimeFigureOut">
               <a:rPr lang="en-DK" smtClean="0"/>
-              <a:t>14/03/2025</a:t>
+              <a:t>15/04/2025</a:t>
             </a:fld>
             <a:endParaRPr lang="en-DK"/>
           </a:p>
@@ -2848,7 +3003,7 @@
           <a:p>
             <a:fld id="{FD945BFA-2589-44DD-9174-8BD10EC1EAAD}" type="datetimeFigureOut">
               <a:rPr lang="en-DK" smtClean="0"/>
-              <a:t>14/03/2025</a:t>
+              <a:t>15/04/2025</a:t>
             </a:fld>
             <a:endParaRPr lang="en-DK"/>
           </a:p>
@@ -3161,7 +3316,7 @@
           <a:p>
             <a:fld id="{FD945BFA-2589-44DD-9174-8BD10EC1EAAD}" type="datetimeFigureOut">
               <a:rPr lang="en-DK" smtClean="0"/>
-              <a:t>14/03/2025</a:t>
+              <a:t>15/04/2025</a:t>
             </a:fld>
             <a:endParaRPr lang="en-DK"/>
           </a:p>
@@ -3450,7 +3605,7 @@
           <a:p>
             <a:fld id="{FD945BFA-2589-44DD-9174-8BD10EC1EAAD}" type="datetimeFigureOut">
               <a:rPr lang="en-DK" smtClean="0"/>
-              <a:t>14/03/2025</a:t>
+              <a:t>15/04/2025</a:t>
             </a:fld>
             <a:endParaRPr lang="en-DK"/>
           </a:p>
@@ -3693,7 +3848,7 @@
           <a:p>
             <a:fld id="{FD945BFA-2589-44DD-9174-8BD10EC1EAAD}" type="datetimeFigureOut">
               <a:rPr lang="en-DK" smtClean="0"/>
-              <a:t>14/03/2025</a:t>
+              <a:t>15/04/2025</a:t>
             </a:fld>
             <a:endParaRPr lang="en-DK"/>
           </a:p>
@@ -4561,6 +4716,164 @@
     <p:extLst>
       <p:ext uri="{BB962C8B-B14F-4D97-AF65-F5344CB8AC3E}">
         <p14:creationId xmlns:p14="http://schemas.microsoft.com/office/powerpoint/2010/main" val="4154826532"/>
+      </p:ext>
+    </p:extLst>
+  </p:cSld>
+  <p:clrMapOvr>
+    <a:masterClrMapping/>
+  </p:clrMapOvr>
+</p:sld>
+</file>
+
+<file path=ppt/slides/slide4.xml><?xml version="1.0" encoding="utf-8"?>
+<p:sld xmlns:a="http://schemas.openxmlformats.org/drawingml/2006/main" xmlns:r="http://schemas.openxmlformats.org/officeDocument/2006/relationships" xmlns:p="http://schemas.openxmlformats.org/presentationml/2006/main">
+  <p:cSld>
+    <p:spTree>
+      <p:nvGrpSpPr>
+        <p:cNvPr id="1" name="">
+          <a:extLst>
+            <a:ext uri="{FF2B5EF4-FFF2-40B4-BE49-F238E27FC236}">
+              <a16:creationId xmlns:a16="http://schemas.microsoft.com/office/drawing/2014/main" id="{0AE905F2-B378-31C2-4600-E6CC3629D428}"/>
+            </a:ext>
+          </a:extLst>
+        </p:cNvPr>
+        <p:cNvGrpSpPr/>
+        <p:nvPr/>
+      </p:nvGrpSpPr>
+      <p:grpSpPr>
+        <a:xfrm>
+          <a:off x="0" y="0"/>
+          <a:ext cx="0" cy="0"/>
+          <a:chOff x="0" y="0"/>
+          <a:chExt cx="0" cy="0"/>
+        </a:xfrm>
+      </p:grpSpPr>
+      <p:sp>
+        <p:nvSpPr>
+          <p:cNvPr id="5" name="TextBox 4">
+            <a:extLst>
+              <a:ext uri="{FF2B5EF4-FFF2-40B4-BE49-F238E27FC236}">
+                <a16:creationId xmlns:a16="http://schemas.microsoft.com/office/drawing/2014/main" id="{2ECA7D27-FC7F-896B-1956-E3EA04103719}"/>
+              </a:ext>
+            </a:extLst>
+          </p:cNvPr>
+          <p:cNvSpPr txBox="1"/>
+          <p:nvPr/>
+        </p:nvSpPr>
+        <p:spPr>
+          <a:xfrm>
+            <a:off x="0" y="0"/>
+            <a:ext cx="12192000" cy="2385653"/>
+          </a:xfrm>
+          <a:prstGeom prst="rect">
+            <a:avLst/>
+          </a:prstGeom>
+          <a:noFill/>
+        </p:spPr>
+        <p:txBody>
+          <a:bodyPr wrap="square">
+            <a:spAutoFit/>
+          </a:bodyPr>
+          <a:lstStyle/>
+          <a:p>
+            <a:pPr algn="ctr">
+              <a:lnSpc>
+                <a:spcPct val="107000"/>
+              </a:lnSpc>
+              <a:spcAft>
+                <a:spcPts val="800"/>
+              </a:spcAft>
+            </a:pPr>
+            <a:r>
+              <a:rPr lang="en-GB" sz="4400" b="1" kern="100" dirty="0">
+                <a:effectLst/>
+                <a:latin typeface="Calibri" panose="020F0502020204030204" pitchFamily="34" charset="0"/>
+                <a:ea typeface="Times New Roman" panose="02020603050405020304" pitchFamily="18" charset="0"/>
+                <a:cs typeface="Times New Roman" panose="02020603050405020304" pitchFamily="18" charset="0"/>
+              </a:rPr>
+              <a:t>Conditioned Pain Modulation</a:t>
+            </a:r>
+            <a:endParaRPr lang="en-DK" sz="1400" kern="100" dirty="0">
+              <a:effectLst/>
+              <a:latin typeface="Calibri" panose="020F0502020204030204" pitchFamily="34" charset="0"/>
+              <a:ea typeface="Times New Roman" panose="02020603050405020304" pitchFamily="18" charset="0"/>
+              <a:cs typeface="Times New Roman" panose="02020603050405020304" pitchFamily="18" charset="0"/>
+            </a:endParaRPr>
+          </a:p>
+          <a:p>
+            <a:pPr algn="ctr">
+              <a:lnSpc>
+                <a:spcPct val="107000"/>
+              </a:lnSpc>
+              <a:spcAft>
+                <a:spcPts val="800"/>
+              </a:spcAft>
+            </a:pPr>
+            <a:r>
+              <a:rPr lang="en-GB" sz="1400" kern="100" dirty="0">
+                <a:effectLst/>
+                <a:latin typeface="Calibri" panose="020F0502020204030204" pitchFamily="34" charset="0"/>
+                <a:ea typeface="Times New Roman" panose="02020603050405020304" pitchFamily="18" charset="0"/>
+                <a:cs typeface="Times New Roman" panose="02020603050405020304" pitchFamily="18" charset="0"/>
+              </a:rPr>
+              <a:t> </a:t>
+            </a:r>
+            <a:endParaRPr lang="en-DK" sz="1400" kern="100" dirty="0">
+              <a:effectLst/>
+              <a:latin typeface="Calibri" panose="020F0502020204030204" pitchFamily="34" charset="0"/>
+              <a:ea typeface="Times New Roman" panose="02020603050405020304" pitchFamily="18" charset="0"/>
+              <a:cs typeface="Times New Roman" panose="02020603050405020304" pitchFamily="18" charset="0"/>
+            </a:endParaRPr>
+          </a:p>
+          <a:p>
+            <a:pPr>
+              <a:lnSpc>
+                <a:spcPct val="107000"/>
+              </a:lnSpc>
+              <a:spcAft>
+                <a:spcPts val="800"/>
+              </a:spcAft>
+            </a:pPr>
+            <a:r>
+              <a:rPr lang="en-GB" sz="3200" kern="100" dirty="0">
+                <a:effectLst/>
+                <a:latin typeface="Calibri" panose="020F0502020204030204" pitchFamily="34" charset="0"/>
+                <a:ea typeface="Times New Roman" panose="02020603050405020304" pitchFamily="18" charset="0"/>
+                <a:cs typeface="Times New Roman" panose="02020603050405020304" pitchFamily="18" charset="0"/>
+              </a:rPr>
+              <a:t>Remove hand from water</a:t>
+            </a:r>
+          </a:p>
+          <a:p>
+            <a:pPr>
+              <a:lnSpc>
+                <a:spcPct val="107000"/>
+              </a:lnSpc>
+              <a:spcAft>
+                <a:spcPts val="800"/>
+              </a:spcAft>
+            </a:pPr>
+            <a:r>
+              <a:rPr lang="en-GB" sz="3200" kern="100" dirty="0">
+                <a:latin typeface="Calibri" panose="020F0502020204030204" pitchFamily="34" charset="0"/>
+                <a:ea typeface="Times New Roman" panose="02020603050405020304" pitchFamily="18" charset="0"/>
+                <a:cs typeface="Times New Roman" panose="02020603050405020304" pitchFamily="18" charset="0"/>
+              </a:rPr>
+              <a:t>Set the slider to 0</a:t>
+            </a:r>
+            <a:endParaRPr lang="en-DK" sz="1400" kern="100" dirty="0">
+              <a:effectLst/>
+              <a:latin typeface="Calibri" panose="020F0502020204030204" pitchFamily="34" charset="0"/>
+              <a:ea typeface="Times New Roman" panose="02020603050405020304" pitchFamily="18" charset="0"/>
+              <a:cs typeface="Times New Roman" panose="02020603050405020304" pitchFamily="18" charset="0"/>
+            </a:endParaRPr>
+          </a:p>
+        </p:txBody>
+      </p:sp>
+    </p:spTree>
+    <p:extLst>
+      <p:ext uri="{BB962C8B-B14F-4D97-AF65-F5344CB8AC3E}">
+        <p14:creationId xmlns:p14="http://schemas.microsoft.com/office/powerpoint/2010/main" val="1261733582"/>
       </p:ext>
     </p:extLst>
   </p:cSld>

--- a/docs/kuleuven.gbiomed.LaBGAS.SynapsWP2.v1/CPAInstructions_NL.pptx
+++ b/docs/kuleuven.gbiomed.LaBGAS.SynapsWP2.v1/CPAInstructions_NL.pptx
@@ -6,7 +6,7 @@
   </p:sldMasterIdLst>
   <p:sldIdLst>
     <p:sldId id="256" r:id="rId2"/>
-    <p:sldId id="258" r:id="rId3"/>
+    <p:sldId id="264" r:id="rId3"/>
     <p:sldId id="260" r:id="rId4"/>
     <p:sldId id="262" r:id="rId5"/>
     <p:sldId id="263" r:id="rId6"/>
@@ -144,7 +144,7 @@
 <file path=ppt/revisionInfo.xml><?xml version="1.0" encoding="utf-8"?>
 <p1510:revInfo xmlns:a="http://schemas.openxmlformats.org/drawingml/2006/main" xmlns:r="http://schemas.openxmlformats.org/officeDocument/2006/relationships" xmlns:p1510="http://schemas.microsoft.com/office/powerpoint/2015/10/main">
   <p1510:revLst>
-    <p1510:client id="{E994C8F6-87BE-4109-B340-277BDB0E2878}" v="3" dt="2025-05-15T06:27:23.595"/>
+    <p1510:client id="{88F2B1B7-953D-4A7C-A0DB-7E0AEB71C245}" v="6" dt="2025-06-04T06:44:09.440"/>
   </p1510:revLst>
 </p1510:revInfo>
 </file>
@@ -153,96 +153,389 @@
 <pc:chgInfo xmlns:a="http://schemas.openxmlformats.org/drawingml/2006/main" xmlns:r="http://schemas.openxmlformats.org/officeDocument/2006/relationships" xmlns:ac="http://schemas.microsoft.com/office/drawing/2013/main/command" xmlns:pc="http://schemas.microsoft.com/office/powerpoint/2013/main/command">
   <pc:docChgLst>
     <pc:chgData name="Casper Vananderoye" userId="25afd827-d329-4cf3-b86c-131bdbba2da6" providerId="ADAL" clId="{88F2B1B7-953D-4A7C-A0DB-7E0AEB71C245}"/>
-    <pc:docChg chg="modSld">
-      <pc:chgData name="Casper Vananderoye" userId="25afd827-d329-4cf3-b86c-131bdbba2da6" providerId="ADAL" clId="{88F2B1B7-953D-4A7C-A0DB-7E0AEB71C245}" dt="2025-05-14T06:43:58.927" v="26" actId="20577"/>
+    <pc:docChg chg="undo custSel addSld modSld">
+      <pc:chgData name="Casper Vananderoye" userId="25afd827-d329-4cf3-b86c-131bdbba2da6" providerId="ADAL" clId="{88F2B1B7-953D-4A7C-A0DB-7E0AEB71C245}" dt="2025-06-04T06:45:13.947" v="743" actId="1076"/>
       <pc:docMkLst>
         <pc:docMk/>
       </pc:docMkLst>
-      <pc:sldChg chg="modSp mod">
-        <pc:chgData name="Casper Vananderoye" userId="25afd827-d329-4cf3-b86c-131bdbba2da6" providerId="ADAL" clId="{88F2B1B7-953D-4A7C-A0DB-7E0AEB71C245}" dt="2025-05-14T06:43:58.927" v="26" actId="20577"/>
+      <pc:sldChg chg="addSp delSp modSp mod">
+        <pc:chgData name="Casper Vananderoye" userId="25afd827-d329-4cf3-b86c-131bdbba2da6" providerId="ADAL" clId="{88F2B1B7-953D-4A7C-A0DB-7E0AEB71C245}" dt="2025-06-04T06:25:39.850" v="471" actId="20577"/>
         <pc:sldMkLst>
           <pc:docMk/>
           <pc:sldMk cId="0" sldId="256"/>
         </pc:sldMkLst>
         <pc:spChg chg="mod">
-          <ac:chgData name="Casper Vananderoye" userId="25afd827-d329-4cf3-b86c-131bdbba2da6" providerId="ADAL" clId="{88F2B1B7-953D-4A7C-A0DB-7E0AEB71C245}" dt="2025-05-14T06:43:58.927" v="26" actId="20577"/>
+          <ac:chgData name="Casper Vananderoye" userId="25afd827-d329-4cf3-b86c-131bdbba2da6" providerId="ADAL" clId="{88F2B1B7-953D-4A7C-A0DB-7E0AEB71C245}" dt="2025-06-04T06:25:03.727" v="468" actId="20577"/>
           <ac:spMkLst>
             <pc:docMk/>
             <pc:sldMk cId="0" sldId="256"/>
             <ac:spMk id="2" creationId="{00000000-0000-0000-0000-000000000000}"/>
           </ac:spMkLst>
         </pc:spChg>
+        <pc:spChg chg="del">
+          <ac:chgData name="Casper Vananderoye" userId="25afd827-d329-4cf3-b86c-131bdbba2da6" providerId="ADAL" clId="{88F2B1B7-953D-4A7C-A0DB-7E0AEB71C245}" dt="2025-05-26T10:03:29.845" v="27" actId="478"/>
+          <ac:spMkLst>
+            <pc:docMk/>
+            <pc:sldMk cId="0" sldId="256"/>
+            <ac:spMk id="3" creationId="{00000000-0000-0000-0000-000000000000}"/>
+          </ac:spMkLst>
+        </pc:spChg>
+        <pc:spChg chg="mod">
+          <ac:chgData name="Casper Vananderoye" userId="25afd827-d329-4cf3-b86c-131bdbba2da6" providerId="ADAL" clId="{88F2B1B7-953D-4A7C-A0DB-7E0AEB71C245}" dt="2025-05-26T10:04:12.318" v="34" actId="207"/>
+          <ac:spMkLst>
+            <pc:docMk/>
+            <pc:sldMk cId="0" sldId="256"/>
+            <ac:spMk id="4" creationId="{00000000-0000-0000-0000-000000000000}"/>
+          </ac:spMkLst>
+        </pc:spChg>
+        <pc:spChg chg="mod">
+          <ac:chgData name="Casper Vananderoye" userId="25afd827-d329-4cf3-b86c-131bdbba2da6" providerId="ADAL" clId="{88F2B1B7-953D-4A7C-A0DB-7E0AEB71C245}" dt="2025-06-04T06:25:39.850" v="471" actId="20577"/>
+          <ac:spMkLst>
+            <pc:docMk/>
+            <pc:sldMk cId="0" sldId="256"/>
+            <ac:spMk id="5" creationId="{00000000-0000-0000-0000-000000000000}"/>
+          </ac:spMkLst>
+        </pc:spChg>
+        <pc:spChg chg="mod">
+          <ac:chgData name="Casper Vananderoye" userId="25afd827-d329-4cf3-b86c-131bdbba2da6" providerId="ADAL" clId="{88F2B1B7-953D-4A7C-A0DB-7E0AEB71C245}" dt="2025-05-26T10:04:20.281" v="35" actId="207"/>
+          <ac:spMkLst>
+            <pc:docMk/>
+            <pc:sldMk cId="0" sldId="256"/>
+            <ac:spMk id="6" creationId="{00000000-0000-0000-0000-000000000000}"/>
+          </ac:spMkLst>
+        </pc:spChg>
+        <pc:spChg chg="mod">
+          <ac:chgData name="Casper Vananderoye" userId="25afd827-d329-4cf3-b86c-131bdbba2da6" providerId="ADAL" clId="{88F2B1B7-953D-4A7C-A0DB-7E0AEB71C245}" dt="2025-05-26T10:04:20.281" v="35" actId="207"/>
+          <ac:spMkLst>
+            <pc:docMk/>
+            <pc:sldMk cId="0" sldId="256"/>
+            <ac:spMk id="7" creationId="{00000000-0000-0000-0000-000000000000}"/>
+          </ac:spMkLst>
+        </pc:spChg>
+        <pc:spChg chg="mod">
+          <ac:chgData name="Casper Vananderoye" userId="25afd827-d329-4cf3-b86c-131bdbba2da6" providerId="ADAL" clId="{88F2B1B7-953D-4A7C-A0DB-7E0AEB71C245}" dt="2025-06-04T06:23:26.408" v="424" actId="1076"/>
+          <ac:spMkLst>
+            <pc:docMk/>
+            <pc:sldMk cId="0" sldId="256"/>
+            <ac:spMk id="8" creationId="{52B6F646-802C-83AF-62CD-D781C593291A}"/>
+          </ac:spMkLst>
+        </pc:spChg>
+        <pc:spChg chg="mod">
+          <ac:chgData name="Casper Vananderoye" userId="25afd827-d329-4cf3-b86c-131bdbba2da6" providerId="ADAL" clId="{88F2B1B7-953D-4A7C-A0DB-7E0AEB71C245}" dt="2025-06-04T06:23:29.095" v="425" actId="1035"/>
+          <ac:spMkLst>
+            <pc:docMk/>
+            <pc:sldMk cId="0" sldId="256"/>
+            <ac:spMk id="9" creationId="{79E69A78-7CB7-9905-AAF7-8354ACE7E399}"/>
+          </ac:spMkLst>
+        </pc:spChg>
+        <pc:spChg chg="mod">
+          <ac:chgData name="Casper Vananderoye" userId="25afd827-d329-4cf3-b86c-131bdbba2da6" providerId="ADAL" clId="{88F2B1B7-953D-4A7C-A0DB-7E0AEB71C245}" dt="2025-06-04T06:23:31.188" v="426" actId="1035"/>
+          <ac:spMkLst>
+            <pc:docMk/>
+            <pc:sldMk cId="0" sldId="256"/>
+            <ac:spMk id="10" creationId="{B9365B80-4D90-7B0F-6917-226FD9E6648A}"/>
+          </ac:spMkLst>
+        </pc:spChg>
+        <pc:picChg chg="add mod">
+          <ac:chgData name="Casper Vananderoye" userId="25afd827-d329-4cf3-b86c-131bdbba2da6" providerId="ADAL" clId="{88F2B1B7-953D-4A7C-A0DB-7E0AEB71C245}" dt="2025-06-04T06:25:17.937" v="469" actId="1076"/>
+          <ac:picMkLst>
+            <pc:docMk/>
+            <pc:sldMk cId="0" sldId="256"/>
+            <ac:picMk id="12" creationId="{5DCC8385-2B9A-E7D0-C212-C9FB21A268BB}"/>
+          </ac:picMkLst>
+        </pc:picChg>
       </pc:sldChg>
-      <pc:sldChg chg="modSp mod">
-        <pc:chgData name="Casper Vananderoye" userId="25afd827-d329-4cf3-b86c-131bdbba2da6" providerId="ADAL" clId="{88F2B1B7-953D-4A7C-A0DB-7E0AEB71C245}" dt="2025-05-14T06:28:56.756" v="1" actId="20577"/>
+      <pc:sldChg chg="addSp delSp modSp mod">
+        <pc:chgData name="Casper Vananderoye" userId="25afd827-d329-4cf3-b86c-131bdbba2da6" providerId="ADAL" clId="{88F2B1B7-953D-4A7C-A0DB-7E0AEB71C245}" dt="2025-06-04T06:26:22.593" v="531" actId="20577"/>
+        <pc:sldMkLst>
+          <pc:docMk/>
+          <pc:sldMk cId="0" sldId="258"/>
+        </pc:sldMkLst>
+        <pc:spChg chg="mod">
+          <ac:chgData name="Casper Vananderoye" userId="25afd827-d329-4cf3-b86c-131bdbba2da6" providerId="ADAL" clId="{88F2B1B7-953D-4A7C-A0DB-7E0AEB71C245}" dt="2025-06-04T06:26:22.593" v="531" actId="20577"/>
+          <ac:spMkLst>
+            <pc:docMk/>
+            <pc:sldMk cId="0" sldId="258"/>
+            <ac:spMk id="2" creationId="{00000000-0000-0000-0000-000000000000}"/>
+          </ac:spMkLst>
+        </pc:spChg>
+        <pc:spChg chg="mod">
+          <ac:chgData name="Casper Vananderoye" userId="25afd827-d329-4cf3-b86c-131bdbba2da6" providerId="ADAL" clId="{88F2B1B7-953D-4A7C-A0DB-7E0AEB71C245}" dt="2025-06-04T06:25:45.839" v="473" actId="20577"/>
+          <ac:spMkLst>
+            <pc:docMk/>
+            <pc:sldMk cId="0" sldId="258"/>
+            <ac:spMk id="3" creationId="{00000000-0000-0000-0000-000000000000}"/>
+          </ac:spMkLst>
+        </pc:spChg>
+        <pc:spChg chg="mod">
+          <ac:chgData name="Casper Vananderoye" userId="25afd827-d329-4cf3-b86c-131bdbba2da6" providerId="ADAL" clId="{88F2B1B7-953D-4A7C-A0DB-7E0AEB71C245}" dt="2025-05-26T10:08:01.055" v="75" actId="207"/>
+          <ac:spMkLst>
+            <pc:docMk/>
+            <pc:sldMk cId="0" sldId="258"/>
+            <ac:spMk id="4" creationId="{00000000-0000-0000-0000-000000000000}"/>
+          </ac:spMkLst>
+        </pc:spChg>
+        <pc:spChg chg="mod">
+          <ac:chgData name="Casper Vananderoye" userId="25afd827-d329-4cf3-b86c-131bdbba2da6" providerId="ADAL" clId="{88F2B1B7-953D-4A7C-A0DB-7E0AEB71C245}" dt="2025-05-26T10:21:47.848" v="263" actId="1035"/>
+          <ac:spMkLst>
+            <pc:docMk/>
+            <pc:sldMk cId="0" sldId="258"/>
+            <ac:spMk id="5" creationId="{EF27D63D-8D4F-039D-B35A-99D8E5DA568B}"/>
+          </ac:spMkLst>
+        </pc:spChg>
+        <pc:spChg chg="mod">
+          <ac:chgData name="Casper Vananderoye" userId="25afd827-d329-4cf3-b86c-131bdbba2da6" providerId="ADAL" clId="{88F2B1B7-953D-4A7C-A0DB-7E0AEB71C245}" dt="2025-05-26T10:21:47.848" v="263" actId="1035"/>
+          <ac:spMkLst>
+            <pc:docMk/>
+            <pc:sldMk cId="0" sldId="258"/>
+            <ac:spMk id="6" creationId="{23B1CBDE-FDC5-C637-3322-B5B8788437A9}"/>
+          </ac:spMkLst>
+        </pc:spChg>
+        <pc:spChg chg="mod">
+          <ac:chgData name="Casper Vananderoye" userId="25afd827-d329-4cf3-b86c-131bdbba2da6" providerId="ADAL" clId="{88F2B1B7-953D-4A7C-A0DB-7E0AEB71C245}" dt="2025-05-26T10:21:47.848" v="263" actId="1035"/>
+          <ac:spMkLst>
+            <pc:docMk/>
+            <pc:sldMk cId="0" sldId="258"/>
+            <ac:spMk id="7" creationId="{7011135B-8797-6EA1-7F03-18E6AEA629B0}"/>
+          </ac:spMkLst>
+        </pc:spChg>
+        <pc:picChg chg="add del mod">
+          <ac:chgData name="Casper Vananderoye" userId="25afd827-d329-4cf3-b86c-131bdbba2da6" providerId="ADAL" clId="{88F2B1B7-953D-4A7C-A0DB-7E0AEB71C245}" dt="2025-05-26T10:05:59.063" v="38" actId="478"/>
+          <ac:picMkLst>
+            <pc:docMk/>
+            <pc:sldMk cId="0" sldId="258"/>
+            <ac:picMk id="9" creationId="{7966944A-F845-137A-F3F8-A55C16ED0C3D}"/>
+          </ac:picMkLst>
+        </pc:picChg>
+        <pc:picChg chg="add mod">
+          <ac:chgData name="Casper Vananderoye" userId="25afd827-d329-4cf3-b86c-131bdbba2da6" providerId="ADAL" clId="{88F2B1B7-953D-4A7C-A0DB-7E0AEB71C245}" dt="2025-05-26T10:10:58.496" v="159" actId="208"/>
+          <ac:picMkLst>
+            <pc:docMk/>
+            <pc:sldMk cId="0" sldId="258"/>
+            <ac:picMk id="11" creationId="{89479901-EA58-4675-71B1-653F467C5007}"/>
+          </ac:picMkLst>
+        </pc:picChg>
+      </pc:sldChg>
+      <pc:sldChg chg="addSp delSp modSp mod">
+        <pc:chgData name="Casper Vananderoye" userId="25afd827-d329-4cf3-b86c-131bdbba2da6" providerId="ADAL" clId="{88F2B1B7-953D-4A7C-A0DB-7E0AEB71C245}" dt="2025-06-04T06:29:33.805" v="612" actId="1076"/>
         <pc:sldMkLst>
           <pc:docMk/>
           <pc:sldMk cId="0" sldId="260"/>
         </pc:sldMkLst>
         <pc:spChg chg="mod">
-          <ac:chgData name="Casper Vananderoye" userId="25afd827-d329-4cf3-b86c-131bdbba2da6" providerId="ADAL" clId="{88F2B1B7-953D-4A7C-A0DB-7E0AEB71C245}" dt="2025-05-14T06:28:56.756" v="1" actId="20577"/>
+          <ac:chgData name="Casper Vananderoye" userId="25afd827-d329-4cf3-b86c-131bdbba2da6" providerId="ADAL" clId="{88F2B1B7-953D-4A7C-A0DB-7E0AEB71C245}" dt="2025-06-04T06:29:33.805" v="612" actId="1076"/>
           <ac:spMkLst>
             <pc:docMk/>
             <pc:sldMk cId="0" sldId="260"/>
             <ac:spMk id="2" creationId="{00000000-0000-0000-0000-000000000000}"/>
           </ac:spMkLst>
         </pc:spChg>
+        <pc:spChg chg="del">
+          <ac:chgData name="Casper Vananderoye" userId="25afd827-d329-4cf3-b86c-131bdbba2da6" providerId="ADAL" clId="{88F2B1B7-953D-4A7C-A0DB-7E0AEB71C245}" dt="2025-05-26T10:16:26.689" v="161" actId="478"/>
+          <ac:spMkLst>
+            <pc:docMk/>
+            <pc:sldMk cId="0" sldId="260"/>
+            <ac:spMk id="3" creationId="{00000000-0000-0000-0000-000000000000}"/>
+          </ac:spMkLst>
+        </pc:spChg>
+        <pc:spChg chg="mod">
+          <ac:chgData name="Casper Vananderoye" userId="25afd827-d329-4cf3-b86c-131bdbba2da6" providerId="ADAL" clId="{88F2B1B7-953D-4A7C-A0DB-7E0AEB71C245}" dt="2025-06-04T06:25:50.527" v="475" actId="20577"/>
+          <ac:spMkLst>
+            <pc:docMk/>
+            <pc:sldMk cId="0" sldId="260"/>
+            <ac:spMk id="4" creationId="{00000000-0000-0000-0000-000000000000}"/>
+          </ac:spMkLst>
+        </pc:spChg>
+        <pc:picChg chg="add mod">
+          <ac:chgData name="Casper Vananderoye" userId="25afd827-d329-4cf3-b86c-131bdbba2da6" providerId="ADAL" clId="{88F2B1B7-953D-4A7C-A0DB-7E0AEB71C245}" dt="2025-05-26T10:18:39.852" v="247" actId="1076"/>
+          <ac:picMkLst>
+            <pc:docMk/>
+            <pc:sldMk cId="0" sldId="260"/>
+            <ac:picMk id="6" creationId="{1CFFE94F-8473-D28E-1703-2DAD5B5324C9}"/>
+          </ac:picMkLst>
+        </pc:picChg>
       </pc:sldChg>
-    </pc:docChg>
-  </pc:docChgLst>
-  <pc:docChgLst>
-    <pc:chgData name="Casper Vananderoye" userId="25afd827-d329-4cf3-b86c-131bdbba2da6" providerId="ADAL" clId="{7CCE74BA-887E-493E-8C75-AB2BFCA6433A}"/>
-    <pc:docChg chg="custSel addSld modSld">
-      <pc:chgData name="Casper Vananderoye" userId="25afd827-d329-4cf3-b86c-131bdbba2da6" providerId="ADAL" clId="{7CCE74BA-887E-493E-8C75-AB2BFCA6433A}" dt="2025-04-15T13:33:54.705" v="119" actId="1076"/>
-      <pc:docMkLst>
-        <pc:docMk/>
-      </pc:docMkLst>
-      <pc:sldChg chg="addSp delSp modSp add mod">
-        <pc:chgData name="Casper Vananderoye" userId="25afd827-d329-4cf3-b86c-131bdbba2da6" providerId="ADAL" clId="{7CCE74BA-887E-493E-8C75-AB2BFCA6433A}" dt="2025-04-15T13:33:54.705" v="119" actId="1076"/>
+      <pc:sldChg chg="addSp modSp mod">
+        <pc:chgData name="Casper Vananderoye" userId="25afd827-d329-4cf3-b86c-131bdbba2da6" providerId="ADAL" clId="{88F2B1B7-953D-4A7C-A0DB-7E0AEB71C245}" dt="2025-06-04T06:25:55.226" v="477" actId="20577"/>
         <pc:sldMkLst>
           <pc:docMk/>
-          <pc:sldMk cId="1626792675" sldId="263"/>
+          <pc:sldMk cId="0" sldId="262"/>
         </pc:sldMkLst>
         <pc:spChg chg="mod">
-          <ac:chgData name="Casper Vananderoye" userId="25afd827-d329-4cf3-b86c-131bdbba2da6" providerId="ADAL" clId="{7CCE74BA-887E-493E-8C75-AB2BFCA6433A}" dt="2025-04-15T13:27:39.924" v="107" actId="1076"/>
+          <ac:chgData name="Casper Vananderoye" userId="25afd827-d329-4cf3-b86c-131bdbba2da6" providerId="ADAL" clId="{88F2B1B7-953D-4A7C-A0DB-7E0AEB71C245}" dt="2025-05-26T10:20:15.191" v="250" actId="1076"/>
           <ac:spMkLst>
             <pc:docMk/>
-            <pc:sldMk cId="1626792675" sldId="263"/>
+            <pc:sldMk cId="0" sldId="262"/>
             <ac:spMk id="2" creationId="{00000000-0000-0000-0000-000000000000}"/>
           </ac:spMkLst>
         </pc:spChg>
-        <pc:spChg chg="add mod">
-          <ac:chgData name="Casper Vananderoye" userId="25afd827-d329-4cf3-b86c-131bdbba2da6" providerId="ADAL" clId="{7CCE74BA-887E-493E-8C75-AB2BFCA6433A}" dt="2025-04-15T13:27:39.924" v="107" actId="1076"/>
+        <pc:spChg chg="mod">
+          <ac:chgData name="Casper Vananderoye" userId="25afd827-d329-4cf3-b86c-131bdbba2da6" providerId="ADAL" clId="{88F2B1B7-953D-4A7C-A0DB-7E0AEB71C245}" dt="2025-05-26T10:20:30.138" v="255" actId="207"/>
           <ac:spMkLst>
             <pc:docMk/>
-            <pc:sldMk cId="1626792675" sldId="263"/>
-            <ac:spMk id="4" creationId="{5B79E959-10EC-79D9-5E60-48E916AC4EC5}"/>
+            <pc:sldMk cId="0" sldId="262"/>
+            <ac:spMk id="3" creationId="{00000000-0000-0000-0000-000000000000}"/>
+          </ac:spMkLst>
+        </pc:spChg>
+        <pc:spChg chg="add mod">
+          <ac:chgData name="Casper Vananderoye" userId="25afd827-d329-4cf3-b86c-131bdbba2da6" providerId="ADAL" clId="{88F2B1B7-953D-4A7C-A0DB-7E0AEB71C245}" dt="2025-05-26T10:20:44.908" v="260" actId="1076"/>
+          <ac:spMkLst>
+            <pc:docMk/>
+            <pc:sldMk cId="0" sldId="262"/>
+            <ac:spMk id="4" creationId="{B1972741-D4B6-7B8B-7DF3-DBB06583A807}"/>
           </ac:spMkLst>
         </pc:spChg>
         <pc:spChg chg="mod">
-          <ac:chgData name="Casper Vananderoye" userId="25afd827-d329-4cf3-b86c-131bdbba2da6" providerId="ADAL" clId="{7CCE74BA-887E-493E-8C75-AB2BFCA6433A}" dt="2025-04-15T13:27:39.924" v="107" actId="1076"/>
+          <ac:chgData name="Casper Vananderoye" userId="25afd827-d329-4cf3-b86c-131bdbba2da6" providerId="ADAL" clId="{88F2B1B7-953D-4A7C-A0DB-7E0AEB71C245}" dt="2025-06-04T06:25:55.226" v="477" actId="20577"/>
           <ac:spMkLst>
             <pc:docMk/>
-            <pc:sldMk cId="1626792675" sldId="263"/>
-            <ac:spMk id="6" creationId="{00000000-0000-0000-0000-000000000000}"/>
+            <pc:sldMk cId="0" sldId="262"/>
+            <ac:spMk id="7" creationId="{00000000-0000-0000-0000-000000000000}"/>
+          </ac:spMkLst>
+        </pc:spChg>
+        <pc:spChg chg="mod">
+          <ac:chgData name="Casper Vananderoye" userId="25afd827-d329-4cf3-b86c-131bdbba2da6" providerId="ADAL" clId="{88F2B1B7-953D-4A7C-A0DB-7E0AEB71C245}" dt="2025-05-26T10:20:30.138" v="255" actId="207"/>
+          <ac:spMkLst>
+            <pc:docMk/>
+            <pc:sldMk cId="0" sldId="262"/>
+            <ac:spMk id="8" creationId="{BCDCB324-6911-4CC0-E138-C709D956B97F}"/>
+          </ac:spMkLst>
+        </pc:spChg>
+        <pc:spChg chg="mod">
+          <ac:chgData name="Casper Vananderoye" userId="25afd827-d329-4cf3-b86c-131bdbba2da6" providerId="ADAL" clId="{88F2B1B7-953D-4A7C-A0DB-7E0AEB71C245}" dt="2025-05-26T10:20:35.619" v="258" actId="1035"/>
+          <ac:spMkLst>
+            <pc:docMk/>
+            <pc:sldMk cId="0" sldId="262"/>
+            <ac:spMk id="9" creationId="{EB0681BA-58AC-BCED-DC6E-166102A0ED65}"/>
           </ac:spMkLst>
         </pc:spChg>
         <pc:spChg chg="add mod">
-          <ac:chgData name="Casper Vananderoye" userId="25afd827-d329-4cf3-b86c-131bdbba2da6" providerId="ADAL" clId="{7CCE74BA-887E-493E-8C75-AB2BFCA6433A}" dt="2025-04-15T13:33:51.866" v="118" actId="14100"/>
+          <ac:chgData name="Casper Vananderoye" userId="25afd827-d329-4cf3-b86c-131bdbba2da6" providerId="ADAL" clId="{88F2B1B7-953D-4A7C-A0DB-7E0AEB71C245}" dt="2025-05-26T10:20:44.908" v="260" actId="1076"/>
           <ac:spMkLst>
             <pc:docMk/>
-            <pc:sldMk cId="1626792675" sldId="263"/>
-            <ac:spMk id="10" creationId="{1F6F23C9-87EC-A4EE-5CF1-3C140F4E46B8}"/>
+            <pc:sldMk cId="0" sldId="262"/>
+            <ac:spMk id="10" creationId="{D32FD639-FAEC-2F4F-5578-83EA90ECCD7A}"/>
           </ac:spMkLst>
         </pc:spChg>
-        <pc:picChg chg="add mod">
-          <ac:chgData name="Casper Vananderoye" userId="25afd827-d329-4cf3-b86c-131bdbba2da6" providerId="ADAL" clId="{7CCE74BA-887E-493E-8C75-AB2BFCA6433A}" dt="2025-04-15T13:33:54.705" v="119" actId="1076"/>
+      </pc:sldChg>
+      <pc:sldChg chg="addSp delSp modSp add mod">
+        <pc:chgData name="Casper Vananderoye" userId="25afd827-d329-4cf3-b86c-131bdbba2da6" providerId="ADAL" clId="{88F2B1B7-953D-4A7C-A0DB-7E0AEB71C245}" dt="2025-06-04T06:45:13.947" v="743" actId="1076"/>
+        <pc:sldMkLst>
+          <pc:docMk/>
+          <pc:sldMk cId="1767121325" sldId="264"/>
+        </pc:sldMkLst>
+        <pc:spChg chg="mod">
+          <ac:chgData name="Casper Vananderoye" userId="25afd827-d329-4cf3-b86c-131bdbba2da6" providerId="ADAL" clId="{88F2B1B7-953D-4A7C-A0DB-7E0AEB71C245}" dt="2025-06-04T06:44:49.359" v="739" actId="20577"/>
+          <ac:spMkLst>
+            <pc:docMk/>
+            <pc:sldMk cId="1767121325" sldId="264"/>
+            <ac:spMk id="2" creationId="{00000000-0000-0000-0000-000000000000}"/>
+          </ac:spMkLst>
+        </pc:spChg>
+        <pc:spChg chg="mod">
+          <ac:chgData name="Casper Vananderoye" userId="25afd827-d329-4cf3-b86c-131bdbba2da6" providerId="ADAL" clId="{88F2B1B7-953D-4A7C-A0DB-7E0AEB71C245}" dt="2025-06-04T06:45:13.947" v="743" actId="1076"/>
+          <ac:spMkLst>
+            <pc:docMk/>
+            <pc:sldMk cId="1767121325" sldId="264"/>
+            <ac:spMk id="5" creationId="{EF27D63D-8D4F-039D-B35A-99D8E5DA568B}"/>
+          </ac:spMkLst>
+        </pc:spChg>
+        <pc:spChg chg="mod">
+          <ac:chgData name="Casper Vananderoye" userId="25afd827-d329-4cf3-b86c-131bdbba2da6" providerId="ADAL" clId="{88F2B1B7-953D-4A7C-A0DB-7E0AEB71C245}" dt="2025-06-04T06:41:07.411" v="654" actId="1036"/>
+          <ac:spMkLst>
+            <pc:docMk/>
+            <pc:sldMk cId="1767121325" sldId="264"/>
+            <ac:spMk id="6" creationId="{23B1CBDE-FDC5-C637-3322-B5B8788437A9}"/>
+          </ac:spMkLst>
+        </pc:spChg>
+        <pc:spChg chg="del">
+          <ac:chgData name="Casper Vananderoye" userId="25afd827-d329-4cf3-b86c-131bdbba2da6" providerId="ADAL" clId="{88F2B1B7-953D-4A7C-A0DB-7E0AEB71C245}" dt="2025-06-04T06:36:21.814" v="619" actId="478"/>
+          <ac:spMkLst>
+            <pc:docMk/>
+            <pc:sldMk cId="1767121325" sldId="264"/>
+            <ac:spMk id="7" creationId="{7011135B-8797-6EA1-7F03-18E6AEA629B0}"/>
+          </ac:spMkLst>
+        </pc:spChg>
+        <pc:spChg chg="add mod">
+          <ac:chgData name="Casper Vananderoye" userId="25afd827-d329-4cf3-b86c-131bdbba2da6" providerId="ADAL" clId="{88F2B1B7-953D-4A7C-A0DB-7E0AEB71C245}" dt="2025-06-04T06:44:05.915" v="698" actId="1076"/>
+          <ac:spMkLst>
+            <pc:docMk/>
+            <pc:sldMk cId="1767121325" sldId="264"/>
+            <ac:spMk id="15" creationId="{570CFDAE-CBDB-3E21-C60D-833AB53299B3}"/>
+          </ac:spMkLst>
+        </pc:spChg>
+        <pc:spChg chg="add mod">
+          <ac:chgData name="Casper Vananderoye" userId="25afd827-d329-4cf3-b86c-131bdbba2da6" providerId="ADAL" clId="{88F2B1B7-953D-4A7C-A0DB-7E0AEB71C245}" dt="2025-06-04T06:44:05.915" v="698" actId="1076"/>
+          <ac:spMkLst>
+            <pc:docMk/>
+            <pc:sldMk cId="1767121325" sldId="264"/>
+            <ac:spMk id="16" creationId="{EA1E008A-041B-0C68-E59C-FF36948FC027}"/>
+          </ac:spMkLst>
+        </pc:spChg>
+        <pc:spChg chg="add mod">
+          <ac:chgData name="Casper Vananderoye" userId="25afd827-d329-4cf3-b86c-131bdbba2da6" providerId="ADAL" clId="{88F2B1B7-953D-4A7C-A0DB-7E0AEB71C245}" dt="2025-06-04T06:44:05.915" v="698" actId="1076"/>
+          <ac:spMkLst>
+            <pc:docMk/>
+            <pc:sldMk cId="1767121325" sldId="264"/>
+            <ac:spMk id="19" creationId="{6E48B7A9-D509-2F13-9741-7F9E62056A0A}"/>
+          </ac:spMkLst>
+        </pc:spChg>
+        <pc:spChg chg="add mod">
+          <ac:chgData name="Casper Vananderoye" userId="25afd827-d329-4cf3-b86c-131bdbba2da6" providerId="ADAL" clId="{88F2B1B7-953D-4A7C-A0DB-7E0AEB71C245}" dt="2025-06-04T06:44:05.915" v="698" actId="1076"/>
+          <ac:spMkLst>
+            <pc:docMk/>
+            <pc:sldMk cId="1767121325" sldId="264"/>
+            <ac:spMk id="22" creationId="{6A86D586-6FCC-4AB8-E06A-94EF1481E34A}"/>
+          </ac:spMkLst>
+        </pc:spChg>
+        <pc:spChg chg="add mod">
+          <ac:chgData name="Casper Vananderoye" userId="25afd827-d329-4cf3-b86c-131bdbba2da6" providerId="ADAL" clId="{88F2B1B7-953D-4A7C-A0DB-7E0AEB71C245}" dt="2025-06-04T06:45:01.896" v="742" actId="1035"/>
+          <ac:spMkLst>
+            <pc:docMk/>
+            <pc:sldMk cId="1767121325" sldId="264"/>
+            <ac:spMk id="23" creationId="{D6B60C69-C23C-DC3E-E295-C1E59E915F9F}"/>
+          </ac:spMkLst>
+        </pc:spChg>
+        <pc:picChg chg="mod">
+          <ac:chgData name="Casper Vananderoye" userId="25afd827-d329-4cf3-b86c-131bdbba2da6" providerId="ADAL" clId="{88F2B1B7-953D-4A7C-A0DB-7E0AEB71C245}" dt="2025-06-04T06:41:11.475" v="655" actId="1076"/>
           <ac:picMkLst>
             <pc:docMk/>
-            <pc:sldMk cId="1626792675" sldId="263"/>
-            <ac:picMk id="12" creationId="{837497B2-99FD-D545-77CB-77DBF2A1098F}"/>
+            <pc:sldMk cId="1767121325" sldId="264"/>
+            <ac:picMk id="11" creationId="{89479901-EA58-4675-71B1-653F467C5007}"/>
           </ac:picMkLst>
         </pc:picChg>
+        <pc:picChg chg="add mod">
+          <ac:chgData name="Casper Vananderoye" userId="25afd827-d329-4cf3-b86c-131bdbba2da6" providerId="ADAL" clId="{88F2B1B7-953D-4A7C-A0DB-7E0AEB71C245}" dt="2025-06-04T06:44:05.915" v="698" actId="1076"/>
+          <ac:picMkLst>
+            <pc:docMk/>
+            <pc:sldMk cId="1767121325" sldId="264"/>
+            <ac:picMk id="14" creationId="{6039236F-3075-867E-7405-98513E1BB06C}"/>
+          </ac:picMkLst>
+        </pc:picChg>
+        <pc:cxnChg chg="add del mod">
+          <ac:chgData name="Casper Vananderoye" userId="25afd827-d329-4cf3-b86c-131bdbba2da6" providerId="ADAL" clId="{88F2B1B7-953D-4A7C-A0DB-7E0AEB71C245}" dt="2025-06-04T06:38:46.446" v="634" actId="478"/>
+          <ac:cxnSpMkLst>
+            <pc:docMk/>
+            <pc:sldMk cId="1767121325" sldId="264"/>
+            <ac:cxnSpMk id="9" creationId="{C2F7D6F1-A9EC-C3DB-B651-199EBF93A7E4}"/>
+          </ac:cxnSpMkLst>
+        </pc:cxnChg>
+        <pc:cxnChg chg="add mod">
+          <ac:chgData name="Casper Vananderoye" userId="25afd827-d329-4cf3-b86c-131bdbba2da6" providerId="ADAL" clId="{88F2B1B7-953D-4A7C-A0DB-7E0AEB71C245}" dt="2025-06-04T06:44:05.915" v="698" actId="1076"/>
+          <ac:cxnSpMkLst>
+            <pc:docMk/>
+            <pc:sldMk cId="1767121325" sldId="264"/>
+            <ac:cxnSpMk id="18" creationId="{CE257380-4ED7-85F0-81D5-278F1C3E3FA5}"/>
+          </ac:cxnSpMkLst>
+        </pc:cxnChg>
+        <pc:cxnChg chg="add mod">
+          <ac:chgData name="Casper Vananderoye" userId="25afd827-d329-4cf3-b86c-131bdbba2da6" providerId="ADAL" clId="{88F2B1B7-953D-4A7C-A0DB-7E0AEB71C245}" dt="2025-06-04T06:44:05.915" v="698" actId="1076"/>
+          <ac:cxnSpMkLst>
+            <pc:docMk/>
+            <pc:sldMk cId="1767121325" sldId="264"/>
+            <ac:cxnSpMk id="21" creationId="{03EC05D3-5E05-820F-618E-8B85DA1CA575}"/>
+          </ac:cxnSpMkLst>
+        </pc:cxnChg>
       </pc:sldChg>
     </pc:docChg>
   </pc:docChgLst>
@@ -361,12 +654,28 @@
             <ac:spMk id="4" creationId="{00000000-0000-0000-0000-000000000000}"/>
           </ac:spMkLst>
         </pc:spChg>
+        <pc:spChg chg="del mod">
+          <ac:chgData name="Casper Vananderoye" userId="25afd827-d329-4cf3-b86c-131bdbba2da6" providerId="ADAL" clId="{3F3EA2EE-DB22-4D13-AB20-AEEF5F4F6103}" dt="2025-03-25T14:18:17.356" v="458" actId="478"/>
+          <ac:spMkLst>
+            <pc:docMk/>
+            <pc:sldMk cId="0" sldId="258"/>
+            <ac:spMk id="5" creationId="{00000000-0000-0000-0000-000000000000}"/>
+          </ac:spMkLst>
+        </pc:spChg>
         <pc:spChg chg="add mod">
           <ac:chgData name="Casper Vananderoye" userId="25afd827-d329-4cf3-b86c-131bdbba2da6" providerId="ADAL" clId="{3F3EA2EE-DB22-4D13-AB20-AEEF5F4F6103}" dt="2025-03-26T13:04:29.647" v="1038" actId="1076"/>
           <ac:spMkLst>
             <pc:docMk/>
             <pc:sldMk cId="0" sldId="258"/>
             <ac:spMk id="5" creationId="{EF27D63D-8D4F-039D-B35A-99D8E5DA568B}"/>
+          </ac:spMkLst>
+        </pc:spChg>
+        <pc:spChg chg="del">
+          <ac:chgData name="Casper Vananderoye" userId="25afd827-d329-4cf3-b86c-131bdbba2da6" providerId="ADAL" clId="{3F3EA2EE-DB22-4D13-AB20-AEEF5F4F6103}" dt="2025-03-24T13:52:29.805" v="125" actId="478"/>
+          <ac:spMkLst>
+            <pc:docMk/>
+            <pc:sldMk cId="0" sldId="258"/>
+            <ac:spMk id="6" creationId="{00000000-0000-0000-0000-000000000000}"/>
           </ac:spMkLst>
         </pc:spChg>
         <pc:spChg chg="add mod">
@@ -392,6 +701,14 @@
           <pc:docMk/>
           <pc:sldMk cId="0" sldId="259"/>
         </pc:sldMkLst>
+        <pc:spChg chg="mod">
+          <ac:chgData name="Casper Vananderoye" userId="25afd827-d329-4cf3-b86c-131bdbba2da6" providerId="ADAL" clId="{3F3EA2EE-DB22-4D13-AB20-AEEF5F4F6103}" dt="2025-03-25T14:24:48.297" v="510" actId="20577"/>
+          <ac:spMkLst>
+            <pc:docMk/>
+            <pc:sldMk cId="0" sldId="259"/>
+            <ac:spMk id="2" creationId="{00000000-0000-0000-0000-000000000000}"/>
+          </ac:spMkLst>
+        </pc:spChg>
       </pc:sldChg>
       <pc:sldChg chg="modSp mod">
         <pc:chgData name="Casper Vananderoye" userId="25afd827-d329-4cf3-b86c-131bdbba2da6" providerId="ADAL" clId="{3F3EA2EE-DB22-4D13-AB20-AEEF5F4F6103}" dt="2025-03-26T13:07:47.813" v="1075" actId="2710"/>
@@ -430,6 +747,14 @@
           <pc:docMk/>
           <pc:sldMk cId="0" sldId="261"/>
         </pc:sldMkLst>
+        <pc:spChg chg="mod">
+          <ac:chgData name="Casper Vananderoye" userId="25afd827-d329-4cf3-b86c-131bdbba2da6" providerId="ADAL" clId="{3F3EA2EE-DB22-4D13-AB20-AEEF5F4F6103}" dt="2025-03-24T14:16:44.521" v="301" actId="1076"/>
+          <ac:spMkLst>
+            <pc:docMk/>
+            <pc:sldMk cId="0" sldId="261"/>
+            <ac:spMk id="2" creationId="{00000000-0000-0000-0000-000000000000}"/>
+          </ac:spMkLst>
+        </pc:spChg>
       </pc:sldChg>
       <pc:sldChg chg="addSp delSp modSp mod">
         <pc:chgData name="Casper Vananderoye" userId="25afd827-d329-4cf3-b86c-131bdbba2da6" providerId="ADAL" clId="{3F3EA2EE-DB22-4D13-AB20-AEEF5F4F6103}" dt="2025-03-26T13:11:06.113" v="1141" actId="2710"/>
@@ -451,6 +776,14 @@
             <pc:docMk/>
             <pc:sldMk cId="0" sldId="262"/>
             <ac:spMk id="3" creationId="{00000000-0000-0000-0000-000000000000}"/>
+          </ac:spMkLst>
+        </pc:spChg>
+        <pc:spChg chg="del">
+          <ac:chgData name="Casper Vananderoye" userId="25afd827-d329-4cf3-b86c-131bdbba2da6" providerId="ADAL" clId="{3F3EA2EE-DB22-4D13-AB20-AEEF5F4F6103}" dt="2025-03-25T14:35:18.156" v="778" actId="478"/>
+          <ac:spMkLst>
+            <pc:docMk/>
+            <pc:sldMk cId="0" sldId="262"/>
+            <ac:spMk id="4" creationId="{00000000-0000-0000-0000-000000000000}"/>
           </ac:spMkLst>
         </pc:spChg>
         <pc:spChg chg="mod">
@@ -511,6 +844,102 @@
       </pc:sldChg>
     </pc:docChg>
   </pc:docChgLst>
+  <pc:docChgLst>
+    <pc:chgData name="Casper Vananderoye" userId="25afd827-d329-4cf3-b86c-131bdbba2da6" providerId="ADAL" clId="{7CCE74BA-887E-493E-8C75-AB2BFCA6433A}"/>
+    <pc:docChg chg="custSel addSld modSld">
+      <pc:chgData name="Casper Vananderoye" userId="25afd827-d329-4cf3-b86c-131bdbba2da6" providerId="ADAL" clId="{7CCE74BA-887E-493E-8C75-AB2BFCA6433A}" dt="2025-04-15T13:33:54.705" v="119" actId="1076"/>
+      <pc:docMkLst>
+        <pc:docMk/>
+      </pc:docMkLst>
+      <pc:sldChg chg="addSp delSp modSp add mod">
+        <pc:chgData name="Casper Vananderoye" userId="25afd827-d329-4cf3-b86c-131bdbba2da6" providerId="ADAL" clId="{7CCE74BA-887E-493E-8C75-AB2BFCA6433A}" dt="2025-04-15T13:33:54.705" v="119" actId="1076"/>
+        <pc:sldMkLst>
+          <pc:docMk/>
+          <pc:sldMk cId="1626792675" sldId="263"/>
+        </pc:sldMkLst>
+        <pc:spChg chg="mod">
+          <ac:chgData name="Casper Vananderoye" userId="25afd827-d329-4cf3-b86c-131bdbba2da6" providerId="ADAL" clId="{7CCE74BA-887E-493E-8C75-AB2BFCA6433A}" dt="2025-04-15T13:27:39.924" v="107" actId="1076"/>
+          <ac:spMkLst>
+            <pc:docMk/>
+            <pc:sldMk cId="1626792675" sldId="263"/>
+            <ac:spMk id="2" creationId="{00000000-0000-0000-0000-000000000000}"/>
+          </ac:spMkLst>
+        </pc:spChg>
+        <pc:spChg chg="del">
+          <ac:chgData name="Casper Vananderoye" userId="25afd827-d329-4cf3-b86c-131bdbba2da6" providerId="ADAL" clId="{7CCE74BA-887E-493E-8C75-AB2BFCA6433A}" dt="2025-04-15T13:22:58.537" v="2" actId="478"/>
+          <ac:spMkLst>
+            <pc:docMk/>
+            <pc:sldMk cId="1626792675" sldId="263"/>
+            <ac:spMk id="3" creationId="{00000000-0000-0000-0000-000000000000}"/>
+          </ac:spMkLst>
+        </pc:spChg>
+        <pc:spChg chg="add mod">
+          <ac:chgData name="Casper Vananderoye" userId="25afd827-d329-4cf3-b86c-131bdbba2da6" providerId="ADAL" clId="{7CCE74BA-887E-493E-8C75-AB2BFCA6433A}" dt="2025-04-15T13:27:39.924" v="107" actId="1076"/>
+          <ac:spMkLst>
+            <pc:docMk/>
+            <pc:sldMk cId="1626792675" sldId="263"/>
+            <ac:spMk id="4" creationId="{5B79E959-10EC-79D9-5E60-48E916AC4EC5}"/>
+          </ac:spMkLst>
+        </pc:spChg>
+        <pc:spChg chg="del">
+          <ac:chgData name="Casper Vananderoye" userId="25afd827-d329-4cf3-b86c-131bdbba2da6" providerId="ADAL" clId="{7CCE74BA-887E-493E-8C75-AB2BFCA6433A}" dt="2025-04-15T13:22:58.537" v="2" actId="478"/>
+          <ac:spMkLst>
+            <pc:docMk/>
+            <pc:sldMk cId="1626792675" sldId="263"/>
+            <ac:spMk id="5" creationId="{00000000-0000-0000-0000-000000000000}"/>
+          </ac:spMkLst>
+        </pc:spChg>
+        <pc:spChg chg="mod">
+          <ac:chgData name="Casper Vananderoye" userId="25afd827-d329-4cf3-b86c-131bdbba2da6" providerId="ADAL" clId="{7CCE74BA-887E-493E-8C75-AB2BFCA6433A}" dt="2025-04-15T13:27:39.924" v="107" actId="1076"/>
+          <ac:spMkLst>
+            <pc:docMk/>
+            <pc:sldMk cId="1626792675" sldId="263"/>
+            <ac:spMk id="6" creationId="{00000000-0000-0000-0000-000000000000}"/>
+          </ac:spMkLst>
+        </pc:spChg>
+        <pc:spChg chg="del">
+          <ac:chgData name="Casper Vananderoye" userId="25afd827-d329-4cf3-b86c-131bdbba2da6" providerId="ADAL" clId="{7CCE74BA-887E-493E-8C75-AB2BFCA6433A}" dt="2025-04-15T13:22:53.437" v="1" actId="478"/>
+          <ac:spMkLst>
+            <pc:docMk/>
+            <pc:sldMk cId="1626792675" sldId="263"/>
+            <ac:spMk id="7" creationId="{00000000-0000-0000-0000-000000000000}"/>
+          </ac:spMkLst>
+        </pc:spChg>
+        <pc:spChg chg="del">
+          <ac:chgData name="Casper Vananderoye" userId="25afd827-d329-4cf3-b86c-131bdbba2da6" providerId="ADAL" clId="{7CCE74BA-887E-493E-8C75-AB2BFCA6433A}" dt="2025-04-15T13:22:58.537" v="2" actId="478"/>
+          <ac:spMkLst>
+            <pc:docMk/>
+            <pc:sldMk cId="1626792675" sldId="263"/>
+            <ac:spMk id="8" creationId="{BCDCB324-6911-4CC0-E138-C709D956B97F}"/>
+          </ac:spMkLst>
+        </pc:spChg>
+        <pc:spChg chg="del">
+          <ac:chgData name="Casper Vananderoye" userId="25afd827-d329-4cf3-b86c-131bdbba2da6" providerId="ADAL" clId="{7CCE74BA-887E-493E-8C75-AB2BFCA6433A}" dt="2025-04-15T13:22:58.537" v="2" actId="478"/>
+          <ac:spMkLst>
+            <pc:docMk/>
+            <pc:sldMk cId="1626792675" sldId="263"/>
+            <ac:spMk id="9" creationId="{EB0681BA-58AC-BCED-DC6E-166102A0ED65}"/>
+          </ac:spMkLst>
+        </pc:spChg>
+        <pc:spChg chg="add mod">
+          <ac:chgData name="Casper Vananderoye" userId="25afd827-d329-4cf3-b86c-131bdbba2da6" providerId="ADAL" clId="{7CCE74BA-887E-493E-8C75-AB2BFCA6433A}" dt="2025-04-15T13:33:51.866" v="118" actId="14100"/>
+          <ac:spMkLst>
+            <pc:docMk/>
+            <pc:sldMk cId="1626792675" sldId="263"/>
+            <ac:spMk id="10" creationId="{1F6F23C9-87EC-A4EE-5CF1-3C140F4E46B8}"/>
+          </ac:spMkLst>
+        </pc:spChg>
+        <pc:picChg chg="add mod">
+          <ac:chgData name="Casper Vananderoye" userId="25afd827-d329-4cf3-b86c-131bdbba2da6" providerId="ADAL" clId="{7CCE74BA-887E-493E-8C75-AB2BFCA6433A}" dt="2025-04-15T13:33:54.705" v="119" actId="1076"/>
+          <ac:picMkLst>
+            <pc:docMk/>
+            <pc:sldMk cId="1626792675" sldId="263"/>
+            <ac:picMk id="12" creationId="{837497B2-99FD-D545-77CB-77DBF2A1098F}"/>
+          </ac:picMkLst>
+        </pc:picChg>
+      </pc:sldChg>
+    </pc:docChg>
+  </pc:docChgLst>
 </pc:chgInfo>
 </file>
 
@@ -694,7 +1123,7 @@
             <a:fld id="{1D8BD707-D9CF-40AE-B4C6-C98DA3205C09}" type="datetimeFigureOut">
               <a:rPr lang="en-US" smtClean="0"/>
               <a:pPr/>
-              <a:t>5/15/2025</a:t>
+              <a:t>6/4/2025</a:t>
             </a:fld>
             <a:endParaRPr lang="en-US"/>
           </a:p>
@@ -859,7 +1288,7 @@
             <a:fld id="{1D8BD707-D9CF-40AE-B4C6-C98DA3205C09}" type="datetimeFigureOut">
               <a:rPr lang="en-US" smtClean="0"/>
               <a:pPr/>
-              <a:t>5/15/2025</a:t>
+              <a:t>6/4/2025</a:t>
             </a:fld>
             <a:endParaRPr lang="en-US"/>
           </a:p>
@@ -1034,7 +1463,7 @@
             <a:fld id="{1D8BD707-D9CF-40AE-B4C6-C98DA3205C09}" type="datetimeFigureOut">
               <a:rPr lang="en-US" smtClean="0"/>
               <a:pPr/>
-              <a:t>5/15/2025</a:t>
+              <a:t>6/4/2025</a:t>
             </a:fld>
             <a:endParaRPr lang="en-US"/>
           </a:p>
@@ -1199,7 +1628,7 @@
             <a:fld id="{1D8BD707-D9CF-40AE-B4C6-C98DA3205C09}" type="datetimeFigureOut">
               <a:rPr lang="en-US" smtClean="0"/>
               <a:pPr/>
-              <a:t>5/15/2025</a:t>
+              <a:t>6/4/2025</a:t>
             </a:fld>
             <a:endParaRPr lang="en-US"/>
           </a:p>
@@ -1441,7 +1870,7 @@
             <a:fld id="{1D8BD707-D9CF-40AE-B4C6-C98DA3205C09}" type="datetimeFigureOut">
               <a:rPr lang="en-US" smtClean="0"/>
               <a:pPr/>
-              <a:t>5/15/2025</a:t>
+              <a:t>6/4/2025</a:t>
             </a:fld>
             <a:endParaRPr lang="en-US"/>
           </a:p>
@@ -1723,7 +2152,7 @@
             <a:fld id="{1D8BD707-D9CF-40AE-B4C6-C98DA3205C09}" type="datetimeFigureOut">
               <a:rPr lang="en-US" smtClean="0"/>
               <a:pPr/>
-              <a:t>5/15/2025</a:t>
+              <a:t>6/4/2025</a:t>
             </a:fld>
             <a:endParaRPr lang="en-US"/>
           </a:p>
@@ -2139,7 +2568,7 @@
             <a:fld id="{1D8BD707-D9CF-40AE-B4C6-C98DA3205C09}" type="datetimeFigureOut">
               <a:rPr lang="en-US" smtClean="0"/>
               <a:pPr/>
-              <a:t>5/15/2025</a:t>
+              <a:t>6/4/2025</a:t>
             </a:fld>
             <a:endParaRPr lang="en-US"/>
           </a:p>
@@ -2253,7 +2682,7 @@
             <a:fld id="{1D8BD707-D9CF-40AE-B4C6-C98DA3205C09}" type="datetimeFigureOut">
               <a:rPr lang="en-US" smtClean="0"/>
               <a:pPr/>
-              <a:t>5/15/2025</a:t>
+              <a:t>6/4/2025</a:t>
             </a:fld>
             <a:endParaRPr lang="en-US"/>
           </a:p>
@@ -2345,7 +2774,7 @@
             <a:fld id="{1D8BD707-D9CF-40AE-B4C6-C98DA3205C09}" type="datetimeFigureOut">
               <a:rPr lang="en-US" smtClean="0"/>
               <a:pPr/>
-              <a:t>5/15/2025</a:t>
+              <a:t>6/4/2025</a:t>
             </a:fld>
             <a:endParaRPr lang="en-US"/>
           </a:p>
@@ -2617,7 +3046,7 @@
             <a:fld id="{1D8BD707-D9CF-40AE-B4C6-C98DA3205C09}" type="datetimeFigureOut">
               <a:rPr lang="en-US" smtClean="0"/>
               <a:pPr/>
-              <a:t>5/15/2025</a:t>
+              <a:t>6/4/2025</a:t>
             </a:fld>
             <a:endParaRPr lang="en-US"/>
           </a:p>
@@ -2866,7 +3295,7 @@
             <a:fld id="{1D8BD707-D9CF-40AE-B4C6-C98DA3205C09}" type="datetimeFigureOut">
               <a:rPr lang="en-US" smtClean="0"/>
               <a:pPr/>
-              <a:t>5/15/2025</a:t>
+              <a:t>6/4/2025</a:t>
             </a:fld>
             <a:endParaRPr lang="en-US"/>
           </a:p>
@@ -3074,7 +3503,7 @@
             <a:fld id="{1D8BD707-D9CF-40AE-B4C6-C98DA3205C09}" type="datetimeFigureOut">
               <a:rPr lang="en-US" smtClean="0"/>
               <a:pPr/>
-              <a:t>5/15/2025</a:t>
+              <a:t>6/4/2025</a:t>
             </a:fld>
             <a:endParaRPr lang="en-US"/>
           </a:p>
@@ -3454,7 +3883,7 @@
         <p:spPr>
           <a:xfrm>
             <a:off x="914400" y="1409700"/>
-            <a:ext cx="13241448" cy="10186828"/>
+            <a:ext cx="14325600" cy="9083962"/>
           </a:xfrm>
           <a:prstGeom prst="rect">
             <a:avLst/>
@@ -3533,11 +3962,23 @@
             </a:r>
           </a:p>
           <a:p>
-            <a:pPr algn="ctr">
+            <a:pPr>
               <a:lnSpc>
                 <a:spcPts val="4339"/>
               </a:lnSpc>
             </a:pPr>
+            <a:r>
+              <a:rPr lang="en-US" sz="3099" dirty="0">
+                <a:solidFill>
+                  <a:srgbClr val="000000"/>
+                </a:solidFill>
+                <a:latin typeface="Kollektif" panose="020B0604020202020204" charset="0"/>
+                <a:ea typeface="Kollektif"/>
+                <a:cs typeface="Kollektif"/>
+                <a:sym typeface="Kollektif Bold"/>
+              </a:rPr>
+              <a:t>     1. </a:t>
+            </a:r>
             <a:r>
               <a:rPr lang="en-US" sz="3099" dirty="0">
                 <a:solidFill>
@@ -3868,6 +4309,436 @@
               </a:rPr>
               <a:t>           Lage rug</a:t>
             </a:r>
+          </a:p>
+          <a:p>
+            <a:pPr algn="l">
+              <a:lnSpc>
+                <a:spcPts val="4339"/>
+              </a:lnSpc>
+            </a:pPr>
+            <a:endParaRPr lang="en-US" sz="3099" dirty="0">
+              <a:solidFill>
+                <a:srgbClr val="000000"/>
+              </a:solidFill>
+              <a:latin typeface="Kollektif"/>
+              <a:ea typeface="Kollektif"/>
+              <a:cs typeface="Kollektif"/>
+              <a:sym typeface="Kollektif"/>
+            </a:endParaRPr>
+          </a:p>
+          <a:p>
+            <a:pPr algn="l">
+              <a:lnSpc>
+                <a:spcPts val="4899"/>
+              </a:lnSpc>
+            </a:pPr>
+            <a:r>
+              <a:rPr lang="en-US" sz="3100" dirty="0">
+                <a:solidFill>
+                  <a:srgbClr val="000000"/>
+                </a:solidFill>
+                <a:latin typeface="Kollektif"/>
+                <a:ea typeface="Kollektif"/>
+                <a:cs typeface="Kollektif"/>
+                <a:sym typeface="Kollektif"/>
+              </a:rPr>
+              <a:t>    2.  Elke </a:t>
+            </a:r>
+            <a:r>
+              <a:rPr lang="en-US" sz="3100" dirty="0" err="1">
+                <a:solidFill>
+                  <a:srgbClr val="000000"/>
+                </a:solidFill>
+                <a:latin typeface="Kollektif"/>
+                <a:ea typeface="Kollektif"/>
+                <a:cs typeface="Kollektif"/>
+                <a:sym typeface="Kollektif"/>
+              </a:rPr>
+              <a:t>locatie</a:t>
+            </a:r>
+            <a:r>
+              <a:rPr lang="en-US" sz="3100" dirty="0">
+                <a:solidFill>
+                  <a:srgbClr val="000000"/>
+                </a:solidFill>
+                <a:latin typeface="Kollektif"/>
+                <a:ea typeface="Kollektif"/>
+                <a:cs typeface="Kollektif"/>
+                <a:sym typeface="Kollektif"/>
+              </a:rPr>
+              <a:t> </a:t>
+            </a:r>
+            <a:r>
+              <a:rPr lang="en-US" sz="3100" dirty="0" err="1">
+                <a:solidFill>
+                  <a:srgbClr val="000000"/>
+                </a:solidFill>
+                <a:latin typeface="Kollektif"/>
+                <a:ea typeface="Kollektif"/>
+                <a:cs typeface="Kollektif"/>
+                <a:sym typeface="Kollektif"/>
+              </a:rPr>
+              <a:t>wordt</a:t>
+            </a:r>
+            <a:r>
+              <a:rPr lang="en-US" sz="3100" dirty="0">
+                <a:solidFill>
+                  <a:srgbClr val="000000"/>
+                </a:solidFill>
+                <a:latin typeface="Kollektif"/>
+                <a:ea typeface="Kollektif"/>
+                <a:cs typeface="Kollektif"/>
+                <a:sym typeface="Kollektif"/>
+              </a:rPr>
+              <a:t> </a:t>
+            </a:r>
+            <a:r>
+              <a:rPr lang="en-US" sz="3100" dirty="0" err="1">
+                <a:solidFill>
+                  <a:srgbClr val="000000"/>
+                </a:solidFill>
+                <a:latin typeface="Kollektif"/>
+                <a:ea typeface="Kollektif"/>
+                <a:cs typeface="Kollektif"/>
+                <a:sym typeface="Kollektif"/>
+              </a:rPr>
+              <a:t>gemarkeerd</a:t>
+            </a:r>
+            <a:r>
+              <a:rPr lang="en-US" sz="3100" dirty="0">
+                <a:solidFill>
+                  <a:srgbClr val="000000"/>
+                </a:solidFill>
+                <a:latin typeface="Kollektif"/>
+                <a:ea typeface="Kollektif"/>
+                <a:cs typeface="Kollektif"/>
+                <a:sym typeface="Kollektif"/>
+              </a:rPr>
+              <a:t> en </a:t>
+            </a:r>
+            <a:r>
+              <a:rPr lang="en-US" sz="3100" dirty="0" err="1">
+                <a:solidFill>
+                  <a:srgbClr val="000000"/>
+                </a:solidFill>
+                <a:latin typeface="Kollektif"/>
+                <a:ea typeface="Kollektif"/>
+                <a:cs typeface="Kollektif"/>
+                <a:sym typeface="Kollektif"/>
+              </a:rPr>
+              <a:t>vervolgens</a:t>
+            </a:r>
+            <a:r>
+              <a:rPr lang="en-US" sz="3100" dirty="0">
+                <a:solidFill>
+                  <a:srgbClr val="000000"/>
+                </a:solidFill>
+                <a:latin typeface="Kollektif"/>
+                <a:ea typeface="Kollektif"/>
+                <a:cs typeface="Kollektif"/>
+                <a:sym typeface="Kollektif"/>
+              </a:rPr>
+              <a:t> 3 </a:t>
+            </a:r>
+            <a:r>
+              <a:rPr lang="en-US" sz="3100" dirty="0" err="1">
+                <a:solidFill>
+                  <a:srgbClr val="000000"/>
+                </a:solidFill>
+                <a:latin typeface="Kollektif"/>
+                <a:ea typeface="Kollektif"/>
+                <a:cs typeface="Kollektif"/>
+                <a:sym typeface="Kollektif"/>
+              </a:rPr>
+              <a:t>keer</a:t>
+            </a:r>
+            <a:r>
+              <a:rPr lang="en-US" sz="3100" dirty="0">
+                <a:solidFill>
+                  <a:srgbClr val="000000"/>
+                </a:solidFill>
+                <a:latin typeface="Kollektif"/>
+                <a:ea typeface="Kollektif"/>
+                <a:cs typeface="Kollektif"/>
+                <a:sym typeface="Kollektif"/>
+              </a:rPr>
+              <a:t> </a:t>
+            </a:r>
+            <a:r>
+              <a:rPr lang="en-US" sz="3100" dirty="0" err="1">
+                <a:solidFill>
+                  <a:srgbClr val="000000"/>
+                </a:solidFill>
+                <a:latin typeface="Kollektif"/>
+                <a:ea typeface="Kollektif"/>
+                <a:cs typeface="Kollektif"/>
+                <a:sym typeface="Kollektif"/>
+              </a:rPr>
+              <a:t>getest</a:t>
+            </a:r>
+            <a:r>
+              <a:rPr lang="en-US" sz="3100" dirty="0">
+                <a:solidFill>
+                  <a:srgbClr val="000000"/>
+                </a:solidFill>
+                <a:latin typeface="Kollektif"/>
+                <a:ea typeface="Kollektif"/>
+                <a:cs typeface="Kollektif"/>
+                <a:sym typeface="Kollektif"/>
+              </a:rPr>
+              <a:t>.</a:t>
+            </a:r>
+          </a:p>
+          <a:p>
+            <a:pPr algn="l">
+              <a:lnSpc>
+                <a:spcPts val="4899"/>
+              </a:lnSpc>
+            </a:pPr>
+            <a:r>
+              <a:rPr lang="en-US" sz="3100" dirty="0">
+                <a:solidFill>
+                  <a:srgbClr val="000000"/>
+                </a:solidFill>
+                <a:latin typeface="Kollektif"/>
+                <a:ea typeface="Kollektif"/>
+                <a:cs typeface="Kollektif"/>
+                <a:sym typeface="Kollektif"/>
+              </a:rPr>
+              <a:t>    3. 30 </a:t>
+            </a:r>
+            <a:r>
+              <a:rPr lang="en-US" sz="3100" dirty="0" err="1">
+                <a:solidFill>
+                  <a:srgbClr val="000000"/>
+                </a:solidFill>
+                <a:latin typeface="Kollektif"/>
+                <a:ea typeface="Kollektif"/>
+                <a:cs typeface="Kollektif"/>
+                <a:sym typeface="Kollektif"/>
+              </a:rPr>
+              <a:t>seconden</a:t>
+            </a:r>
+            <a:r>
+              <a:rPr lang="en-US" sz="3100" dirty="0">
+                <a:solidFill>
+                  <a:srgbClr val="000000"/>
+                </a:solidFill>
+                <a:latin typeface="Kollektif"/>
+                <a:ea typeface="Kollektif"/>
+                <a:cs typeface="Kollektif"/>
+                <a:sym typeface="Kollektif"/>
+              </a:rPr>
+              <a:t> </a:t>
+            </a:r>
+            <a:r>
+              <a:rPr lang="en-US" sz="3100" dirty="0" err="1">
+                <a:solidFill>
+                  <a:srgbClr val="000000"/>
+                </a:solidFill>
+                <a:latin typeface="Kollektif"/>
+                <a:ea typeface="Kollektif"/>
+                <a:cs typeface="Kollektif"/>
+                <a:sym typeface="Kollektif"/>
+              </a:rPr>
+              <a:t>pauze</a:t>
+            </a:r>
+            <a:r>
+              <a:rPr lang="en-US" sz="3100" dirty="0">
+                <a:solidFill>
+                  <a:srgbClr val="000000"/>
+                </a:solidFill>
+                <a:latin typeface="Kollektif"/>
+                <a:ea typeface="Kollektif"/>
+                <a:cs typeface="Kollektif"/>
+                <a:sym typeface="Kollektif"/>
+              </a:rPr>
+              <a:t> </a:t>
+            </a:r>
+            <a:r>
+              <a:rPr lang="en-US" sz="3100" dirty="0" err="1">
+                <a:solidFill>
+                  <a:srgbClr val="000000"/>
+                </a:solidFill>
+                <a:latin typeface="Kollektif"/>
+                <a:ea typeface="Kollektif"/>
+                <a:cs typeface="Kollektif"/>
+                <a:sym typeface="Kollektif"/>
+              </a:rPr>
+              <a:t>tussen</a:t>
+            </a:r>
+            <a:r>
+              <a:rPr lang="en-US" sz="3100" dirty="0">
+                <a:solidFill>
+                  <a:srgbClr val="000000"/>
+                </a:solidFill>
+                <a:latin typeface="Kollektif"/>
+                <a:ea typeface="Kollektif"/>
+                <a:cs typeface="Kollektif"/>
+                <a:sym typeface="Kollektif"/>
+              </a:rPr>
+              <a:t> </a:t>
+            </a:r>
+            <a:r>
+              <a:rPr lang="en-US" sz="3100" dirty="0" err="1">
+                <a:solidFill>
+                  <a:srgbClr val="000000"/>
+                </a:solidFill>
+                <a:latin typeface="Kollektif"/>
+                <a:ea typeface="Kollektif"/>
+                <a:cs typeface="Kollektif"/>
+                <a:sym typeface="Kollektif"/>
+              </a:rPr>
+              <a:t>elke</a:t>
+            </a:r>
+            <a:r>
+              <a:rPr lang="en-US" sz="3100" dirty="0">
+                <a:solidFill>
+                  <a:srgbClr val="000000"/>
+                </a:solidFill>
+                <a:latin typeface="Kollektif"/>
+                <a:ea typeface="Kollektif"/>
+                <a:cs typeface="Kollektif"/>
+                <a:sym typeface="Kollektif"/>
+              </a:rPr>
+              <a:t> meting.</a:t>
+            </a:r>
+          </a:p>
+          <a:p>
+            <a:pPr algn="l">
+              <a:lnSpc>
+                <a:spcPts val="4899"/>
+              </a:lnSpc>
+            </a:pPr>
+            <a:r>
+              <a:rPr lang="en-US" sz="3100" dirty="0">
+                <a:solidFill>
+                  <a:srgbClr val="000000"/>
+                </a:solidFill>
+                <a:latin typeface="Kollektif"/>
+                <a:ea typeface="Kollektif"/>
+                <a:cs typeface="Kollektif"/>
+                <a:sym typeface="Kollektif"/>
+              </a:rPr>
+              <a:t>    4. </a:t>
+            </a:r>
+            <a:r>
+              <a:rPr lang="en-US" sz="3100" dirty="0" err="1">
+                <a:solidFill>
+                  <a:srgbClr val="000000"/>
+                </a:solidFill>
+                <a:latin typeface="Kollektif"/>
+                <a:ea typeface="Kollektif"/>
+                <a:cs typeface="Kollektif"/>
+                <a:sym typeface="Kollektif"/>
+              </a:rPr>
+              <a:t>Daarna</a:t>
+            </a:r>
+            <a:r>
+              <a:rPr lang="en-US" sz="3100" dirty="0">
+                <a:solidFill>
+                  <a:srgbClr val="000000"/>
+                </a:solidFill>
+                <a:latin typeface="Kollektif"/>
+                <a:ea typeface="Kollektif"/>
+                <a:cs typeface="Kollektif"/>
+                <a:sym typeface="Kollektif"/>
+              </a:rPr>
+              <a:t> </a:t>
+            </a:r>
+            <a:r>
+              <a:rPr lang="en-US" sz="3100" dirty="0" err="1">
+                <a:solidFill>
+                  <a:srgbClr val="000000"/>
+                </a:solidFill>
+                <a:latin typeface="Kollektif"/>
+                <a:ea typeface="Kollektif"/>
+                <a:cs typeface="Kollektif"/>
+                <a:sym typeface="Kollektif"/>
+              </a:rPr>
+              <a:t>gaan</a:t>
+            </a:r>
+            <a:r>
+              <a:rPr lang="en-US" sz="3100" dirty="0">
+                <a:solidFill>
+                  <a:srgbClr val="000000"/>
+                </a:solidFill>
+                <a:latin typeface="Kollektif"/>
+                <a:ea typeface="Kollektif"/>
+                <a:cs typeface="Kollektif"/>
+                <a:sym typeface="Kollektif"/>
+              </a:rPr>
+              <a:t> we </a:t>
+            </a:r>
+            <a:r>
+              <a:rPr lang="en-US" sz="3100" dirty="0" err="1">
+                <a:solidFill>
+                  <a:srgbClr val="000000"/>
+                </a:solidFill>
+                <a:latin typeface="Kollektif"/>
+                <a:ea typeface="Kollektif"/>
+                <a:cs typeface="Kollektif"/>
+                <a:sym typeface="Kollektif"/>
+              </a:rPr>
+              <a:t>naar</a:t>
+            </a:r>
+            <a:r>
+              <a:rPr lang="en-US" sz="3100" dirty="0">
+                <a:solidFill>
+                  <a:srgbClr val="000000"/>
+                </a:solidFill>
+                <a:latin typeface="Kollektif"/>
+                <a:ea typeface="Kollektif"/>
+                <a:cs typeface="Kollektif"/>
+                <a:sym typeface="Kollektif"/>
+              </a:rPr>
+              <a:t> de </a:t>
+            </a:r>
+            <a:r>
+              <a:rPr lang="en-US" sz="3100" dirty="0" err="1">
+                <a:solidFill>
+                  <a:srgbClr val="000000"/>
+                </a:solidFill>
+                <a:latin typeface="Kollektif"/>
+                <a:ea typeface="Kollektif"/>
+                <a:cs typeface="Kollektif"/>
+                <a:sym typeface="Kollektif"/>
+              </a:rPr>
+              <a:t>volgende</a:t>
+            </a:r>
+            <a:r>
+              <a:rPr lang="en-US" sz="3100" dirty="0">
+                <a:solidFill>
+                  <a:srgbClr val="000000"/>
+                </a:solidFill>
+                <a:latin typeface="Kollektif"/>
+                <a:ea typeface="Kollektif"/>
+                <a:cs typeface="Kollektif"/>
+                <a:sym typeface="Kollektif"/>
+              </a:rPr>
+              <a:t> </a:t>
+            </a:r>
+            <a:r>
+              <a:rPr lang="en-US" sz="3100" dirty="0" err="1">
+                <a:solidFill>
+                  <a:srgbClr val="000000"/>
+                </a:solidFill>
+                <a:latin typeface="Kollektif"/>
+                <a:ea typeface="Kollektif"/>
+                <a:cs typeface="Kollektif"/>
+                <a:sym typeface="Kollektif"/>
+              </a:rPr>
+              <a:t>locatie</a:t>
+            </a:r>
+            <a:endParaRPr lang="en-US" sz="3100" dirty="0">
+              <a:solidFill>
+                <a:srgbClr val="000000"/>
+              </a:solidFill>
+              <a:latin typeface="Kollektif"/>
+              <a:ea typeface="Kollektif"/>
+              <a:cs typeface="Kollektif"/>
+              <a:sym typeface="Kollektif"/>
+            </a:endParaRPr>
           </a:p>
           <a:p>
             <a:pPr algn="ctr">
@@ -3901,7 +4772,7 @@
                 <a:cs typeface="Kollektif Bold"/>
                 <a:sym typeface="Kollektif Bold"/>
               </a:rPr>
-              <a:t>Hoe </a:t>
+              <a:t>Wat ga </a:t>
             </a:r>
             <a:r>
               <a:rPr lang="en-US" sz="3099" b="1" u="sng" dirty="0" err="1">
@@ -3913,7 +4784,7 @@
                 <a:cs typeface="Kollektif Bold"/>
                 <a:sym typeface="Kollektif Bold"/>
               </a:rPr>
-              <a:t>werkt</a:t>
+              <a:t>jij</a:t>
             </a:r>
             <a:r>
               <a:rPr lang="en-US" sz="3099" b="1" u="sng" dirty="0">
@@ -3925,15 +4796,38 @@
                 <a:cs typeface="Kollektif Bold"/>
                 <a:sym typeface="Kollektif Bold"/>
               </a:rPr>
-              <a:t> het?</a:t>
-            </a:r>
-          </a:p>
-          <a:p>
-            <a:pPr marL="669281" lvl="1" indent="-334641" algn="ctr">
+              <a:t> </a:t>
+            </a:r>
+            <a:r>
+              <a:rPr lang="en-US" sz="3099" b="1" u="sng" dirty="0" err="1">
+                <a:solidFill>
+                  <a:srgbClr val="000000"/>
+                </a:solidFill>
+                <a:latin typeface="Kollektif Bold"/>
+                <a:ea typeface="Kollektif Bold"/>
+                <a:cs typeface="Kollektif Bold"/>
+                <a:sym typeface="Kollektif Bold"/>
+              </a:rPr>
+              <a:t>doen</a:t>
+            </a:r>
+            <a:r>
+              <a:rPr lang="en-US" sz="3099" b="1" u="sng" dirty="0">
+                <a:solidFill>
+                  <a:srgbClr val="000000"/>
+                </a:solidFill>
+                <a:latin typeface="Kollektif Bold"/>
+                <a:ea typeface="Kollektif Bold"/>
+                <a:cs typeface="Kollektif Bold"/>
+                <a:sym typeface="Kollektif Bold"/>
+              </a:rPr>
+              <a:t>:</a:t>
+            </a:r>
+          </a:p>
+          <a:p>
+            <a:pPr marL="334640" lvl="1" algn="ctr">
               <a:lnSpc>
                 <a:spcPts val="4339"/>
               </a:lnSpc>
-              <a:buAutoNum type="arabicPeriod"/>
             </a:pPr>
             <a:r>
               <a:rPr lang="en-US" sz="3099" dirty="0">
@@ -3945,7 +4839,7 @@
                 <a:cs typeface="Kollektif"/>
                 <a:sym typeface="Kollektif"/>
               </a:rPr>
-              <a:t>We </a:t>
+              <a:t>  We </a:t>
             </a:r>
             <a:r>
               <a:rPr lang="en-US" sz="3099" dirty="0" err="1">
@@ -4084,7 +4978,7 @@
                 <a:cs typeface="Kollektif"/>
                 <a:sym typeface="Kollektif"/>
               </a:rPr>
-              <a:t>    2. </a:t>
+              <a:t>             </a:t>
             </a:r>
             <a:r>
               <a:rPr lang="en-US" sz="3099" dirty="0" err="1">
@@ -4295,7 +5189,7 @@
                 <a:cs typeface="Kollektif"/>
                 <a:sym typeface="Kollektif"/>
               </a:rPr>
-              <a:t>    3. </a:t>
+              <a:t>             </a:t>
             </a:r>
             <a:r>
               <a:rPr lang="en-US" sz="3099" dirty="0" err="1">
@@ -4417,485 +5311,11 @@
               </a:rPr>
               <a:t>.</a:t>
             </a:r>
-          </a:p>
-          <a:p>
-            <a:pPr algn="l">
-              <a:lnSpc>
-                <a:spcPts val="4339"/>
-              </a:lnSpc>
-            </a:pPr>
-            <a:endParaRPr lang="en-US" sz="3099" dirty="0">
-              <a:solidFill>
-                <a:srgbClr val="000000"/>
-              </a:solidFill>
-              <a:latin typeface="Kollektif"/>
-              <a:ea typeface="Kollektif"/>
-              <a:cs typeface="Kollektif"/>
-              <a:sym typeface="Kollektif"/>
-            </a:endParaRPr>
-          </a:p>
-          <a:p>
-            <a:pPr algn="ctr">
-              <a:lnSpc>
-                <a:spcPts val="4899"/>
-              </a:lnSpc>
-            </a:pPr>
-            <a:r>
-              <a:rPr lang="en-US" sz="3100" b="1" u="sng" dirty="0" err="1">
-                <a:solidFill>
-                  <a:srgbClr val="000000"/>
-                </a:solidFill>
-                <a:latin typeface="Kollektif Bold"/>
-                <a:ea typeface="Kollektif Bold"/>
-                <a:cs typeface="Kollektif Bold"/>
-                <a:sym typeface="Kollektif Bold"/>
-              </a:rPr>
-              <a:t>Meetprocedure</a:t>
-            </a:r>
-            <a:endParaRPr lang="en-US" sz="3100" b="1" u="sng" dirty="0">
-              <a:solidFill>
-                <a:srgbClr val="000000"/>
-              </a:solidFill>
-              <a:latin typeface="Kollektif Bold"/>
-              <a:ea typeface="Kollektif Bold"/>
-              <a:cs typeface="Kollektif Bold"/>
-              <a:sym typeface="Kollektif Bold"/>
-            </a:endParaRPr>
           </a:p>
           <a:p>
             <a:pPr algn="l">
               <a:lnSpc>
                 <a:spcPts val="4899"/>
-              </a:lnSpc>
-            </a:pPr>
-            <a:r>
-              <a:rPr lang="en-US" sz="3200" dirty="0">
-                <a:solidFill>
-                  <a:srgbClr val="000000"/>
-                </a:solidFill>
-                <a:latin typeface="Kollektif"/>
-                <a:ea typeface="Kollektif"/>
-                <a:cs typeface="Kollektif"/>
-                <a:sym typeface="Kollektif"/>
-              </a:rPr>
-              <a:t>           Elke </a:t>
-            </a:r>
-            <a:r>
-              <a:rPr lang="en-US" sz="3200" dirty="0" err="1">
-                <a:solidFill>
-                  <a:srgbClr val="000000"/>
-                </a:solidFill>
-                <a:latin typeface="Kollektif"/>
-                <a:ea typeface="Kollektif"/>
-                <a:cs typeface="Kollektif"/>
-                <a:sym typeface="Kollektif"/>
-              </a:rPr>
-              <a:t>locatie</a:t>
-            </a:r>
-            <a:r>
-              <a:rPr lang="en-US" sz="3200" dirty="0">
-                <a:solidFill>
-                  <a:srgbClr val="000000"/>
-                </a:solidFill>
-                <a:latin typeface="Kollektif"/>
-                <a:ea typeface="Kollektif"/>
-                <a:cs typeface="Kollektif"/>
-                <a:sym typeface="Kollektif"/>
-              </a:rPr>
-              <a:t> </a:t>
-            </a:r>
-            <a:r>
-              <a:rPr lang="en-US" sz="3200" dirty="0" err="1">
-                <a:solidFill>
-                  <a:srgbClr val="000000"/>
-                </a:solidFill>
-                <a:latin typeface="Kollektif"/>
-                <a:ea typeface="Kollektif"/>
-                <a:cs typeface="Kollektif"/>
-                <a:sym typeface="Kollektif"/>
-              </a:rPr>
-              <a:t>wordt</a:t>
-            </a:r>
-            <a:r>
-              <a:rPr lang="en-US" sz="3200" dirty="0">
-                <a:solidFill>
-                  <a:srgbClr val="000000"/>
-                </a:solidFill>
-                <a:latin typeface="Kollektif"/>
-                <a:ea typeface="Kollektif"/>
-                <a:cs typeface="Kollektif"/>
-                <a:sym typeface="Kollektif"/>
-              </a:rPr>
-              <a:t> </a:t>
-            </a:r>
-            <a:r>
-              <a:rPr lang="en-US" sz="3200" dirty="0" err="1">
-                <a:solidFill>
-                  <a:srgbClr val="000000"/>
-                </a:solidFill>
-                <a:latin typeface="Kollektif"/>
-                <a:ea typeface="Kollektif"/>
-                <a:cs typeface="Kollektif"/>
-                <a:sym typeface="Kollektif"/>
-              </a:rPr>
-              <a:t>gemarkeerd</a:t>
-            </a:r>
-            <a:r>
-              <a:rPr lang="en-US" sz="3200" dirty="0">
-                <a:solidFill>
-                  <a:srgbClr val="000000"/>
-                </a:solidFill>
-                <a:latin typeface="Kollektif"/>
-                <a:ea typeface="Kollektif"/>
-                <a:cs typeface="Kollektif"/>
-                <a:sym typeface="Kollektif"/>
-              </a:rPr>
-              <a:t> en </a:t>
-            </a:r>
-            <a:r>
-              <a:rPr lang="en-US" sz="3200" dirty="0" err="1">
-                <a:solidFill>
-                  <a:srgbClr val="000000"/>
-                </a:solidFill>
-                <a:latin typeface="Kollektif"/>
-                <a:ea typeface="Kollektif"/>
-                <a:cs typeface="Kollektif"/>
-                <a:sym typeface="Kollektif"/>
-              </a:rPr>
-              <a:t>vervolgens</a:t>
-            </a:r>
-            <a:r>
-              <a:rPr lang="en-US" sz="3200" dirty="0">
-                <a:solidFill>
-                  <a:srgbClr val="000000"/>
-                </a:solidFill>
-                <a:latin typeface="Kollektif"/>
-                <a:ea typeface="Kollektif"/>
-                <a:cs typeface="Kollektif"/>
-                <a:sym typeface="Kollektif"/>
-              </a:rPr>
-              <a:t> 3 </a:t>
-            </a:r>
-            <a:r>
-              <a:rPr lang="en-US" sz="3200" dirty="0" err="1">
-                <a:solidFill>
-                  <a:srgbClr val="000000"/>
-                </a:solidFill>
-                <a:latin typeface="Kollektif"/>
-                <a:ea typeface="Kollektif"/>
-                <a:cs typeface="Kollektif"/>
-                <a:sym typeface="Kollektif"/>
-              </a:rPr>
-              <a:t>keer</a:t>
-            </a:r>
-            <a:r>
-              <a:rPr lang="en-US" sz="3200" dirty="0">
-                <a:solidFill>
-                  <a:srgbClr val="000000"/>
-                </a:solidFill>
-                <a:latin typeface="Kollektif"/>
-                <a:ea typeface="Kollektif"/>
-                <a:cs typeface="Kollektif"/>
-                <a:sym typeface="Kollektif"/>
-              </a:rPr>
-              <a:t> </a:t>
-            </a:r>
-            <a:r>
-              <a:rPr lang="en-US" sz="3200" dirty="0" err="1">
-                <a:solidFill>
-                  <a:srgbClr val="000000"/>
-                </a:solidFill>
-                <a:latin typeface="Kollektif"/>
-                <a:ea typeface="Kollektif"/>
-                <a:cs typeface="Kollektif"/>
-                <a:sym typeface="Kollektif"/>
-              </a:rPr>
-              <a:t>getest</a:t>
-            </a:r>
-            <a:r>
-              <a:rPr lang="en-US" sz="3200" dirty="0">
-                <a:solidFill>
-                  <a:srgbClr val="000000"/>
-                </a:solidFill>
-                <a:latin typeface="Kollektif"/>
-                <a:ea typeface="Kollektif"/>
-                <a:cs typeface="Kollektif"/>
-                <a:sym typeface="Kollektif"/>
-              </a:rPr>
-              <a:t>.</a:t>
-            </a:r>
-          </a:p>
-          <a:p>
-            <a:pPr algn="l">
-              <a:lnSpc>
-                <a:spcPts val="4899"/>
-              </a:lnSpc>
-            </a:pPr>
-            <a:r>
-              <a:rPr lang="en-US" sz="3200" dirty="0">
-                <a:solidFill>
-                  <a:srgbClr val="000000"/>
-                </a:solidFill>
-                <a:latin typeface="Kollektif"/>
-                <a:ea typeface="Kollektif"/>
-                <a:cs typeface="Kollektif"/>
-                <a:sym typeface="Kollektif"/>
-              </a:rPr>
-              <a:t>           30 </a:t>
-            </a:r>
-            <a:r>
-              <a:rPr lang="en-US" sz="3200" dirty="0" err="1">
-                <a:solidFill>
-                  <a:srgbClr val="000000"/>
-                </a:solidFill>
-                <a:latin typeface="Kollektif"/>
-                <a:ea typeface="Kollektif"/>
-                <a:cs typeface="Kollektif"/>
-                <a:sym typeface="Kollektif"/>
-              </a:rPr>
-              <a:t>seconden</a:t>
-            </a:r>
-            <a:r>
-              <a:rPr lang="en-US" sz="3200" dirty="0">
-                <a:solidFill>
-                  <a:srgbClr val="000000"/>
-                </a:solidFill>
-                <a:latin typeface="Kollektif"/>
-                <a:ea typeface="Kollektif"/>
-                <a:cs typeface="Kollektif"/>
-                <a:sym typeface="Kollektif"/>
-              </a:rPr>
-              <a:t> </a:t>
-            </a:r>
-            <a:r>
-              <a:rPr lang="en-US" sz="3200" dirty="0" err="1">
-                <a:solidFill>
-                  <a:srgbClr val="000000"/>
-                </a:solidFill>
-                <a:latin typeface="Kollektif"/>
-                <a:ea typeface="Kollektif"/>
-                <a:cs typeface="Kollektif"/>
-                <a:sym typeface="Kollektif"/>
-              </a:rPr>
-              <a:t>pauze</a:t>
-            </a:r>
-            <a:r>
-              <a:rPr lang="en-US" sz="3200" dirty="0">
-                <a:solidFill>
-                  <a:srgbClr val="000000"/>
-                </a:solidFill>
-                <a:latin typeface="Kollektif"/>
-                <a:ea typeface="Kollektif"/>
-                <a:cs typeface="Kollektif"/>
-                <a:sym typeface="Kollektif"/>
-              </a:rPr>
-              <a:t> </a:t>
-            </a:r>
-            <a:r>
-              <a:rPr lang="en-US" sz="3200" dirty="0" err="1">
-                <a:solidFill>
-                  <a:srgbClr val="000000"/>
-                </a:solidFill>
-                <a:latin typeface="Kollektif"/>
-                <a:ea typeface="Kollektif"/>
-                <a:cs typeface="Kollektif"/>
-                <a:sym typeface="Kollektif"/>
-              </a:rPr>
-              <a:t>tussen</a:t>
-            </a:r>
-            <a:r>
-              <a:rPr lang="en-US" sz="3200" dirty="0">
-                <a:solidFill>
-                  <a:srgbClr val="000000"/>
-                </a:solidFill>
-                <a:latin typeface="Kollektif"/>
-                <a:ea typeface="Kollektif"/>
-                <a:cs typeface="Kollektif"/>
-                <a:sym typeface="Kollektif"/>
-              </a:rPr>
-              <a:t> </a:t>
-            </a:r>
-            <a:r>
-              <a:rPr lang="en-US" sz="3200" dirty="0" err="1">
-                <a:solidFill>
-                  <a:srgbClr val="000000"/>
-                </a:solidFill>
-                <a:latin typeface="Kollektif"/>
-                <a:ea typeface="Kollektif"/>
-                <a:cs typeface="Kollektif"/>
-                <a:sym typeface="Kollektif"/>
-              </a:rPr>
-              <a:t>elke</a:t>
-            </a:r>
-            <a:r>
-              <a:rPr lang="en-US" sz="3200" dirty="0">
-                <a:solidFill>
-                  <a:srgbClr val="000000"/>
-                </a:solidFill>
-                <a:latin typeface="Kollektif"/>
-                <a:ea typeface="Kollektif"/>
-                <a:cs typeface="Kollektif"/>
-                <a:sym typeface="Kollektif"/>
-              </a:rPr>
-              <a:t> meting.</a:t>
-            </a:r>
-          </a:p>
-          <a:p>
-            <a:pPr algn="l">
-              <a:lnSpc>
-                <a:spcPts val="4899"/>
-              </a:lnSpc>
-            </a:pPr>
-            <a:r>
-              <a:rPr lang="en-US" sz="3200" dirty="0">
-                <a:solidFill>
-                  <a:srgbClr val="000000"/>
-                </a:solidFill>
-                <a:latin typeface="Kollektif"/>
-                <a:ea typeface="Kollektif"/>
-                <a:cs typeface="Kollektif"/>
-                <a:sym typeface="Kollektif"/>
-              </a:rPr>
-              <a:t>           </a:t>
-            </a:r>
-            <a:r>
-              <a:rPr lang="en-US" sz="3200" dirty="0" err="1">
-                <a:solidFill>
-                  <a:srgbClr val="000000"/>
-                </a:solidFill>
-                <a:latin typeface="Kollektif"/>
-                <a:ea typeface="Kollektif"/>
-                <a:cs typeface="Kollektif"/>
-                <a:sym typeface="Kollektif"/>
-              </a:rPr>
-              <a:t>Daarna</a:t>
-            </a:r>
-            <a:r>
-              <a:rPr lang="en-US" sz="3200" dirty="0">
-                <a:solidFill>
-                  <a:srgbClr val="000000"/>
-                </a:solidFill>
-                <a:latin typeface="Kollektif"/>
-                <a:ea typeface="Kollektif"/>
-                <a:cs typeface="Kollektif"/>
-                <a:sym typeface="Kollektif"/>
-              </a:rPr>
-              <a:t> </a:t>
-            </a:r>
-            <a:r>
-              <a:rPr lang="en-US" sz="3200" dirty="0" err="1">
-                <a:solidFill>
-                  <a:srgbClr val="000000"/>
-                </a:solidFill>
-                <a:latin typeface="Kollektif"/>
-                <a:ea typeface="Kollektif"/>
-                <a:cs typeface="Kollektif"/>
-                <a:sym typeface="Kollektif"/>
-              </a:rPr>
-              <a:t>gaan</a:t>
-            </a:r>
-            <a:r>
-              <a:rPr lang="en-US" sz="3200" dirty="0">
-                <a:solidFill>
-                  <a:srgbClr val="000000"/>
-                </a:solidFill>
-                <a:latin typeface="Kollektif"/>
-                <a:ea typeface="Kollektif"/>
-                <a:cs typeface="Kollektif"/>
-                <a:sym typeface="Kollektif"/>
-              </a:rPr>
-              <a:t> we </a:t>
-            </a:r>
-            <a:r>
-              <a:rPr lang="en-US" sz="3200" dirty="0" err="1">
-                <a:solidFill>
-                  <a:srgbClr val="000000"/>
-                </a:solidFill>
-                <a:latin typeface="Kollektif"/>
-                <a:ea typeface="Kollektif"/>
-                <a:cs typeface="Kollektif"/>
-                <a:sym typeface="Kollektif"/>
-              </a:rPr>
-              <a:t>naar</a:t>
-            </a:r>
-            <a:r>
-              <a:rPr lang="en-US" sz="3200" dirty="0">
-                <a:solidFill>
-                  <a:srgbClr val="000000"/>
-                </a:solidFill>
-                <a:latin typeface="Kollektif"/>
-                <a:ea typeface="Kollektif"/>
-                <a:cs typeface="Kollektif"/>
-                <a:sym typeface="Kollektif"/>
-              </a:rPr>
-              <a:t> de </a:t>
-            </a:r>
-            <a:r>
-              <a:rPr lang="en-US" sz="3200" dirty="0" err="1">
-                <a:solidFill>
-                  <a:srgbClr val="000000"/>
-                </a:solidFill>
-                <a:latin typeface="Kollektif"/>
-                <a:ea typeface="Kollektif"/>
-                <a:cs typeface="Kollektif"/>
-                <a:sym typeface="Kollektif"/>
-              </a:rPr>
-              <a:t>volgende</a:t>
-            </a:r>
-            <a:r>
-              <a:rPr lang="en-US" sz="3200" dirty="0">
-                <a:solidFill>
-                  <a:srgbClr val="000000"/>
-                </a:solidFill>
-                <a:latin typeface="Kollektif"/>
-                <a:ea typeface="Kollektif"/>
-                <a:cs typeface="Kollektif"/>
-                <a:sym typeface="Kollektif"/>
-              </a:rPr>
-              <a:t> </a:t>
-            </a:r>
-            <a:r>
-              <a:rPr lang="en-US" sz="3200" dirty="0" err="1">
-                <a:solidFill>
-                  <a:srgbClr val="000000"/>
-                </a:solidFill>
-                <a:latin typeface="Kollektif"/>
-                <a:ea typeface="Kollektif"/>
-                <a:cs typeface="Kollektif"/>
-                <a:sym typeface="Kollektif"/>
-              </a:rPr>
-              <a:t>locatie</a:t>
-            </a:r>
-            <a:endParaRPr lang="en-US" sz="3099" dirty="0">
-              <a:solidFill>
-                <a:srgbClr val="000000"/>
-              </a:solidFill>
-              <a:latin typeface="Kollektif"/>
-              <a:ea typeface="Kollektif"/>
-              <a:cs typeface="Kollektif"/>
-              <a:sym typeface="Kollektif"/>
-            </a:endParaRPr>
-          </a:p>
-          <a:p>
-            <a:pPr algn="l">
-              <a:lnSpc>
-                <a:spcPts val="4339"/>
-              </a:lnSpc>
-            </a:pPr>
-            <a:endParaRPr lang="en-US" sz="3099" dirty="0">
-              <a:solidFill>
-                <a:srgbClr val="000000"/>
-              </a:solidFill>
-              <a:latin typeface="Kollektif"/>
-              <a:ea typeface="Kollektif"/>
-              <a:cs typeface="Kollektif"/>
-              <a:sym typeface="Kollektif"/>
-            </a:endParaRPr>
-          </a:p>
-          <a:p>
-            <a:pPr algn="l">
-              <a:lnSpc>
-                <a:spcPts val="4339"/>
               </a:lnSpc>
             </a:pPr>
             <a:endParaRPr lang="en-US" sz="3099" dirty="0">
@@ -4928,59 +5348,6 @@
       </p:sp>
       <p:sp>
         <p:nvSpPr>
-          <p:cNvPr id="3" name="Freeform 3"/>
-          <p:cNvSpPr/>
-          <p:nvPr/>
-        </p:nvSpPr>
-        <p:spPr>
-          <a:xfrm>
-            <a:off x="13710881" y="1733260"/>
-            <a:ext cx="4155861" cy="6356958"/>
-          </a:xfrm>
-          <a:custGeom>
-            <a:avLst/>
-            <a:gdLst/>
-            <a:ahLst/>
-            <a:cxnLst/>
-            <a:rect l="l" t="t" r="r" b="b"/>
-            <a:pathLst>
-              <a:path w="4155861" h="6356958">
-                <a:moveTo>
-                  <a:pt x="0" y="0"/>
-                </a:moveTo>
-                <a:lnTo>
-                  <a:pt x="4155862" y="0"/>
-                </a:lnTo>
-                <a:lnTo>
-                  <a:pt x="4155862" y="6356958"/>
-                </a:lnTo>
-                <a:lnTo>
-                  <a:pt x="0" y="6356958"/>
-                </a:lnTo>
-                <a:lnTo>
-                  <a:pt x="0" y="0"/>
-                </a:lnTo>
-                <a:close/>
-              </a:path>
-            </a:pathLst>
-          </a:custGeom>
-          <a:blipFill>
-            <a:blip r:embed="rId2"/>
-            <a:stretch>
-              <a:fillRect/>
-            </a:stretch>
-          </a:blipFill>
-        </p:spPr>
-        <p:txBody>
-          <a:bodyPr/>
-          <a:lstStyle/>
-          <a:p>
-            <a:endParaRPr lang="nl-BE"/>
-          </a:p>
-        </p:txBody>
-      </p:sp>
-      <p:sp>
-        <p:nvSpPr>
           <p:cNvPr id="4" name="Freeform 4"/>
           <p:cNvSpPr/>
           <p:nvPr/>
@@ -4988,1584 +5355,6 @@
         <p:spPr>
           <a:xfrm rot="946521" flipV="1">
             <a:off x="1098607" y="2603392"/>
-            <a:ext cx="873232" cy="312180"/>
-          </a:xfrm>
-          <a:custGeom>
-            <a:avLst/>
-            <a:gdLst/>
-            <a:ahLst/>
-            <a:cxnLst/>
-            <a:rect l="l" t="t" r="r" b="b"/>
-            <a:pathLst>
-              <a:path w="873232" h="312180">
-                <a:moveTo>
-                  <a:pt x="0" y="312181"/>
-                </a:moveTo>
-                <a:lnTo>
-                  <a:pt x="873232" y="312181"/>
-                </a:lnTo>
-                <a:lnTo>
-                  <a:pt x="873232" y="0"/>
-                </a:lnTo>
-                <a:lnTo>
-                  <a:pt x="0" y="0"/>
-                </a:lnTo>
-                <a:lnTo>
-                  <a:pt x="0" y="312181"/>
-                </a:lnTo>
-                <a:close/>
-              </a:path>
-            </a:pathLst>
-          </a:custGeom>
-          <a:blipFill>
-            <a:blip r:embed="rId3">
-              <a:extLst>
-                <a:ext uri="{96DAC541-7B7A-43D3-8B79-37D633B846F1}">
-                  <asvg:svgBlip xmlns:asvg="http://schemas.microsoft.com/office/drawing/2016/SVG/main" r:embed="rId4"/>
-                </a:ext>
-              </a:extLst>
-            </a:blip>
-            <a:stretch>
-              <a:fillRect/>
-            </a:stretch>
-          </a:blipFill>
-        </p:spPr>
-        <p:txBody>
-          <a:bodyPr/>
-          <a:lstStyle/>
-          <a:p>
-            <a:endParaRPr lang="nl-BE"/>
-          </a:p>
-        </p:txBody>
-      </p:sp>
-      <p:sp>
-        <p:nvSpPr>
-          <p:cNvPr id="5" name="TextBox 5"/>
-          <p:cNvSpPr txBox="1"/>
-          <p:nvPr/>
-        </p:nvSpPr>
-        <p:spPr>
-          <a:xfrm>
-            <a:off x="3399420" y="0"/>
-            <a:ext cx="11489159" cy="1150508"/>
-          </a:xfrm>
-          <a:prstGeom prst="rect">
-            <a:avLst/>
-          </a:prstGeom>
-        </p:spPr>
-        <p:txBody>
-          <a:bodyPr wrap="square" lIns="0" tIns="0" rIns="0" bIns="0" rtlCol="0" anchor="t">
-            <a:spAutoFit/>
-          </a:bodyPr>
-          <a:lstStyle/>
-          <a:p>
-            <a:pPr algn="ctr">
-              <a:lnSpc>
-                <a:spcPts val="9799"/>
-              </a:lnSpc>
-            </a:pPr>
-            <a:r>
-              <a:rPr lang="en-US" sz="6999" dirty="0" err="1">
-                <a:solidFill>
-                  <a:srgbClr val="000000"/>
-                </a:solidFill>
-                <a:latin typeface="Bryndan Write"/>
-                <a:ea typeface="Bryndan Write"/>
-                <a:cs typeface="Bryndan Write"/>
-                <a:sym typeface="Bryndan Write"/>
-              </a:rPr>
-              <a:t>Testprocedure</a:t>
-            </a:r>
-            <a:r>
-              <a:rPr lang="en-US" sz="6999" dirty="0">
-                <a:solidFill>
-                  <a:srgbClr val="000000"/>
-                </a:solidFill>
-                <a:latin typeface="Bryndan Write"/>
-                <a:ea typeface="Bryndan Write"/>
-                <a:cs typeface="Bryndan Write"/>
-                <a:sym typeface="Bryndan Write"/>
-              </a:rPr>
-              <a:t> – </a:t>
-            </a:r>
-            <a:r>
-              <a:rPr lang="en-US" sz="6999" dirty="0" err="1">
-                <a:solidFill>
-                  <a:srgbClr val="000000"/>
-                </a:solidFill>
-                <a:latin typeface="Bryndan Write"/>
-                <a:ea typeface="Bryndan Write"/>
-                <a:cs typeface="Bryndan Write"/>
-                <a:sym typeface="Bryndan Write"/>
-              </a:rPr>
-              <a:t>onderdeel</a:t>
-            </a:r>
-            <a:r>
-              <a:rPr lang="en-US" sz="6999" dirty="0">
-                <a:solidFill>
-                  <a:srgbClr val="000000"/>
-                </a:solidFill>
-                <a:latin typeface="Bryndan Write"/>
-                <a:ea typeface="Bryndan Write"/>
-                <a:cs typeface="Bryndan Write"/>
-                <a:sym typeface="Bryndan Write"/>
-              </a:rPr>
-              <a:t> 1</a:t>
-            </a:r>
-          </a:p>
-        </p:txBody>
-      </p:sp>
-      <p:sp>
-        <p:nvSpPr>
-          <p:cNvPr id="6" name="Freeform 6"/>
-          <p:cNvSpPr/>
-          <p:nvPr/>
-        </p:nvSpPr>
-        <p:spPr>
-          <a:xfrm rot="946521" flipV="1">
-            <a:off x="1098607" y="3141217"/>
-            <a:ext cx="873232" cy="312180"/>
-          </a:xfrm>
-          <a:custGeom>
-            <a:avLst/>
-            <a:gdLst/>
-            <a:ahLst/>
-            <a:cxnLst/>
-            <a:rect l="l" t="t" r="r" b="b"/>
-            <a:pathLst>
-              <a:path w="873232" h="312180">
-                <a:moveTo>
-                  <a:pt x="0" y="312180"/>
-                </a:moveTo>
-                <a:lnTo>
-                  <a:pt x="873232" y="312180"/>
-                </a:lnTo>
-                <a:lnTo>
-                  <a:pt x="873232" y="0"/>
-                </a:lnTo>
-                <a:lnTo>
-                  <a:pt x="0" y="0"/>
-                </a:lnTo>
-                <a:lnTo>
-                  <a:pt x="0" y="312180"/>
-                </a:lnTo>
-                <a:close/>
-              </a:path>
-            </a:pathLst>
-          </a:custGeom>
-          <a:blipFill>
-            <a:blip r:embed="rId3">
-              <a:extLst>
-                <a:ext uri="{96DAC541-7B7A-43D3-8B79-37D633B846F1}">
-                  <asvg:svgBlip xmlns:asvg="http://schemas.microsoft.com/office/drawing/2016/SVG/main" r:embed="rId4"/>
-                </a:ext>
-              </a:extLst>
-            </a:blip>
-            <a:stretch>
-              <a:fillRect/>
-            </a:stretch>
-          </a:blipFill>
-        </p:spPr>
-        <p:txBody>
-          <a:bodyPr/>
-          <a:lstStyle/>
-          <a:p>
-            <a:endParaRPr lang="nl-BE"/>
-          </a:p>
-        </p:txBody>
-      </p:sp>
-      <p:sp>
-        <p:nvSpPr>
-          <p:cNvPr id="7" name="Freeform 7"/>
-          <p:cNvSpPr/>
-          <p:nvPr/>
-        </p:nvSpPr>
-        <p:spPr>
-          <a:xfrm rot="946521" flipV="1">
-            <a:off x="1098607" y="3679042"/>
-            <a:ext cx="873232" cy="312180"/>
-          </a:xfrm>
-          <a:custGeom>
-            <a:avLst/>
-            <a:gdLst/>
-            <a:ahLst/>
-            <a:cxnLst/>
-            <a:rect l="l" t="t" r="r" b="b"/>
-            <a:pathLst>
-              <a:path w="873232" h="312180">
-                <a:moveTo>
-                  <a:pt x="0" y="312180"/>
-                </a:moveTo>
-                <a:lnTo>
-                  <a:pt x="873232" y="312180"/>
-                </a:lnTo>
-                <a:lnTo>
-                  <a:pt x="873232" y="0"/>
-                </a:lnTo>
-                <a:lnTo>
-                  <a:pt x="0" y="0"/>
-                </a:lnTo>
-                <a:lnTo>
-                  <a:pt x="0" y="312180"/>
-                </a:lnTo>
-                <a:close/>
-              </a:path>
-            </a:pathLst>
-          </a:custGeom>
-          <a:blipFill>
-            <a:blip r:embed="rId3">
-              <a:extLst>
-                <a:ext uri="{96DAC541-7B7A-43D3-8B79-37D633B846F1}">
-                  <asvg:svgBlip xmlns:asvg="http://schemas.microsoft.com/office/drawing/2016/SVG/main" r:embed="rId4"/>
-                </a:ext>
-              </a:extLst>
-            </a:blip>
-            <a:stretch>
-              <a:fillRect/>
-            </a:stretch>
-          </a:blipFill>
-        </p:spPr>
-        <p:txBody>
-          <a:bodyPr/>
-          <a:lstStyle/>
-          <a:p>
-            <a:endParaRPr lang="nl-BE"/>
-          </a:p>
-        </p:txBody>
-      </p:sp>
-      <p:sp>
-        <p:nvSpPr>
-          <p:cNvPr id="8" name="Freeform 4">
-            <a:extLst>
-              <a:ext uri="{FF2B5EF4-FFF2-40B4-BE49-F238E27FC236}">
-                <a16:creationId xmlns:a16="http://schemas.microsoft.com/office/drawing/2014/main" id="{52B6F646-802C-83AF-62CD-D781C593291A}"/>
-              </a:ext>
-            </a:extLst>
-          </p:cNvPr>
-          <p:cNvSpPr/>
-          <p:nvPr/>
-        </p:nvSpPr>
-        <p:spPr>
-          <a:xfrm rot="946521" flipV="1">
-            <a:off x="1098608" y="8214847"/>
-            <a:ext cx="873232" cy="312180"/>
-          </a:xfrm>
-          <a:custGeom>
-            <a:avLst/>
-            <a:gdLst/>
-            <a:ahLst/>
-            <a:cxnLst/>
-            <a:rect l="l" t="t" r="r" b="b"/>
-            <a:pathLst>
-              <a:path w="873232" h="312180">
-                <a:moveTo>
-                  <a:pt x="0" y="312181"/>
-                </a:moveTo>
-                <a:lnTo>
-                  <a:pt x="873232" y="312181"/>
-                </a:lnTo>
-                <a:lnTo>
-                  <a:pt x="873232" y="0"/>
-                </a:lnTo>
-                <a:lnTo>
-                  <a:pt x="0" y="0"/>
-                </a:lnTo>
-                <a:lnTo>
-                  <a:pt x="0" y="312181"/>
-                </a:lnTo>
-                <a:close/>
-              </a:path>
-            </a:pathLst>
-          </a:custGeom>
-          <a:blipFill>
-            <a:blip r:embed="rId3">
-              <a:extLst>
-                <a:ext uri="{96DAC541-7B7A-43D3-8B79-37D633B846F1}">
-                  <asvg:svgBlip xmlns:asvg="http://schemas.microsoft.com/office/drawing/2016/SVG/main" r:embed="rId4"/>
-                </a:ext>
-              </a:extLst>
-            </a:blip>
-            <a:stretch>
-              <a:fillRect/>
-            </a:stretch>
-          </a:blipFill>
-        </p:spPr>
-        <p:txBody>
-          <a:bodyPr/>
-          <a:lstStyle/>
-          <a:p>
-            <a:endParaRPr lang="nl-BE"/>
-          </a:p>
-        </p:txBody>
-      </p:sp>
-      <p:sp>
-        <p:nvSpPr>
-          <p:cNvPr id="9" name="Freeform 6">
-            <a:extLst>
-              <a:ext uri="{FF2B5EF4-FFF2-40B4-BE49-F238E27FC236}">
-                <a16:creationId xmlns:a16="http://schemas.microsoft.com/office/drawing/2014/main" id="{79E69A78-7CB7-9905-AAF7-8354ACE7E399}"/>
-              </a:ext>
-            </a:extLst>
-          </p:cNvPr>
-          <p:cNvSpPr/>
-          <p:nvPr/>
-        </p:nvSpPr>
-        <p:spPr>
-          <a:xfrm rot="946521" flipV="1">
-            <a:off x="1098608" y="8833297"/>
-            <a:ext cx="873232" cy="312180"/>
-          </a:xfrm>
-          <a:custGeom>
-            <a:avLst/>
-            <a:gdLst/>
-            <a:ahLst/>
-            <a:cxnLst/>
-            <a:rect l="l" t="t" r="r" b="b"/>
-            <a:pathLst>
-              <a:path w="873232" h="312180">
-                <a:moveTo>
-                  <a:pt x="0" y="312180"/>
-                </a:moveTo>
-                <a:lnTo>
-                  <a:pt x="873232" y="312180"/>
-                </a:lnTo>
-                <a:lnTo>
-                  <a:pt x="873232" y="0"/>
-                </a:lnTo>
-                <a:lnTo>
-                  <a:pt x="0" y="0"/>
-                </a:lnTo>
-                <a:lnTo>
-                  <a:pt x="0" y="312180"/>
-                </a:lnTo>
-                <a:close/>
-              </a:path>
-            </a:pathLst>
-          </a:custGeom>
-          <a:blipFill>
-            <a:blip r:embed="rId3">
-              <a:extLst>
-                <a:ext uri="{96DAC541-7B7A-43D3-8B79-37D633B846F1}">
-                  <asvg:svgBlip xmlns:asvg="http://schemas.microsoft.com/office/drawing/2016/SVG/main" r:embed="rId4"/>
-                </a:ext>
-              </a:extLst>
-            </a:blip>
-            <a:stretch>
-              <a:fillRect/>
-            </a:stretch>
-          </a:blipFill>
-        </p:spPr>
-        <p:txBody>
-          <a:bodyPr/>
-          <a:lstStyle/>
-          <a:p>
-            <a:endParaRPr lang="nl-BE"/>
-          </a:p>
-        </p:txBody>
-      </p:sp>
-      <p:sp>
-        <p:nvSpPr>
-          <p:cNvPr id="10" name="Freeform 7">
-            <a:extLst>
-              <a:ext uri="{FF2B5EF4-FFF2-40B4-BE49-F238E27FC236}">
-                <a16:creationId xmlns:a16="http://schemas.microsoft.com/office/drawing/2014/main" id="{B9365B80-4D90-7B0F-6917-226FD9E6648A}"/>
-              </a:ext>
-            </a:extLst>
-          </p:cNvPr>
-          <p:cNvSpPr/>
-          <p:nvPr/>
-        </p:nvSpPr>
-        <p:spPr>
-          <a:xfrm rot="946521" flipV="1">
-            <a:off x="1098608" y="9442897"/>
-            <a:ext cx="873232" cy="312180"/>
-          </a:xfrm>
-          <a:custGeom>
-            <a:avLst/>
-            <a:gdLst/>
-            <a:ahLst/>
-            <a:cxnLst/>
-            <a:rect l="l" t="t" r="r" b="b"/>
-            <a:pathLst>
-              <a:path w="873232" h="312180">
-                <a:moveTo>
-                  <a:pt x="0" y="312180"/>
-                </a:moveTo>
-                <a:lnTo>
-                  <a:pt x="873232" y="312180"/>
-                </a:lnTo>
-                <a:lnTo>
-                  <a:pt x="873232" y="0"/>
-                </a:lnTo>
-                <a:lnTo>
-                  <a:pt x="0" y="0"/>
-                </a:lnTo>
-                <a:lnTo>
-                  <a:pt x="0" y="312180"/>
-                </a:lnTo>
-                <a:close/>
-              </a:path>
-            </a:pathLst>
-          </a:custGeom>
-          <a:blipFill>
-            <a:blip r:embed="rId3">
-              <a:extLst>
-                <a:ext uri="{96DAC541-7B7A-43D3-8B79-37D633B846F1}">
-                  <asvg:svgBlip xmlns:asvg="http://schemas.microsoft.com/office/drawing/2016/SVG/main" r:embed="rId4"/>
-                </a:ext>
-              </a:extLst>
-            </a:blip>
-            <a:stretch>
-              <a:fillRect/>
-            </a:stretch>
-          </a:blipFill>
-        </p:spPr>
-        <p:txBody>
-          <a:bodyPr/>
-          <a:lstStyle/>
-          <a:p>
-            <a:endParaRPr lang="nl-BE"/>
-          </a:p>
-        </p:txBody>
-      </p:sp>
-    </p:spTree>
-  </p:cSld>
-  <p:clrMapOvr>
-    <a:masterClrMapping/>
-  </p:clrMapOvr>
-</p:sld>
-</file>
-
-<file path=ppt/slides/slide2.xml><?xml version="1.0" encoding="utf-8"?>
-<p:sld xmlns:a="http://schemas.openxmlformats.org/drawingml/2006/main" xmlns:r="http://schemas.openxmlformats.org/officeDocument/2006/relationships" xmlns:p="http://schemas.openxmlformats.org/presentationml/2006/main">
-  <p:cSld>
-    <p:spTree>
-      <p:nvGrpSpPr>
-        <p:cNvPr id="1" name=""/>
-        <p:cNvGrpSpPr/>
-        <p:nvPr/>
-      </p:nvGrpSpPr>
-      <p:grpSpPr>
-        <a:xfrm>
-          <a:off x="0" y="0"/>
-          <a:ext cx="0" cy="0"/>
-          <a:chOff x="0" y="0"/>
-          <a:chExt cx="0" cy="0"/>
-        </a:xfrm>
-      </p:grpSpPr>
-      <p:sp>
-        <p:nvSpPr>
-          <p:cNvPr id="2" name="TextBox 2"/>
-          <p:cNvSpPr txBox="1"/>
-          <p:nvPr/>
-        </p:nvSpPr>
-        <p:spPr>
-          <a:xfrm>
-            <a:off x="771524" y="1558925"/>
-            <a:ext cx="17668875" cy="7832337"/>
-          </a:xfrm>
-          <a:prstGeom prst="rect">
-            <a:avLst/>
-          </a:prstGeom>
-        </p:spPr>
-        <p:txBody>
-          <a:bodyPr wrap="square" lIns="0" tIns="0" rIns="0" bIns="0" rtlCol="0" anchor="t">
-            <a:spAutoFit/>
-          </a:bodyPr>
-          <a:lstStyle/>
-          <a:p>
-            <a:pPr algn="ctr">
-              <a:lnSpc>
-                <a:spcPts val="5459"/>
-              </a:lnSpc>
-            </a:pPr>
-            <a:r>
-              <a:rPr lang="en-US" sz="3100" b="1" u="sng" dirty="0">
-                <a:solidFill>
-                  <a:srgbClr val="000000"/>
-                </a:solidFill>
-                <a:latin typeface="Kollektif Bold" panose="020B0604020202020204" charset="0"/>
-                <a:ea typeface="Kollektif Bold"/>
-                <a:cs typeface="Kollektif Bold"/>
-                <a:sym typeface="Kollektif Bold"/>
-              </a:rPr>
-              <a:t>Wat </a:t>
-            </a:r>
-            <a:r>
-              <a:rPr lang="en-US" sz="3100" b="1" u="sng" dirty="0" err="1">
-                <a:solidFill>
-                  <a:srgbClr val="000000"/>
-                </a:solidFill>
-                <a:latin typeface="Kollektif Bold" panose="020B0604020202020204" charset="0"/>
-                <a:ea typeface="Kollektif Bold"/>
-                <a:cs typeface="Kollektif Bold"/>
-                <a:sym typeface="Kollektif Bold"/>
-              </a:rPr>
-              <a:t>gaan</a:t>
-            </a:r>
-            <a:r>
-              <a:rPr lang="en-US" sz="3100" b="1" u="sng" dirty="0">
-                <a:solidFill>
-                  <a:srgbClr val="000000"/>
-                </a:solidFill>
-                <a:latin typeface="Kollektif Bold" panose="020B0604020202020204" charset="0"/>
-                <a:ea typeface="Kollektif Bold"/>
-                <a:cs typeface="Kollektif Bold"/>
-                <a:sym typeface="Kollektif Bold"/>
-              </a:rPr>
-              <a:t> we </a:t>
-            </a:r>
-            <a:r>
-              <a:rPr lang="en-US" sz="3100" b="1" u="sng" dirty="0" err="1">
-                <a:solidFill>
-                  <a:srgbClr val="000000"/>
-                </a:solidFill>
-                <a:latin typeface="Kollektif Bold" panose="020B0604020202020204" charset="0"/>
-                <a:ea typeface="Kollektif Bold"/>
-                <a:cs typeface="Kollektif Bold"/>
-                <a:sym typeface="Kollektif Bold"/>
-              </a:rPr>
-              <a:t>doen</a:t>
-            </a:r>
-            <a:r>
-              <a:rPr lang="en-US" sz="3100" b="1" u="sng" dirty="0">
-                <a:solidFill>
-                  <a:srgbClr val="000000"/>
-                </a:solidFill>
-                <a:latin typeface="Kollektif Bold" panose="020B0604020202020204" charset="0"/>
-                <a:ea typeface="Kollektif Bold"/>
-                <a:cs typeface="Kollektif Bold"/>
-                <a:sym typeface="Kollektif Bold"/>
-              </a:rPr>
-              <a:t>?</a:t>
-            </a:r>
-            <a:endParaRPr lang="en-US" sz="3100" b="1" u="sng" dirty="0">
-              <a:solidFill>
-                <a:srgbClr val="000000"/>
-              </a:solidFill>
-              <a:latin typeface="Kollektif" panose="020B0604020202020204" charset="0"/>
-              <a:ea typeface="Kollektif Bold"/>
-              <a:cs typeface="Kollektif Bold"/>
-              <a:sym typeface="Kollektif Bold"/>
-            </a:endParaRPr>
-          </a:p>
-          <a:p>
-            <a:pPr>
-              <a:lnSpc>
-                <a:spcPts val="5459"/>
-              </a:lnSpc>
-            </a:pPr>
-            <a:r>
-              <a:rPr lang="en-US" sz="3100" dirty="0">
-                <a:solidFill>
-                  <a:srgbClr val="000000"/>
-                </a:solidFill>
-                <a:latin typeface="Kollektif" panose="020B0604020202020204" charset="0"/>
-                <a:ea typeface="Kollektif"/>
-                <a:cs typeface="Kollektif"/>
-                <a:sym typeface="Kollektif"/>
-              </a:rPr>
-              <a:t>De cuff </a:t>
-            </a:r>
-            <a:r>
-              <a:rPr lang="en-US" sz="3100" dirty="0" err="1">
-                <a:solidFill>
-                  <a:srgbClr val="000000"/>
-                </a:solidFill>
-                <a:latin typeface="Kollektif" panose="020B0604020202020204" charset="0"/>
-                <a:ea typeface="Kollektif"/>
-                <a:cs typeface="Kollektif"/>
-                <a:sym typeface="Kollektif"/>
-              </a:rPr>
-              <a:t>zal</a:t>
-            </a:r>
-            <a:r>
-              <a:rPr lang="en-US" sz="3100" dirty="0">
-                <a:solidFill>
-                  <a:srgbClr val="000000"/>
-                </a:solidFill>
-                <a:latin typeface="Kollektif" panose="020B0604020202020204" charset="0"/>
-                <a:ea typeface="Kollektif"/>
-                <a:cs typeface="Kollektif"/>
-                <a:sym typeface="Kollektif"/>
-              </a:rPr>
-              <a:t> </a:t>
-            </a:r>
-            <a:r>
-              <a:rPr lang="en-US" sz="3100" dirty="0" err="1">
-                <a:solidFill>
-                  <a:srgbClr val="000000"/>
-                </a:solidFill>
-                <a:latin typeface="Kollektif" panose="020B0604020202020204" charset="0"/>
-                <a:ea typeface="Kollektif"/>
-                <a:cs typeface="Kollektif"/>
-                <a:sym typeface="Kollektif"/>
-              </a:rPr>
-              <a:t>geleidelijk</a:t>
-            </a:r>
-            <a:r>
-              <a:rPr lang="en-US" sz="3100" dirty="0">
-                <a:solidFill>
-                  <a:srgbClr val="000000"/>
-                </a:solidFill>
-                <a:latin typeface="Kollektif" panose="020B0604020202020204" charset="0"/>
-                <a:ea typeface="Kollektif"/>
-                <a:cs typeface="Kollektif"/>
-                <a:sym typeface="Kollektif"/>
-              </a:rPr>
-              <a:t> </a:t>
-            </a:r>
-            <a:r>
-              <a:rPr lang="en-US" sz="3100" dirty="0" err="1">
-                <a:solidFill>
-                  <a:srgbClr val="000000"/>
-                </a:solidFill>
-                <a:latin typeface="Kollektif" panose="020B0604020202020204" charset="0"/>
-                <a:ea typeface="Kollektif"/>
-                <a:cs typeface="Kollektif"/>
-                <a:sym typeface="Kollektif"/>
-              </a:rPr>
-              <a:t>strakker</a:t>
-            </a:r>
-            <a:r>
-              <a:rPr lang="en-US" sz="3100" dirty="0">
-                <a:solidFill>
-                  <a:srgbClr val="000000"/>
-                </a:solidFill>
-                <a:latin typeface="Kollektif" panose="020B0604020202020204" charset="0"/>
-                <a:ea typeface="Kollektif"/>
-                <a:cs typeface="Kollektif"/>
-                <a:sym typeface="Kollektif"/>
-              </a:rPr>
-              <a:t> </a:t>
-            </a:r>
-            <a:r>
-              <a:rPr lang="en-US" sz="3100" dirty="0" err="1">
-                <a:solidFill>
-                  <a:srgbClr val="000000"/>
-                </a:solidFill>
-                <a:latin typeface="Kollektif" panose="020B0604020202020204" charset="0"/>
-                <a:ea typeface="Kollektif"/>
-                <a:cs typeface="Kollektif"/>
-                <a:sym typeface="Kollektif"/>
-              </a:rPr>
-              <a:t>komen</a:t>
-            </a:r>
-            <a:r>
-              <a:rPr lang="en-US" sz="3100" dirty="0">
-                <a:solidFill>
-                  <a:srgbClr val="000000"/>
-                </a:solidFill>
-                <a:latin typeface="Kollektif" panose="020B0604020202020204" charset="0"/>
-                <a:ea typeface="Kollektif"/>
-                <a:cs typeface="Kollektif"/>
-                <a:sym typeface="Kollektif"/>
-              </a:rPr>
-              <a:t> </a:t>
-            </a:r>
-            <a:r>
-              <a:rPr lang="en-US" sz="3100" dirty="0" err="1">
-                <a:solidFill>
-                  <a:srgbClr val="000000"/>
-                </a:solidFill>
-                <a:latin typeface="Kollektif" panose="020B0604020202020204" charset="0"/>
-                <a:ea typeface="Kollektif"/>
-                <a:cs typeface="Kollektif"/>
-                <a:sym typeface="Kollektif"/>
-              </a:rPr>
-              <a:t>te</a:t>
-            </a:r>
-            <a:r>
-              <a:rPr lang="en-US" sz="3100" dirty="0">
-                <a:solidFill>
-                  <a:srgbClr val="000000"/>
-                </a:solidFill>
-                <a:latin typeface="Kollektif" panose="020B0604020202020204" charset="0"/>
-                <a:ea typeface="Kollektif"/>
-                <a:cs typeface="Kollektif"/>
-                <a:sym typeface="Kollektif"/>
-              </a:rPr>
-              <a:t> </a:t>
-            </a:r>
-            <a:r>
-              <a:rPr lang="en-US" sz="3100" dirty="0" err="1">
-                <a:solidFill>
-                  <a:srgbClr val="000000"/>
-                </a:solidFill>
-                <a:latin typeface="Kollektif" panose="020B0604020202020204" charset="0"/>
-                <a:ea typeface="Kollektif"/>
-                <a:cs typeface="Kollektif"/>
-                <a:sym typeface="Kollektif"/>
-              </a:rPr>
-              <a:t>zitten</a:t>
-            </a:r>
-            <a:r>
-              <a:rPr lang="en-US" sz="3100" dirty="0">
-                <a:solidFill>
-                  <a:srgbClr val="000000"/>
-                </a:solidFill>
-                <a:latin typeface="Kollektif" panose="020B0604020202020204" charset="0"/>
-                <a:ea typeface="Kollektif"/>
-                <a:cs typeface="Kollektif"/>
-                <a:sym typeface="Kollektif"/>
-              </a:rPr>
-              <a:t>, maar </a:t>
-            </a:r>
-            <a:r>
-              <a:rPr lang="en-US" sz="3100" dirty="0" err="1">
-                <a:solidFill>
-                  <a:srgbClr val="000000"/>
-                </a:solidFill>
-                <a:latin typeface="Kollektif" panose="020B0604020202020204" charset="0"/>
-                <a:ea typeface="Kollektif"/>
-                <a:cs typeface="Kollektif"/>
-                <a:sym typeface="Kollektif"/>
-              </a:rPr>
-              <a:t>wordt</a:t>
-            </a:r>
-            <a:r>
-              <a:rPr lang="en-US" sz="3100" dirty="0">
-                <a:solidFill>
-                  <a:srgbClr val="000000"/>
-                </a:solidFill>
-                <a:latin typeface="Kollektif" panose="020B0604020202020204" charset="0"/>
-                <a:ea typeface="Kollektif"/>
-                <a:cs typeface="Kollektif"/>
-                <a:sym typeface="Kollektif"/>
-              </a:rPr>
-              <a:t> </a:t>
-            </a:r>
-            <a:r>
-              <a:rPr lang="en-US" sz="3100" dirty="0" err="1">
-                <a:solidFill>
-                  <a:srgbClr val="000000"/>
-                </a:solidFill>
-                <a:latin typeface="Kollektif" panose="020B0604020202020204" charset="0"/>
-                <a:ea typeface="Kollektif"/>
-                <a:cs typeface="Kollektif"/>
-                <a:sym typeface="Kollektif"/>
-              </a:rPr>
-              <a:t>automatisch</a:t>
-            </a:r>
-            <a:r>
-              <a:rPr lang="en-US" sz="3100" dirty="0">
-                <a:solidFill>
-                  <a:srgbClr val="000000"/>
-                </a:solidFill>
-                <a:latin typeface="Kollektif" panose="020B0604020202020204" charset="0"/>
-                <a:ea typeface="Kollektif"/>
-                <a:cs typeface="Kollektif"/>
-                <a:sym typeface="Kollektif"/>
-              </a:rPr>
-              <a:t> </a:t>
-            </a:r>
-            <a:r>
-              <a:rPr lang="en-US" sz="3100" dirty="0" err="1">
-                <a:solidFill>
-                  <a:srgbClr val="000000"/>
-                </a:solidFill>
-                <a:latin typeface="Kollektif" panose="020B0604020202020204" charset="0"/>
-                <a:ea typeface="Kollektif"/>
-                <a:cs typeface="Kollektif"/>
-                <a:sym typeface="Kollektif"/>
-              </a:rPr>
-              <a:t>geregeld</a:t>
-            </a:r>
-            <a:r>
-              <a:rPr lang="en-US" sz="3100" dirty="0">
-                <a:solidFill>
-                  <a:srgbClr val="000000"/>
-                </a:solidFill>
-                <a:latin typeface="Kollektif" panose="020B0604020202020204" charset="0"/>
-                <a:ea typeface="Kollektif"/>
-                <a:cs typeface="Kollektif"/>
-                <a:sym typeface="Kollektif"/>
-              </a:rPr>
-              <a:t> door het </a:t>
-            </a:r>
-            <a:r>
-              <a:rPr lang="en-US" sz="3100" dirty="0" err="1">
-                <a:solidFill>
-                  <a:srgbClr val="000000"/>
-                </a:solidFill>
-                <a:latin typeface="Kollektif" panose="020B0604020202020204" charset="0"/>
-                <a:ea typeface="Kollektif"/>
-                <a:cs typeface="Kollektif"/>
-                <a:sym typeface="Kollektif"/>
-              </a:rPr>
-              <a:t>apparaat</a:t>
-            </a:r>
-            <a:r>
-              <a:rPr lang="en-US" sz="3100" dirty="0">
-                <a:solidFill>
-                  <a:srgbClr val="000000"/>
-                </a:solidFill>
-                <a:latin typeface="Kollektif" panose="020B0604020202020204" charset="0"/>
-                <a:ea typeface="Kollektif"/>
-                <a:cs typeface="Kollektif"/>
-                <a:sym typeface="Kollektif"/>
-              </a:rPr>
-              <a:t>.</a:t>
-            </a:r>
-          </a:p>
-          <a:p>
-            <a:pPr algn="ctr">
-              <a:lnSpc>
-                <a:spcPts val="4619"/>
-              </a:lnSpc>
-            </a:pPr>
-            <a:endParaRPr lang="en-US" sz="3200" b="1" u="sng" dirty="0">
-              <a:solidFill>
-                <a:srgbClr val="000000"/>
-              </a:solidFill>
-              <a:latin typeface="Kollektif Bold"/>
-              <a:ea typeface="Kollektif Bold"/>
-              <a:cs typeface="Kollektif Bold"/>
-              <a:sym typeface="Kollektif Bold"/>
-            </a:endParaRPr>
-          </a:p>
-          <a:p>
-            <a:pPr algn="ctr">
-              <a:lnSpc>
-                <a:spcPts val="4619"/>
-              </a:lnSpc>
-            </a:pPr>
-            <a:r>
-              <a:rPr lang="en-US" sz="3100" b="1" u="sng" dirty="0" err="1">
-                <a:solidFill>
-                  <a:srgbClr val="000000"/>
-                </a:solidFill>
-                <a:latin typeface="Kollektif Bold" panose="020B0604020202020204" charset="0"/>
-                <a:ea typeface="Kollektif Bold"/>
-                <a:cs typeface="Kollektif Bold"/>
-                <a:sym typeface="Kollektif Bold"/>
-              </a:rPr>
-              <a:t>Uw</a:t>
-            </a:r>
-            <a:r>
-              <a:rPr lang="en-US" sz="3100" b="1" u="sng" dirty="0">
-                <a:solidFill>
-                  <a:srgbClr val="000000"/>
-                </a:solidFill>
-                <a:latin typeface="Kollektif Bold" panose="020B0604020202020204" charset="0"/>
-                <a:ea typeface="Kollektif Bold"/>
-                <a:cs typeface="Kollektif Bold"/>
-                <a:sym typeface="Kollektif Bold"/>
-              </a:rPr>
-              <a:t> </a:t>
-            </a:r>
-            <a:r>
-              <a:rPr lang="en-US" sz="3100" b="1" u="sng" dirty="0" err="1">
-                <a:solidFill>
-                  <a:srgbClr val="000000"/>
-                </a:solidFill>
-                <a:latin typeface="Kollektif Bold" panose="020B0604020202020204" charset="0"/>
-                <a:ea typeface="Kollektif Bold"/>
-                <a:cs typeface="Kollektif Bold"/>
-                <a:sym typeface="Kollektif Bold"/>
-              </a:rPr>
-              <a:t>taak</a:t>
-            </a:r>
-            <a:r>
-              <a:rPr lang="en-US" sz="3100" b="1" u="sng" dirty="0">
-                <a:solidFill>
-                  <a:srgbClr val="000000"/>
-                </a:solidFill>
-                <a:latin typeface="Kollektif Bold" panose="020B0604020202020204" charset="0"/>
-                <a:ea typeface="Kollektif Bold"/>
-                <a:cs typeface="Kollektif Bold"/>
-                <a:sym typeface="Kollektif Bold"/>
-              </a:rPr>
-              <a:t> </a:t>
-            </a:r>
-            <a:r>
-              <a:rPr lang="en-US" sz="3100" b="1" u="sng" dirty="0" err="1">
-                <a:solidFill>
-                  <a:srgbClr val="000000"/>
-                </a:solidFill>
-                <a:latin typeface="Kollektif Bold" panose="020B0604020202020204" charset="0"/>
-                <a:ea typeface="Kollektif Bold"/>
-                <a:cs typeface="Kollektif Bold"/>
-                <a:sym typeface="Kollektif Bold"/>
-              </a:rPr>
-              <a:t>tijdens</a:t>
-            </a:r>
-            <a:r>
-              <a:rPr lang="en-US" sz="3100" b="1" u="sng" dirty="0">
-                <a:solidFill>
-                  <a:srgbClr val="000000"/>
-                </a:solidFill>
-                <a:latin typeface="Kollektif Bold" panose="020B0604020202020204" charset="0"/>
-                <a:ea typeface="Kollektif Bold"/>
-                <a:cs typeface="Kollektif Bold"/>
-                <a:sym typeface="Kollektif Bold"/>
-              </a:rPr>
-              <a:t> de test:</a:t>
-            </a:r>
-          </a:p>
-          <a:p>
-            <a:pPr algn="l">
-              <a:lnSpc>
-                <a:spcPts val="4619"/>
-              </a:lnSpc>
-            </a:pPr>
-            <a:r>
-              <a:rPr lang="en-US" sz="3100" dirty="0">
-                <a:solidFill>
-                  <a:srgbClr val="000000"/>
-                </a:solidFill>
-                <a:latin typeface="Kollektif  "/>
-                <a:ea typeface="Kollektif"/>
-                <a:cs typeface="Kollektif"/>
-                <a:sym typeface="Kollektif"/>
-              </a:rPr>
-              <a:t>    </a:t>
-            </a:r>
-          </a:p>
-          <a:p>
-            <a:pPr algn="l">
-              <a:lnSpc>
-                <a:spcPts val="4619"/>
-              </a:lnSpc>
-            </a:pPr>
-            <a:r>
-              <a:rPr lang="en-US" sz="3100" dirty="0" err="1">
-                <a:solidFill>
-                  <a:srgbClr val="000000"/>
-                </a:solidFill>
-                <a:latin typeface="Kollektif  "/>
-                <a:ea typeface="Kollektif"/>
-                <a:cs typeface="Kollektif"/>
-                <a:sym typeface="Kollektif"/>
-              </a:rPr>
-              <a:t>Tolereer</a:t>
-            </a:r>
-            <a:r>
-              <a:rPr lang="en-US" sz="3100" dirty="0">
-                <a:solidFill>
-                  <a:srgbClr val="000000"/>
-                </a:solidFill>
-                <a:latin typeface="Kollektif  "/>
-                <a:ea typeface="Kollektif"/>
-                <a:cs typeface="Kollektif"/>
-                <a:sym typeface="Kollektif"/>
-              </a:rPr>
-              <a:t> </a:t>
-            </a:r>
-            <a:r>
-              <a:rPr lang="en-US" sz="3100" dirty="0" err="1">
-                <a:solidFill>
-                  <a:srgbClr val="000000"/>
-                </a:solidFill>
-                <a:latin typeface="Kollektif  "/>
-                <a:ea typeface="Kollektif"/>
-                <a:cs typeface="Kollektif"/>
-                <a:sym typeface="Kollektif"/>
-              </a:rPr>
-              <a:t>zoveel</a:t>
-            </a:r>
-            <a:r>
-              <a:rPr lang="en-US" sz="3100" dirty="0">
-                <a:solidFill>
-                  <a:srgbClr val="000000"/>
-                </a:solidFill>
-                <a:latin typeface="Kollektif  "/>
-                <a:ea typeface="Kollektif"/>
-                <a:cs typeface="Kollektif"/>
-                <a:sym typeface="Kollektif"/>
-              </a:rPr>
-              <a:t> </a:t>
-            </a:r>
-            <a:r>
-              <a:rPr lang="en-US" sz="3100" dirty="0" err="1">
-                <a:solidFill>
-                  <a:srgbClr val="000000"/>
-                </a:solidFill>
-                <a:latin typeface="Kollektif  "/>
-                <a:ea typeface="Kollektif"/>
-                <a:cs typeface="Kollektif"/>
-                <a:sym typeface="Kollektif"/>
-              </a:rPr>
-              <a:t>mogelijk</a:t>
-            </a:r>
-            <a:r>
-              <a:rPr lang="en-US" sz="3100" dirty="0">
-                <a:solidFill>
-                  <a:srgbClr val="000000"/>
-                </a:solidFill>
-                <a:latin typeface="Kollektif  "/>
-                <a:ea typeface="Kollektif"/>
-                <a:cs typeface="Kollektif"/>
-                <a:sym typeface="Kollektif"/>
-              </a:rPr>
-              <a:t> </a:t>
-            </a:r>
-            <a:r>
-              <a:rPr lang="en-US" sz="3100" dirty="0" err="1">
-                <a:solidFill>
-                  <a:srgbClr val="000000"/>
-                </a:solidFill>
-                <a:latin typeface="Kollektif  "/>
-                <a:ea typeface="Kollektif"/>
-                <a:cs typeface="Kollektif"/>
-                <a:sym typeface="Kollektif"/>
-              </a:rPr>
-              <a:t>druk</a:t>
-            </a:r>
-            <a:r>
-              <a:rPr lang="en-US" sz="3100" dirty="0">
-                <a:solidFill>
-                  <a:srgbClr val="000000"/>
-                </a:solidFill>
-                <a:latin typeface="Kollektif  "/>
-                <a:ea typeface="Kollektif"/>
-                <a:cs typeface="Kollektif"/>
-                <a:sym typeface="Kollektif"/>
-              </a:rPr>
-              <a:t>. </a:t>
-            </a:r>
-            <a:r>
-              <a:rPr lang="en-US" sz="3100" dirty="0" err="1">
-                <a:solidFill>
-                  <a:srgbClr val="000000"/>
-                </a:solidFill>
-                <a:latin typeface="Kollektif  "/>
-                <a:ea typeface="Kollektif"/>
-                <a:cs typeface="Kollektif"/>
-                <a:sym typeface="Kollektif"/>
-              </a:rPr>
-              <a:t>Gebruik</a:t>
-            </a:r>
-            <a:r>
-              <a:rPr lang="en-US" sz="3100" dirty="0">
-                <a:solidFill>
-                  <a:srgbClr val="000000"/>
-                </a:solidFill>
-                <a:latin typeface="Kollektif  "/>
-                <a:ea typeface="Kollektif"/>
-                <a:cs typeface="Kollektif"/>
-                <a:sym typeface="Kollektif"/>
-              </a:rPr>
-              <a:t> de </a:t>
-            </a:r>
-            <a:r>
-              <a:rPr lang="en-US" sz="3100" dirty="0" err="1">
-                <a:solidFill>
-                  <a:srgbClr val="000000"/>
-                </a:solidFill>
-                <a:latin typeface="Kollektif  "/>
-                <a:ea typeface="Kollektif"/>
-                <a:cs typeface="Kollektif"/>
-                <a:sym typeface="Kollektif"/>
-              </a:rPr>
-              <a:t>schaal</a:t>
-            </a:r>
-            <a:r>
-              <a:rPr lang="en-US" sz="3100" dirty="0">
-                <a:solidFill>
-                  <a:srgbClr val="000000"/>
-                </a:solidFill>
-                <a:latin typeface="Kollektif  "/>
-                <a:ea typeface="Kollektif"/>
-                <a:cs typeface="Kollektif"/>
-                <a:sym typeface="Kollektif"/>
-              </a:rPr>
-              <a:t> om de </a:t>
-            </a:r>
-            <a:r>
-              <a:rPr lang="en-US" sz="3100" dirty="0" err="1">
-                <a:solidFill>
-                  <a:srgbClr val="000000"/>
-                </a:solidFill>
-                <a:latin typeface="Kollektif  "/>
-                <a:ea typeface="Kollektif"/>
-                <a:cs typeface="Kollektif"/>
-                <a:sym typeface="Kollektif"/>
-              </a:rPr>
-              <a:t>drukbeleving</a:t>
-            </a:r>
-            <a:r>
-              <a:rPr lang="en-US" sz="3100" dirty="0">
-                <a:solidFill>
-                  <a:srgbClr val="000000"/>
-                </a:solidFill>
-                <a:latin typeface="Kollektif  "/>
-                <a:ea typeface="Kollektif"/>
-                <a:cs typeface="Kollektif"/>
-                <a:sym typeface="Kollektif"/>
-              </a:rPr>
-              <a:t> </a:t>
-            </a:r>
-            <a:r>
-              <a:rPr lang="en-US" sz="3100" dirty="0" err="1">
-                <a:solidFill>
-                  <a:srgbClr val="000000"/>
-                </a:solidFill>
-                <a:latin typeface="Kollektif  "/>
-                <a:ea typeface="Kollektif"/>
-                <a:cs typeface="Kollektif"/>
-                <a:sym typeface="Kollektif"/>
-              </a:rPr>
-              <a:t>aan</a:t>
-            </a:r>
-            <a:r>
-              <a:rPr lang="en-US" sz="3100" dirty="0">
-                <a:solidFill>
-                  <a:srgbClr val="000000"/>
-                </a:solidFill>
-                <a:latin typeface="Kollektif  "/>
-                <a:ea typeface="Kollektif"/>
-                <a:cs typeface="Kollektif"/>
-                <a:sym typeface="Kollektif"/>
-              </a:rPr>
-              <a:t> </a:t>
-            </a:r>
-            <a:r>
-              <a:rPr lang="en-US" sz="3100" dirty="0" err="1">
-                <a:solidFill>
-                  <a:srgbClr val="000000"/>
-                </a:solidFill>
-                <a:latin typeface="Kollektif  "/>
-                <a:ea typeface="Kollektif"/>
-                <a:cs typeface="Kollektif"/>
-                <a:sym typeface="Kollektif"/>
-              </a:rPr>
-              <a:t>te</a:t>
-            </a:r>
-            <a:r>
-              <a:rPr lang="en-US" sz="3100" dirty="0">
-                <a:solidFill>
-                  <a:srgbClr val="000000"/>
-                </a:solidFill>
-                <a:latin typeface="Kollektif  "/>
-                <a:ea typeface="Kollektif"/>
-                <a:cs typeface="Kollektif"/>
-                <a:sym typeface="Kollektif"/>
-              </a:rPr>
-              <a:t> </a:t>
-            </a:r>
-            <a:r>
-              <a:rPr lang="en-US" sz="3100" dirty="0" err="1">
-                <a:solidFill>
-                  <a:srgbClr val="000000"/>
-                </a:solidFill>
-                <a:latin typeface="Kollektif  "/>
-                <a:ea typeface="Kollektif"/>
-                <a:cs typeface="Kollektif"/>
-                <a:sym typeface="Kollektif"/>
-              </a:rPr>
-              <a:t>geven</a:t>
-            </a:r>
-            <a:r>
-              <a:rPr lang="en-US" sz="3100" dirty="0">
-                <a:solidFill>
-                  <a:srgbClr val="000000"/>
-                </a:solidFill>
-                <a:latin typeface="Kollektif  "/>
-                <a:ea typeface="Kollektif"/>
-                <a:cs typeface="Kollektif"/>
-                <a:sym typeface="Kollektif"/>
-              </a:rPr>
-              <a:t>:</a:t>
-            </a:r>
-          </a:p>
-          <a:p>
-            <a:pPr algn="just">
-              <a:lnSpc>
-                <a:spcPct val="150000"/>
-              </a:lnSpc>
-            </a:pPr>
-            <a:r>
-              <a:rPr lang="en-US" sz="3100" dirty="0">
-                <a:solidFill>
-                  <a:srgbClr val="000000"/>
-                </a:solidFill>
-                <a:latin typeface="Kollektif  "/>
-                <a:ea typeface="Kollektif"/>
-                <a:cs typeface="Kollektif"/>
-                <a:sym typeface="Kollektif"/>
-              </a:rPr>
-              <a:t>           0 = </a:t>
-            </a:r>
-            <a:r>
-              <a:rPr lang="en-US" sz="3100" dirty="0" err="1">
-                <a:solidFill>
-                  <a:srgbClr val="000000"/>
-                </a:solidFill>
-                <a:latin typeface="Kollektif  "/>
-                <a:ea typeface="Kollektif"/>
-                <a:cs typeface="Kollektif"/>
-                <a:sym typeface="Kollektif"/>
-              </a:rPr>
-              <a:t>Geen</a:t>
-            </a:r>
-            <a:r>
-              <a:rPr lang="en-US" sz="3100" dirty="0">
-                <a:solidFill>
-                  <a:srgbClr val="000000"/>
-                </a:solidFill>
-                <a:latin typeface="Kollektif  "/>
-                <a:ea typeface="Kollektif"/>
-                <a:cs typeface="Kollektif"/>
-                <a:sym typeface="Kollektif"/>
-              </a:rPr>
-              <a:t> </a:t>
-            </a:r>
-            <a:r>
-              <a:rPr lang="en-US" sz="3100" dirty="0" err="1">
-                <a:solidFill>
-                  <a:srgbClr val="000000"/>
-                </a:solidFill>
-                <a:latin typeface="Kollektif  "/>
-                <a:ea typeface="Kollektif"/>
-                <a:cs typeface="Kollektif"/>
-                <a:sym typeface="Kollektif"/>
-              </a:rPr>
-              <a:t>pijn</a:t>
-            </a:r>
-            <a:r>
-              <a:rPr lang="en-US" sz="3100" dirty="0">
-                <a:solidFill>
-                  <a:srgbClr val="000000"/>
-                </a:solidFill>
-                <a:latin typeface="Kollektif  "/>
-                <a:ea typeface="Kollektif"/>
-                <a:cs typeface="Kollektif"/>
-                <a:sym typeface="Kollektif"/>
-              </a:rPr>
-              <a:t>.</a:t>
-            </a:r>
-          </a:p>
-          <a:p>
-            <a:pPr algn="just">
-              <a:lnSpc>
-                <a:spcPct val="150000"/>
-              </a:lnSpc>
-            </a:pPr>
-            <a:r>
-              <a:rPr lang="en-US" sz="3100" dirty="0">
-                <a:solidFill>
-                  <a:srgbClr val="000000"/>
-                </a:solidFill>
-                <a:latin typeface="Kollektif  "/>
-                <a:ea typeface="Kollektif"/>
-                <a:cs typeface="Kollektif"/>
-                <a:sym typeface="Kollektif"/>
-              </a:rPr>
-              <a:t>              </a:t>
-            </a:r>
-            <a:r>
-              <a:rPr lang="nl-BE" sz="3100" dirty="0">
-                <a:solidFill>
-                  <a:srgbClr val="000000"/>
-                </a:solidFill>
-                <a:latin typeface="Kollektif  "/>
-                <a:ea typeface="Kollektif"/>
-                <a:cs typeface="Kollektif"/>
-                <a:sym typeface="Kollektif"/>
-              </a:rPr>
-              <a:t>Begin met het bewegen van de aanwijzer zodra de druk een beetje ongemakkelijk aanvoelt.</a:t>
-            </a:r>
-            <a:r>
-              <a:rPr lang="en-US" sz="3100" dirty="0">
-                <a:solidFill>
-                  <a:srgbClr val="000000"/>
-                </a:solidFill>
-                <a:latin typeface="Kollektif  "/>
-                <a:ea typeface="Kollektif"/>
-                <a:cs typeface="Kollektif"/>
-                <a:sym typeface="Kollektif"/>
-              </a:rPr>
-              <a:t>           </a:t>
-            </a:r>
-          </a:p>
-          <a:p>
-            <a:pPr algn="just">
-              <a:lnSpc>
-                <a:spcPct val="150000"/>
-              </a:lnSpc>
-            </a:pPr>
-            <a:r>
-              <a:rPr lang="en-US" sz="3100" dirty="0">
-                <a:solidFill>
-                  <a:srgbClr val="000000"/>
-                </a:solidFill>
-                <a:latin typeface="Kollektif  "/>
-                <a:ea typeface="Kollektif"/>
-                <a:cs typeface="Kollektif"/>
-                <a:sym typeface="Kollektif"/>
-              </a:rPr>
-              <a:t>	  10 = </a:t>
-            </a:r>
-            <a:r>
-              <a:rPr lang="en-US" sz="3100" dirty="0" err="1">
-                <a:solidFill>
-                  <a:srgbClr val="000000"/>
-                </a:solidFill>
-                <a:latin typeface="Kollektif  "/>
-                <a:ea typeface="Kollektif"/>
-                <a:cs typeface="Kollektif"/>
-                <a:sym typeface="Kollektif"/>
-              </a:rPr>
-              <a:t>Ergste</a:t>
-            </a:r>
-            <a:r>
-              <a:rPr lang="en-US" sz="3100" dirty="0">
-                <a:solidFill>
-                  <a:srgbClr val="000000"/>
-                </a:solidFill>
-                <a:latin typeface="Kollektif  "/>
-                <a:ea typeface="Kollektif"/>
-                <a:cs typeface="Kollektif"/>
-                <a:sym typeface="Kollektif"/>
-              </a:rPr>
-              <a:t> </a:t>
-            </a:r>
-            <a:r>
-              <a:rPr lang="en-US" sz="3100" dirty="0" err="1">
-                <a:solidFill>
-                  <a:srgbClr val="000000"/>
-                </a:solidFill>
-                <a:latin typeface="Kollektif  "/>
-                <a:ea typeface="Kollektif"/>
-                <a:cs typeface="Kollektif"/>
-                <a:sym typeface="Kollektif"/>
-              </a:rPr>
-              <a:t>pijn</a:t>
-            </a:r>
-            <a:r>
-              <a:rPr lang="en-US" sz="3100" dirty="0">
-                <a:solidFill>
-                  <a:srgbClr val="000000"/>
-                </a:solidFill>
-                <a:latin typeface="Kollektif  "/>
-                <a:ea typeface="Kollektif"/>
-                <a:cs typeface="Kollektif"/>
-                <a:sym typeface="Kollektif"/>
-              </a:rPr>
-              <a:t> die u </a:t>
-            </a:r>
-            <a:r>
-              <a:rPr lang="en-US" sz="3100" dirty="0" err="1">
-                <a:solidFill>
-                  <a:srgbClr val="000000"/>
-                </a:solidFill>
-                <a:latin typeface="Kollektif  "/>
-                <a:ea typeface="Kollektif"/>
-                <a:cs typeface="Kollektif"/>
-                <a:sym typeface="Kollektif"/>
-              </a:rPr>
-              <a:t>zich</a:t>
-            </a:r>
-            <a:r>
-              <a:rPr lang="en-US" sz="3100" dirty="0">
-                <a:solidFill>
-                  <a:srgbClr val="000000"/>
-                </a:solidFill>
-                <a:latin typeface="Kollektif  "/>
-                <a:ea typeface="Kollektif"/>
-                <a:cs typeface="Kollektif"/>
-                <a:sym typeface="Kollektif"/>
-              </a:rPr>
-              <a:t> </a:t>
-            </a:r>
-            <a:r>
-              <a:rPr lang="en-US" sz="3100" dirty="0" err="1">
-                <a:solidFill>
-                  <a:srgbClr val="000000"/>
-                </a:solidFill>
-                <a:latin typeface="Kollektif  "/>
-                <a:ea typeface="Kollektif"/>
-                <a:cs typeface="Kollektif"/>
-                <a:sym typeface="Kollektif"/>
-              </a:rPr>
-              <a:t>kunt</a:t>
-            </a:r>
-            <a:r>
-              <a:rPr lang="en-US" sz="3100" dirty="0">
-                <a:solidFill>
-                  <a:srgbClr val="000000"/>
-                </a:solidFill>
-                <a:latin typeface="Kollektif  "/>
-                <a:ea typeface="Kollektif"/>
-                <a:cs typeface="Kollektif"/>
-                <a:sym typeface="Kollektif"/>
-              </a:rPr>
-              <a:t> </a:t>
-            </a:r>
-            <a:r>
-              <a:rPr lang="en-US" sz="3100" dirty="0" err="1">
-                <a:solidFill>
-                  <a:srgbClr val="000000"/>
-                </a:solidFill>
-                <a:latin typeface="Kollektif  "/>
-                <a:ea typeface="Kollektif"/>
-                <a:cs typeface="Kollektif"/>
-                <a:sym typeface="Kollektif"/>
-              </a:rPr>
-              <a:t>voorstellen</a:t>
-            </a:r>
-            <a:r>
-              <a:rPr lang="en-US" sz="3100" dirty="0">
-                <a:solidFill>
-                  <a:srgbClr val="000000"/>
-                </a:solidFill>
-                <a:latin typeface="Kollektif  "/>
-                <a:ea typeface="Kollektif"/>
-                <a:cs typeface="Kollektif"/>
-                <a:sym typeface="Kollektif"/>
-              </a:rPr>
-              <a:t>.</a:t>
-            </a:r>
-          </a:p>
-          <a:p>
-            <a:pPr algn="l">
-              <a:lnSpc>
-                <a:spcPts val="4619"/>
-              </a:lnSpc>
-            </a:pPr>
-            <a:endParaRPr lang="en-US" sz="3100" dirty="0">
-              <a:solidFill>
-                <a:srgbClr val="000000"/>
-              </a:solidFill>
-              <a:latin typeface="Kollektif  "/>
-              <a:ea typeface="Kollektif"/>
-              <a:cs typeface="Kollektif"/>
-              <a:sym typeface="Kollektif"/>
-            </a:endParaRPr>
-          </a:p>
-          <a:p>
-            <a:pPr>
-              <a:lnSpc>
-                <a:spcPts val="5459"/>
-              </a:lnSpc>
-            </a:pPr>
-            <a:r>
-              <a:rPr lang="nl-BE" sz="3100" dirty="0">
-                <a:solidFill>
-                  <a:srgbClr val="000000"/>
-                </a:solidFill>
-                <a:latin typeface="Kollektif" panose="020B0604020202020204" charset="0"/>
-                <a:ea typeface="Kollektif"/>
-                <a:cs typeface="Kollektif"/>
-                <a:sym typeface="Kollektif"/>
-              </a:rPr>
-              <a:t>De druk verdwijnt onmiddellijk zodra de aanwijzer naar 10 op de schaal is verplaatst.</a:t>
-            </a:r>
-            <a:endParaRPr lang="en-US" sz="3100" dirty="0">
-              <a:solidFill>
-                <a:srgbClr val="000000"/>
-              </a:solidFill>
-              <a:latin typeface="Kollektif" panose="020B0604020202020204" charset="0"/>
-              <a:ea typeface="Kollektif"/>
-              <a:cs typeface="Kollektif"/>
-              <a:sym typeface="Kollektif"/>
-            </a:endParaRPr>
-          </a:p>
-          <a:p>
-            <a:pPr>
-              <a:lnSpc>
-                <a:spcPts val="5459"/>
-              </a:lnSpc>
-            </a:pPr>
-            <a:endParaRPr lang="en-US" sz="3100" dirty="0">
-              <a:solidFill>
-                <a:srgbClr val="000000"/>
-              </a:solidFill>
-              <a:latin typeface="Kollektif" panose="020B0604020202020204" charset="0"/>
-              <a:ea typeface="Kollektif"/>
-              <a:cs typeface="Kollektif"/>
-              <a:sym typeface="Kollektif"/>
-            </a:endParaRPr>
-          </a:p>
-        </p:txBody>
-      </p:sp>
-      <p:sp>
-        <p:nvSpPr>
-          <p:cNvPr id="3" name="TextBox 3"/>
-          <p:cNvSpPr txBox="1"/>
-          <p:nvPr/>
-        </p:nvSpPr>
-        <p:spPr>
-          <a:xfrm>
-            <a:off x="3264991" y="107605"/>
-            <a:ext cx="11758017" cy="1150508"/>
-          </a:xfrm>
-          <a:prstGeom prst="rect">
-            <a:avLst/>
-          </a:prstGeom>
-        </p:spPr>
-        <p:txBody>
-          <a:bodyPr wrap="square" lIns="0" tIns="0" rIns="0" bIns="0" rtlCol="0" anchor="t">
-            <a:spAutoFit/>
-          </a:bodyPr>
-          <a:lstStyle/>
-          <a:p>
-            <a:pPr algn="ctr">
-              <a:lnSpc>
-                <a:spcPts val="9799"/>
-              </a:lnSpc>
-            </a:pPr>
-            <a:r>
-              <a:rPr lang="en-US" sz="6999" dirty="0" err="1">
-                <a:solidFill>
-                  <a:srgbClr val="000000"/>
-                </a:solidFill>
-                <a:latin typeface="Bryndan Write"/>
-                <a:ea typeface="Bryndan Write"/>
-                <a:cs typeface="Bryndan Write"/>
-                <a:sym typeface="Bryndan Write"/>
-              </a:rPr>
-              <a:t>Testprocedure</a:t>
-            </a:r>
-            <a:r>
-              <a:rPr lang="en-US" sz="6999" dirty="0">
-                <a:solidFill>
-                  <a:srgbClr val="000000"/>
-                </a:solidFill>
-                <a:latin typeface="Bryndan Write"/>
-                <a:ea typeface="Bryndan Write"/>
-                <a:cs typeface="Bryndan Write"/>
-                <a:sym typeface="Bryndan Write"/>
-              </a:rPr>
-              <a:t> – </a:t>
-            </a:r>
-            <a:r>
-              <a:rPr lang="en-US" sz="6999" dirty="0" err="1">
-                <a:solidFill>
-                  <a:srgbClr val="000000"/>
-                </a:solidFill>
-                <a:latin typeface="Bryndan Write"/>
-                <a:ea typeface="Bryndan Write"/>
-                <a:cs typeface="Bryndan Write"/>
-                <a:sym typeface="Bryndan Write"/>
-              </a:rPr>
-              <a:t>onderdeel</a:t>
-            </a:r>
-            <a:r>
-              <a:rPr lang="en-US" sz="6999" dirty="0">
-                <a:solidFill>
-                  <a:srgbClr val="000000"/>
-                </a:solidFill>
-                <a:latin typeface="Bryndan Write"/>
-                <a:ea typeface="Bryndan Write"/>
-                <a:cs typeface="Bryndan Write"/>
-                <a:sym typeface="Bryndan Write"/>
-              </a:rPr>
-              <a:t> 2</a:t>
-            </a:r>
-          </a:p>
-        </p:txBody>
-      </p:sp>
-      <p:sp>
-        <p:nvSpPr>
-          <p:cNvPr id="4" name="Freeform 4"/>
-          <p:cNvSpPr/>
-          <p:nvPr/>
-        </p:nvSpPr>
-        <p:spPr>
-          <a:xfrm rot="946521" flipV="1">
-            <a:off x="-202609" y="2508697"/>
             <a:ext cx="873232" cy="312180"/>
           </a:xfrm>
           <a:custGeom>
@@ -6618,10 +5407,181 @@
       </p:sp>
       <p:sp>
         <p:nvSpPr>
-          <p:cNvPr id="6" name="Freeform 4">
+          <p:cNvPr id="5" name="TextBox 5"/>
+          <p:cNvSpPr txBox="1"/>
+          <p:nvPr/>
+        </p:nvSpPr>
+        <p:spPr>
+          <a:xfrm>
+            <a:off x="3399420" y="0"/>
+            <a:ext cx="11489159" cy="1150508"/>
+          </a:xfrm>
+          <a:prstGeom prst="rect">
+            <a:avLst/>
+          </a:prstGeom>
+        </p:spPr>
+        <p:txBody>
+          <a:bodyPr wrap="square" lIns="0" tIns="0" rIns="0" bIns="0" rtlCol="0" anchor="t">
+            <a:spAutoFit/>
+          </a:bodyPr>
+          <a:lstStyle/>
+          <a:p>
+            <a:pPr algn="ctr">
+              <a:lnSpc>
+                <a:spcPts val="9799"/>
+              </a:lnSpc>
+            </a:pPr>
+            <a:r>
+              <a:rPr lang="en-US" sz="6999" dirty="0" err="1">
+                <a:solidFill>
+                  <a:srgbClr val="000000"/>
+                </a:solidFill>
+                <a:latin typeface="Bryndan Write"/>
+                <a:ea typeface="Bryndan Write"/>
+                <a:cs typeface="Bryndan Write"/>
+                <a:sym typeface="Bryndan Write"/>
+              </a:rPr>
+              <a:t>Onderdeel</a:t>
+            </a:r>
+            <a:r>
+              <a:rPr lang="en-US" sz="6999" dirty="0">
+                <a:solidFill>
+                  <a:srgbClr val="000000"/>
+                </a:solidFill>
+                <a:latin typeface="Bryndan Write"/>
+                <a:ea typeface="Bryndan Write"/>
+                <a:cs typeface="Bryndan Write"/>
+                <a:sym typeface="Bryndan Write"/>
+              </a:rPr>
+              <a:t> 1</a:t>
+            </a:r>
+          </a:p>
+        </p:txBody>
+      </p:sp>
+      <p:sp>
+        <p:nvSpPr>
+          <p:cNvPr id="6" name="Freeform 6"/>
+          <p:cNvSpPr/>
+          <p:nvPr/>
+        </p:nvSpPr>
+        <p:spPr>
+          <a:xfrm rot="946521" flipV="1">
+            <a:off x="1098607" y="3141217"/>
+            <a:ext cx="873232" cy="312180"/>
+          </a:xfrm>
+          <a:custGeom>
+            <a:avLst/>
+            <a:gdLst/>
+            <a:ahLst/>
+            <a:cxnLst/>
+            <a:rect l="l" t="t" r="r" b="b"/>
+            <a:pathLst>
+              <a:path w="873232" h="312180">
+                <a:moveTo>
+                  <a:pt x="0" y="312180"/>
+                </a:moveTo>
+                <a:lnTo>
+                  <a:pt x="873232" y="312180"/>
+                </a:lnTo>
+                <a:lnTo>
+                  <a:pt x="873232" y="0"/>
+                </a:lnTo>
+                <a:lnTo>
+                  <a:pt x="0" y="0"/>
+                </a:lnTo>
+                <a:lnTo>
+                  <a:pt x="0" y="312180"/>
+                </a:lnTo>
+                <a:close/>
+              </a:path>
+            </a:pathLst>
+          </a:custGeom>
+          <a:blipFill>
+            <a:blip r:embed="rId2">
+              <a:extLst>
+                <a:ext uri="{96DAC541-7B7A-43D3-8B79-37D633B846F1}">
+                  <asvg:svgBlip xmlns:asvg="http://schemas.microsoft.com/office/drawing/2016/SVG/main" r:embed="rId3"/>
+                </a:ext>
+              </a:extLst>
+            </a:blip>
+            <a:stretch>
+              <a:fillRect/>
+            </a:stretch>
+          </a:blipFill>
+        </p:spPr>
+        <p:txBody>
+          <a:bodyPr/>
+          <a:lstStyle/>
+          <a:p>
+            <a:endParaRPr lang="nl-BE"/>
+          </a:p>
+        </p:txBody>
+      </p:sp>
+      <p:sp>
+        <p:nvSpPr>
+          <p:cNvPr id="7" name="Freeform 7"/>
+          <p:cNvSpPr/>
+          <p:nvPr/>
+        </p:nvSpPr>
+        <p:spPr>
+          <a:xfrm rot="946521" flipV="1">
+            <a:off x="1098607" y="3679042"/>
+            <a:ext cx="873232" cy="312180"/>
+          </a:xfrm>
+          <a:custGeom>
+            <a:avLst/>
+            <a:gdLst/>
+            <a:ahLst/>
+            <a:cxnLst/>
+            <a:rect l="l" t="t" r="r" b="b"/>
+            <a:pathLst>
+              <a:path w="873232" h="312180">
+                <a:moveTo>
+                  <a:pt x="0" y="312180"/>
+                </a:moveTo>
+                <a:lnTo>
+                  <a:pt x="873232" y="312180"/>
+                </a:lnTo>
+                <a:lnTo>
+                  <a:pt x="873232" y="0"/>
+                </a:lnTo>
+                <a:lnTo>
+                  <a:pt x="0" y="0"/>
+                </a:lnTo>
+                <a:lnTo>
+                  <a:pt x="0" y="312180"/>
+                </a:lnTo>
+                <a:close/>
+              </a:path>
+            </a:pathLst>
+          </a:custGeom>
+          <a:blipFill>
+            <a:blip r:embed="rId2">
+              <a:extLst>
+                <a:ext uri="{96DAC541-7B7A-43D3-8B79-37D633B846F1}">
+                  <asvg:svgBlip xmlns:asvg="http://schemas.microsoft.com/office/drawing/2016/SVG/main" r:embed="rId3"/>
+                </a:ext>
+              </a:extLst>
+            </a:blip>
+            <a:stretch>
+              <a:fillRect/>
+            </a:stretch>
+          </a:blipFill>
+        </p:spPr>
+        <p:txBody>
+          <a:bodyPr/>
+          <a:lstStyle/>
+          <a:p>
+            <a:endParaRPr lang="nl-BE"/>
+          </a:p>
+        </p:txBody>
+      </p:sp>
+      <p:sp>
+        <p:nvSpPr>
+          <p:cNvPr id="8" name="Freeform 4">
             <a:extLst>
               <a:ext uri="{FF2B5EF4-FFF2-40B4-BE49-F238E27FC236}">
-                <a16:creationId xmlns:a16="http://schemas.microsoft.com/office/drawing/2014/main" id="{23B1CBDE-FDC5-C637-3322-B5B8788437A9}"/>
+                <a16:creationId xmlns:a16="http://schemas.microsoft.com/office/drawing/2014/main" id="{52B6F646-802C-83AF-62CD-D781C593291A}"/>
               </a:ext>
             </a:extLst>
           </p:cNvPr>
@@ -6630,7 +5590,7 @@
         </p:nvSpPr>
         <p:spPr>
           <a:xfrm rot="946521" flipV="1">
-            <a:off x="-202609" y="4875322"/>
+            <a:off x="1245191" y="7762072"/>
             <a:ext cx="873232" cy="312180"/>
           </a:xfrm>
           <a:custGeom>
@@ -6683,10 +5643,10 @@
       </p:sp>
       <p:sp>
         <p:nvSpPr>
-          <p:cNvPr id="7" name="Freeform 4">
+          <p:cNvPr id="9" name="Freeform 6">
             <a:extLst>
               <a:ext uri="{FF2B5EF4-FFF2-40B4-BE49-F238E27FC236}">
-                <a16:creationId xmlns:a16="http://schemas.microsoft.com/office/drawing/2014/main" id="{7011135B-8797-6EA1-7F03-18E6AEA629B0}"/>
+                <a16:creationId xmlns:a16="http://schemas.microsoft.com/office/drawing/2014/main" id="{79E69A78-7CB7-9905-AAF7-8354ACE7E399}"/>
               </a:ext>
             </a:extLst>
           </p:cNvPr>
@@ -6695,7 +5655,1279 @@
         </p:nvSpPr>
         <p:spPr>
           <a:xfrm rot="946521" flipV="1">
-            <a:off x="1245191" y="6246922"/>
+            <a:off x="1245191" y="8304323"/>
+            <a:ext cx="873232" cy="312180"/>
+          </a:xfrm>
+          <a:custGeom>
+            <a:avLst/>
+            <a:gdLst/>
+            <a:ahLst/>
+            <a:cxnLst/>
+            <a:rect l="l" t="t" r="r" b="b"/>
+            <a:pathLst>
+              <a:path w="873232" h="312180">
+                <a:moveTo>
+                  <a:pt x="0" y="312180"/>
+                </a:moveTo>
+                <a:lnTo>
+                  <a:pt x="873232" y="312180"/>
+                </a:lnTo>
+                <a:lnTo>
+                  <a:pt x="873232" y="0"/>
+                </a:lnTo>
+                <a:lnTo>
+                  <a:pt x="0" y="0"/>
+                </a:lnTo>
+                <a:lnTo>
+                  <a:pt x="0" y="312180"/>
+                </a:lnTo>
+                <a:close/>
+              </a:path>
+            </a:pathLst>
+          </a:custGeom>
+          <a:blipFill>
+            <a:blip r:embed="rId2">
+              <a:extLst>
+                <a:ext uri="{96DAC541-7B7A-43D3-8B79-37D633B846F1}">
+                  <asvg:svgBlip xmlns:asvg="http://schemas.microsoft.com/office/drawing/2016/SVG/main" r:embed="rId3"/>
+                </a:ext>
+              </a:extLst>
+            </a:blip>
+            <a:stretch>
+              <a:fillRect/>
+            </a:stretch>
+          </a:blipFill>
+        </p:spPr>
+        <p:txBody>
+          <a:bodyPr/>
+          <a:lstStyle/>
+          <a:p>
+            <a:endParaRPr lang="nl-BE"/>
+          </a:p>
+        </p:txBody>
+      </p:sp>
+      <p:sp>
+        <p:nvSpPr>
+          <p:cNvPr id="10" name="Freeform 7">
+            <a:extLst>
+              <a:ext uri="{FF2B5EF4-FFF2-40B4-BE49-F238E27FC236}">
+                <a16:creationId xmlns:a16="http://schemas.microsoft.com/office/drawing/2014/main" id="{B9365B80-4D90-7B0F-6917-226FD9E6648A}"/>
+              </a:ext>
+            </a:extLst>
+          </p:cNvPr>
+          <p:cNvSpPr/>
+          <p:nvPr/>
+        </p:nvSpPr>
+        <p:spPr>
+          <a:xfrm rot="946521" flipV="1">
+            <a:off x="1245191" y="8913923"/>
+            <a:ext cx="873232" cy="312180"/>
+          </a:xfrm>
+          <a:custGeom>
+            <a:avLst/>
+            <a:gdLst/>
+            <a:ahLst/>
+            <a:cxnLst/>
+            <a:rect l="l" t="t" r="r" b="b"/>
+            <a:pathLst>
+              <a:path w="873232" h="312180">
+                <a:moveTo>
+                  <a:pt x="0" y="312180"/>
+                </a:moveTo>
+                <a:lnTo>
+                  <a:pt x="873232" y="312180"/>
+                </a:lnTo>
+                <a:lnTo>
+                  <a:pt x="873232" y="0"/>
+                </a:lnTo>
+                <a:lnTo>
+                  <a:pt x="0" y="0"/>
+                </a:lnTo>
+                <a:lnTo>
+                  <a:pt x="0" y="312180"/>
+                </a:lnTo>
+                <a:close/>
+              </a:path>
+            </a:pathLst>
+          </a:custGeom>
+          <a:blipFill>
+            <a:blip r:embed="rId2">
+              <a:extLst>
+                <a:ext uri="{96DAC541-7B7A-43D3-8B79-37D633B846F1}">
+                  <asvg:svgBlip xmlns:asvg="http://schemas.microsoft.com/office/drawing/2016/SVG/main" r:embed="rId3"/>
+                </a:ext>
+              </a:extLst>
+            </a:blip>
+            <a:stretch>
+              <a:fillRect/>
+            </a:stretch>
+          </a:blipFill>
+        </p:spPr>
+        <p:txBody>
+          <a:bodyPr/>
+          <a:lstStyle/>
+          <a:p>
+            <a:endParaRPr lang="nl-BE"/>
+          </a:p>
+        </p:txBody>
+      </p:sp>
+      <p:pic>
+        <p:nvPicPr>
+          <p:cNvPr id="12" name="Picture 11">
+            <a:extLst>
+              <a:ext uri="{FF2B5EF4-FFF2-40B4-BE49-F238E27FC236}">
+                <a16:creationId xmlns:a16="http://schemas.microsoft.com/office/drawing/2014/main" id="{5DCC8385-2B9A-E7D0-C212-C9FB21A268BB}"/>
+              </a:ext>
+            </a:extLst>
+          </p:cNvPr>
+          <p:cNvPicPr>
+            <a:picLocks noChangeAspect="1"/>
+          </p:cNvPicPr>
+          <p:nvPr/>
+        </p:nvPicPr>
+        <p:blipFill>
+          <a:blip r:embed="rId4"/>
+          <a:stretch>
+            <a:fillRect/>
+          </a:stretch>
+        </p:blipFill>
+        <p:spPr>
+          <a:xfrm>
+            <a:off x="14085464" y="1533886"/>
+            <a:ext cx="4202536" cy="6092503"/>
+          </a:xfrm>
+          <a:prstGeom prst="rect">
+            <a:avLst/>
+          </a:prstGeom>
+        </p:spPr>
+      </p:pic>
+    </p:spTree>
+  </p:cSld>
+  <p:clrMapOvr>
+    <a:masterClrMapping/>
+  </p:clrMapOvr>
+</p:sld>
+</file>
+
+<file path=ppt/slides/slide2.xml><?xml version="1.0" encoding="utf-8"?>
+<p:sld xmlns:a="http://schemas.openxmlformats.org/drawingml/2006/main" xmlns:r="http://schemas.openxmlformats.org/officeDocument/2006/relationships" xmlns:p="http://schemas.openxmlformats.org/presentationml/2006/main">
+  <p:cSld>
+    <p:spTree>
+      <p:nvGrpSpPr>
+        <p:cNvPr id="1" name=""/>
+        <p:cNvGrpSpPr/>
+        <p:nvPr/>
+      </p:nvGrpSpPr>
+      <p:grpSpPr>
+        <a:xfrm>
+          <a:off x="0" y="0"/>
+          <a:ext cx="0" cy="0"/>
+          <a:chOff x="0" y="0"/>
+          <a:chExt cx="0" cy="0"/>
+        </a:xfrm>
+      </p:grpSpPr>
+      <p:sp>
+        <p:nvSpPr>
+          <p:cNvPr id="2" name="TextBox 2"/>
+          <p:cNvSpPr txBox="1"/>
+          <p:nvPr/>
+        </p:nvSpPr>
+        <p:spPr>
+          <a:xfrm>
+            <a:off x="771524" y="1134825"/>
+            <a:ext cx="17668875" cy="9571275"/>
+          </a:xfrm>
+          <a:prstGeom prst="rect">
+            <a:avLst/>
+          </a:prstGeom>
+        </p:spPr>
+        <p:txBody>
+          <a:bodyPr wrap="square" lIns="0" tIns="0" rIns="0" bIns="0" rtlCol="0" anchor="t">
+            <a:spAutoFit/>
+          </a:bodyPr>
+          <a:lstStyle/>
+          <a:p>
+            <a:pPr algn="ctr">
+              <a:lnSpc>
+                <a:spcPts val="5459"/>
+              </a:lnSpc>
+            </a:pPr>
+            <a:r>
+              <a:rPr lang="en-US" sz="3100" b="1" u="sng" dirty="0">
+                <a:solidFill>
+                  <a:srgbClr val="000000"/>
+                </a:solidFill>
+                <a:latin typeface="Kollektif Bold" panose="020B0604020202020204" charset="0"/>
+                <a:ea typeface="Kollektif Bold"/>
+                <a:cs typeface="Kollektif Bold"/>
+                <a:sym typeface="Kollektif Bold"/>
+              </a:rPr>
+              <a:t>Wat </a:t>
+            </a:r>
+            <a:r>
+              <a:rPr lang="en-US" sz="3100" b="1" u="sng" dirty="0" err="1">
+                <a:solidFill>
+                  <a:srgbClr val="000000"/>
+                </a:solidFill>
+                <a:latin typeface="Kollektif Bold" panose="020B0604020202020204" charset="0"/>
+                <a:ea typeface="Kollektif Bold"/>
+                <a:cs typeface="Kollektif Bold"/>
+                <a:sym typeface="Kollektif Bold"/>
+              </a:rPr>
+              <a:t>gaan</a:t>
+            </a:r>
+            <a:r>
+              <a:rPr lang="en-US" sz="3100" b="1" u="sng" dirty="0">
+                <a:solidFill>
+                  <a:srgbClr val="000000"/>
+                </a:solidFill>
+                <a:latin typeface="Kollektif Bold" panose="020B0604020202020204" charset="0"/>
+                <a:ea typeface="Kollektif Bold"/>
+                <a:cs typeface="Kollektif Bold"/>
+                <a:sym typeface="Kollektif Bold"/>
+              </a:rPr>
+              <a:t> we </a:t>
+            </a:r>
+            <a:r>
+              <a:rPr lang="en-US" sz="3100" b="1" u="sng" dirty="0" err="1">
+                <a:solidFill>
+                  <a:srgbClr val="000000"/>
+                </a:solidFill>
+                <a:latin typeface="Kollektif Bold" panose="020B0604020202020204" charset="0"/>
+                <a:ea typeface="Kollektif Bold"/>
+                <a:cs typeface="Kollektif Bold"/>
+                <a:sym typeface="Kollektif Bold"/>
+              </a:rPr>
+              <a:t>doen</a:t>
+            </a:r>
+            <a:r>
+              <a:rPr lang="en-US" sz="3100" b="1" u="sng" dirty="0">
+                <a:solidFill>
+                  <a:srgbClr val="000000"/>
+                </a:solidFill>
+                <a:latin typeface="Kollektif Bold" panose="020B0604020202020204" charset="0"/>
+                <a:ea typeface="Kollektif Bold"/>
+                <a:cs typeface="Kollektif Bold"/>
+                <a:sym typeface="Kollektif Bold"/>
+              </a:rPr>
+              <a:t>?</a:t>
+            </a:r>
+            <a:endParaRPr lang="en-US" sz="3100" b="1" u="sng" dirty="0">
+              <a:solidFill>
+                <a:srgbClr val="000000"/>
+              </a:solidFill>
+              <a:latin typeface="Kollektif" panose="020B0604020202020204" charset="0"/>
+              <a:ea typeface="Kollektif Bold"/>
+              <a:cs typeface="Kollektif Bold"/>
+              <a:sym typeface="Kollektif Bold"/>
+            </a:endParaRPr>
+          </a:p>
+          <a:p>
+            <a:pPr>
+              <a:lnSpc>
+                <a:spcPts val="5459"/>
+              </a:lnSpc>
+            </a:pPr>
+            <a:r>
+              <a:rPr lang="en-US" sz="3100" dirty="0">
+                <a:solidFill>
+                  <a:srgbClr val="000000"/>
+                </a:solidFill>
+                <a:latin typeface="Kollektif" panose="020B0604020202020204" charset="0"/>
+                <a:ea typeface="Kollektif"/>
+                <a:cs typeface="Kollektif"/>
+                <a:sym typeface="Kollektif"/>
+              </a:rPr>
+              <a:t>De cuff </a:t>
+            </a:r>
+            <a:r>
+              <a:rPr lang="en-US" sz="3100" dirty="0" err="1">
+                <a:solidFill>
+                  <a:srgbClr val="000000"/>
+                </a:solidFill>
+                <a:latin typeface="Kollektif" panose="020B0604020202020204" charset="0"/>
+                <a:ea typeface="Kollektif"/>
+                <a:cs typeface="Kollektif"/>
+                <a:sym typeface="Kollektif"/>
+              </a:rPr>
+              <a:t>zal</a:t>
+            </a:r>
+            <a:r>
+              <a:rPr lang="en-US" sz="3100" dirty="0">
+                <a:solidFill>
+                  <a:srgbClr val="000000"/>
+                </a:solidFill>
+                <a:latin typeface="Kollektif" panose="020B0604020202020204" charset="0"/>
+                <a:ea typeface="Kollektif"/>
+                <a:cs typeface="Kollektif"/>
+                <a:sym typeface="Kollektif"/>
+              </a:rPr>
+              <a:t> </a:t>
+            </a:r>
+            <a:r>
+              <a:rPr lang="en-US" sz="3100" dirty="0" err="1">
+                <a:solidFill>
+                  <a:srgbClr val="000000"/>
+                </a:solidFill>
+                <a:latin typeface="Kollektif" panose="020B0604020202020204" charset="0"/>
+                <a:ea typeface="Kollektif"/>
+                <a:cs typeface="Kollektif"/>
+                <a:sym typeface="Kollektif"/>
+              </a:rPr>
+              <a:t>geleidelijk</a:t>
+            </a:r>
+            <a:r>
+              <a:rPr lang="en-US" sz="3100" dirty="0">
+                <a:solidFill>
+                  <a:srgbClr val="000000"/>
+                </a:solidFill>
+                <a:latin typeface="Kollektif" panose="020B0604020202020204" charset="0"/>
+                <a:ea typeface="Kollektif"/>
+                <a:cs typeface="Kollektif"/>
+                <a:sym typeface="Kollektif"/>
+              </a:rPr>
+              <a:t> </a:t>
+            </a:r>
+            <a:r>
+              <a:rPr lang="en-US" sz="3100" dirty="0" err="1">
+                <a:solidFill>
+                  <a:srgbClr val="000000"/>
+                </a:solidFill>
+                <a:latin typeface="Kollektif" panose="020B0604020202020204" charset="0"/>
+                <a:ea typeface="Kollektif"/>
+                <a:cs typeface="Kollektif"/>
+                <a:sym typeface="Kollektif"/>
+              </a:rPr>
+              <a:t>strakker</a:t>
+            </a:r>
+            <a:r>
+              <a:rPr lang="en-US" sz="3100" dirty="0">
+                <a:solidFill>
+                  <a:srgbClr val="000000"/>
+                </a:solidFill>
+                <a:latin typeface="Kollektif" panose="020B0604020202020204" charset="0"/>
+                <a:ea typeface="Kollektif"/>
+                <a:cs typeface="Kollektif"/>
+                <a:sym typeface="Kollektif"/>
+              </a:rPr>
+              <a:t> </a:t>
+            </a:r>
+            <a:r>
+              <a:rPr lang="en-US" sz="3100" dirty="0" err="1">
+                <a:solidFill>
+                  <a:srgbClr val="000000"/>
+                </a:solidFill>
+                <a:latin typeface="Kollektif" panose="020B0604020202020204" charset="0"/>
+                <a:ea typeface="Kollektif"/>
+                <a:cs typeface="Kollektif"/>
+                <a:sym typeface="Kollektif"/>
+              </a:rPr>
+              <a:t>komen</a:t>
+            </a:r>
+            <a:r>
+              <a:rPr lang="en-US" sz="3100" dirty="0">
+                <a:solidFill>
+                  <a:srgbClr val="000000"/>
+                </a:solidFill>
+                <a:latin typeface="Kollektif" panose="020B0604020202020204" charset="0"/>
+                <a:ea typeface="Kollektif"/>
+                <a:cs typeface="Kollektif"/>
+                <a:sym typeface="Kollektif"/>
+              </a:rPr>
+              <a:t> </a:t>
+            </a:r>
+            <a:r>
+              <a:rPr lang="en-US" sz="3100" dirty="0" err="1">
+                <a:solidFill>
+                  <a:srgbClr val="000000"/>
+                </a:solidFill>
+                <a:latin typeface="Kollektif" panose="020B0604020202020204" charset="0"/>
+                <a:ea typeface="Kollektif"/>
+                <a:cs typeface="Kollektif"/>
+                <a:sym typeface="Kollektif"/>
+              </a:rPr>
+              <a:t>te</a:t>
+            </a:r>
+            <a:r>
+              <a:rPr lang="en-US" sz="3100" dirty="0">
+                <a:solidFill>
+                  <a:srgbClr val="000000"/>
+                </a:solidFill>
+                <a:latin typeface="Kollektif" panose="020B0604020202020204" charset="0"/>
+                <a:ea typeface="Kollektif"/>
+                <a:cs typeface="Kollektif"/>
+                <a:sym typeface="Kollektif"/>
+              </a:rPr>
+              <a:t> </a:t>
+            </a:r>
+            <a:r>
+              <a:rPr lang="en-US" sz="3100" dirty="0" err="1">
+                <a:solidFill>
+                  <a:srgbClr val="000000"/>
+                </a:solidFill>
+                <a:latin typeface="Kollektif" panose="020B0604020202020204" charset="0"/>
+                <a:ea typeface="Kollektif"/>
+                <a:cs typeface="Kollektif"/>
+                <a:sym typeface="Kollektif"/>
+              </a:rPr>
+              <a:t>zitten</a:t>
+            </a:r>
+            <a:r>
+              <a:rPr lang="en-US" sz="3100" dirty="0">
+                <a:solidFill>
+                  <a:srgbClr val="000000"/>
+                </a:solidFill>
+                <a:latin typeface="Kollektif" panose="020B0604020202020204" charset="0"/>
+                <a:ea typeface="Kollektif"/>
+                <a:cs typeface="Kollektif"/>
+                <a:sym typeface="Kollektif"/>
+              </a:rPr>
+              <a:t> </a:t>
+            </a:r>
+            <a:r>
+              <a:rPr lang="en-US" sz="3100" dirty="0" err="1">
+                <a:solidFill>
+                  <a:srgbClr val="000000"/>
+                </a:solidFill>
+                <a:latin typeface="Kollektif" panose="020B0604020202020204" charset="0"/>
+                <a:ea typeface="Kollektif"/>
+                <a:cs typeface="Kollektif"/>
+                <a:sym typeface="Kollektif"/>
+              </a:rPr>
+              <a:t>rond</a:t>
+            </a:r>
+            <a:r>
+              <a:rPr lang="en-US" sz="3100" dirty="0">
+                <a:solidFill>
+                  <a:srgbClr val="000000"/>
+                </a:solidFill>
+                <a:latin typeface="Kollektif" panose="020B0604020202020204" charset="0"/>
+                <a:ea typeface="Kollektif"/>
+                <a:cs typeface="Kollektif"/>
+                <a:sym typeface="Kollektif"/>
+              </a:rPr>
+              <a:t> </a:t>
+            </a:r>
+            <a:r>
+              <a:rPr lang="en-US" sz="3100" dirty="0" err="1">
+                <a:solidFill>
+                  <a:srgbClr val="000000"/>
+                </a:solidFill>
+                <a:latin typeface="Kollektif" panose="020B0604020202020204" charset="0"/>
+                <a:ea typeface="Kollektif"/>
+                <a:cs typeface="Kollektif"/>
+                <a:sym typeface="Kollektif"/>
+              </a:rPr>
+              <a:t>uw</a:t>
+            </a:r>
+            <a:r>
+              <a:rPr lang="en-US" sz="3100" dirty="0">
+                <a:solidFill>
+                  <a:srgbClr val="000000"/>
+                </a:solidFill>
+                <a:latin typeface="Kollektif" panose="020B0604020202020204" charset="0"/>
+                <a:ea typeface="Kollektif"/>
+                <a:cs typeface="Kollektif"/>
+                <a:sym typeface="Kollektif"/>
+              </a:rPr>
+              <a:t> </a:t>
+            </a:r>
+            <a:r>
+              <a:rPr lang="en-US" sz="3100" dirty="0" err="1">
+                <a:solidFill>
+                  <a:srgbClr val="000000"/>
+                </a:solidFill>
+                <a:latin typeface="Kollektif" panose="020B0604020202020204" charset="0"/>
+                <a:ea typeface="Kollektif"/>
+                <a:cs typeface="Kollektif"/>
+                <a:sym typeface="Kollektif"/>
+              </a:rPr>
+              <a:t>kuit</a:t>
+            </a:r>
+            <a:r>
+              <a:rPr lang="en-US" sz="3100" dirty="0">
+                <a:solidFill>
+                  <a:srgbClr val="000000"/>
+                </a:solidFill>
+                <a:latin typeface="Kollektif" panose="020B0604020202020204" charset="0"/>
+                <a:ea typeface="Kollektif"/>
+                <a:cs typeface="Kollektif"/>
+                <a:sym typeface="Kollektif"/>
+              </a:rPr>
+              <a:t>, maar </a:t>
+            </a:r>
+            <a:r>
+              <a:rPr lang="en-US" sz="3100" dirty="0" err="1">
+                <a:solidFill>
+                  <a:srgbClr val="000000"/>
+                </a:solidFill>
+                <a:latin typeface="Kollektif" panose="020B0604020202020204" charset="0"/>
+                <a:ea typeface="Kollektif"/>
+                <a:cs typeface="Kollektif"/>
+                <a:sym typeface="Kollektif"/>
+              </a:rPr>
+              <a:t>wordt</a:t>
+            </a:r>
+            <a:r>
+              <a:rPr lang="en-US" sz="3100" dirty="0">
+                <a:solidFill>
+                  <a:srgbClr val="000000"/>
+                </a:solidFill>
+                <a:latin typeface="Kollektif" panose="020B0604020202020204" charset="0"/>
+                <a:ea typeface="Kollektif"/>
+                <a:cs typeface="Kollektif"/>
+                <a:sym typeface="Kollektif"/>
+              </a:rPr>
+              <a:t> </a:t>
+            </a:r>
+            <a:r>
+              <a:rPr lang="en-US" sz="3100" dirty="0" err="1">
+                <a:solidFill>
+                  <a:srgbClr val="000000"/>
+                </a:solidFill>
+                <a:latin typeface="Kollektif" panose="020B0604020202020204" charset="0"/>
+                <a:ea typeface="Kollektif"/>
+                <a:cs typeface="Kollektif"/>
+                <a:sym typeface="Kollektif"/>
+              </a:rPr>
+              <a:t>automatisch</a:t>
+            </a:r>
+            <a:endParaRPr lang="en-US" sz="3100" dirty="0">
+              <a:solidFill>
+                <a:srgbClr val="000000"/>
+              </a:solidFill>
+              <a:latin typeface="Kollektif" panose="020B0604020202020204" charset="0"/>
+              <a:ea typeface="Kollektif"/>
+              <a:cs typeface="Kollektif"/>
+              <a:sym typeface="Kollektif"/>
+            </a:endParaRPr>
+          </a:p>
+          <a:p>
+            <a:pPr>
+              <a:lnSpc>
+                <a:spcPts val="5459"/>
+              </a:lnSpc>
+            </a:pPr>
+            <a:r>
+              <a:rPr lang="en-US" sz="3100" dirty="0" err="1">
+                <a:solidFill>
+                  <a:srgbClr val="000000"/>
+                </a:solidFill>
+                <a:latin typeface="Kollektif" panose="020B0604020202020204" charset="0"/>
+                <a:ea typeface="Kollektif"/>
+                <a:cs typeface="Kollektif"/>
+                <a:sym typeface="Kollektif"/>
+              </a:rPr>
+              <a:t>geregeld</a:t>
+            </a:r>
+            <a:r>
+              <a:rPr lang="en-US" sz="3100" dirty="0">
+                <a:solidFill>
+                  <a:srgbClr val="000000"/>
+                </a:solidFill>
+                <a:latin typeface="Kollektif" panose="020B0604020202020204" charset="0"/>
+                <a:ea typeface="Kollektif"/>
+                <a:cs typeface="Kollektif"/>
+                <a:sym typeface="Kollektif"/>
+              </a:rPr>
+              <a:t> door het </a:t>
+            </a:r>
+            <a:r>
+              <a:rPr lang="en-US" sz="3100" dirty="0" err="1">
+                <a:solidFill>
+                  <a:srgbClr val="000000"/>
+                </a:solidFill>
+                <a:latin typeface="Kollektif" panose="020B0604020202020204" charset="0"/>
+                <a:ea typeface="Kollektif"/>
+                <a:cs typeface="Kollektif"/>
+                <a:sym typeface="Kollektif"/>
+              </a:rPr>
+              <a:t>apparaat</a:t>
+            </a:r>
+            <a:r>
+              <a:rPr lang="en-US" sz="3100" dirty="0">
+                <a:solidFill>
+                  <a:srgbClr val="000000"/>
+                </a:solidFill>
+                <a:latin typeface="Kollektif" panose="020B0604020202020204" charset="0"/>
+                <a:ea typeface="Kollektif"/>
+                <a:cs typeface="Kollektif"/>
+                <a:sym typeface="Kollektif"/>
+              </a:rPr>
+              <a:t>.</a:t>
+            </a:r>
+            <a:endParaRPr lang="en-US" sz="3200" b="1" u="sng" dirty="0">
+              <a:solidFill>
+                <a:srgbClr val="000000"/>
+              </a:solidFill>
+              <a:latin typeface="Kollektif Bold"/>
+              <a:ea typeface="Kollektif Bold"/>
+              <a:cs typeface="Kollektif Bold"/>
+              <a:sym typeface="Kollektif Bold"/>
+            </a:endParaRPr>
+          </a:p>
+          <a:p>
+            <a:pPr algn="ctr">
+              <a:lnSpc>
+                <a:spcPts val="4619"/>
+              </a:lnSpc>
+            </a:pPr>
+            <a:r>
+              <a:rPr lang="en-US" sz="3100" b="1" u="sng" dirty="0">
+                <a:solidFill>
+                  <a:srgbClr val="000000"/>
+                </a:solidFill>
+                <a:latin typeface="Kollektif Bold" panose="020B0604020202020204" charset="0"/>
+                <a:ea typeface="Kollektif Bold"/>
+                <a:cs typeface="Kollektif Bold"/>
+                <a:sym typeface="Kollektif Bold"/>
+              </a:rPr>
+              <a:t>Wat ga </a:t>
+            </a:r>
+            <a:r>
+              <a:rPr lang="en-US" sz="3100" b="1" u="sng" dirty="0" err="1">
+                <a:solidFill>
+                  <a:srgbClr val="000000"/>
+                </a:solidFill>
+                <a:latin typeface="Kollektif Bold" panose="020B0604020202020204" charset="0"/>
+                <a:ea typeface="Kollektif Bold"/>
+                <a:cs typeface="Kollektif Bold"/>
+                <a:sym typeface="Kollektif Bold"/>
+              </a:rPr>
+              <a:t>jij</a:t>
+            </a:r>
+            <a:r>
+              <a:rPr lang="en-US" sz="3100" b="1" u="sng" dirty="0">
+                <a:solidFill>
+                  <a:srgbClr val="000000"/>
+                </a:solidFill>
+                <a:latin typeface="Kollektif Bold" panose="020B0604020202020204" charset="0"/>
+                <a:ea typeface="Kollektif Bold"/>
+                <a:cs typeface="Kollektif Bold"/>
+                <a:sym typeface="Kollektif Bold"/>
+              </a:rPr>
+              <a:t> </a:t>
+            </a:r>
+            <a:r>
+              <a:rPr lang="en-US" sz="3100" b="1" u="sng" dirty="0" err="1">
+                <a:solidFill>
+                  <a:srgbClr val="000000"/>
+                </a:solidFill>
+                <a:latin typeface="Kollektif Bold" panose="020B0604020202020204" charset="0"/>
+                <a:ea typeface="Kollektif Bold"/>
+                <a:cs typeface="Kollektif Bold"/>
+                <a:sym typeface="Kollektif Bold"/>
+              </a:rPr>
+              <a:t>doen</a:t>
+            </a:r>
+            <a:r>
+              <a:rPr lang="en-US" sz="3100" b="1" u="sng" dirty="0">
+                <a:solidFill>
+                  <a:srgbClr val="000000"/>
+                </a:solidFill>
+                <a:latin typeface="Kollektif Bold" panose="020B0604020202020204" charset="0"/>
+                <a:ea typeface="Kollektif Bold"/>
+                <a:cs typeface="Kollektif Bold"/>
+                <a:sym typeface="Kollektif Bold"/>
+              </a:rPr>
+              <a:t>:</a:t>
+            </a:r>
+            <a:endParaRPr lang="en-US" sz="3100" dirty="0">
+              <a:solidFill>
+                <a:srgbClr val="000000"/>
+              </a:solidFill>
+              <a:latin typeface="Kollektif  "/>
+              <a:ea typeface="Kollektif"/>
+              <a:cs typeface="Kollektif"/>
+              <a:sym typeface="Kollektif"/>
+            </a:endParaRPr>
+          </a:p>
+          <a:p>
+            <a:pPr algn="l">
+              <a:lnSpc>
+                <a:spcPts val="4619"/>
+              </a:lnSpc>
+            </a:pPr>
+            <a:r>
+              <a:rPr lang="en-US" sz="3100" dirty="0">
+                <a:solidFill>
+                  <a:srgbClr val="000000"/>
+                </a:solidFill>
+                <a:latin typeface="Kollektif  "/>
+                <a:ea typeface="Kollektif"/>
+                <a:cs typeface="Kollektif"/>
+                <a:sym typeface="Kollektif"/>
+              </a:rPr>
+              <a:t>U </a:t>
+            </a:r>
+            <a:r>
+              <a:rPr lang="en-US" sz="3100" dirty="0" err="1">
+                <a:solidFill>
+                  <a:srgbClr val="000000"/>
+                </a:solidFill>
+                <a:latin typeface="Kollektif  "/>
+                <a:ea typeface="Kollektif"/>
+                <a:cs typeface="Kollektif"/>
+                <a:sym typeface="Kollektif"/>
+              </a:rPr>
+              <a:t>zal</a:t>
+            </a:r>
+            <a:r>
+              <a:rPr lang="en-US" sz="3100" dirty="0">
+                <a:solidFill>
+                  <a:srgbClr val="000000"/>
+                </a:solidFill>
+                <a:latin typeface="Kollektif  "/>
+                <a:ea typeface="Kollektif"/>
+                <a:cs typeface="Kollektif"/>
+                <a:sym typeface="Kollektif"/>
+              </a:rPr>
+              <a:t> door de cuff </a:t>
+            </a:r>
+            <a:r>
+              <a:rPr lang="en-US" sz="3100" dirty="0" err="1">
+                <a:solidFill>
+                  <a:srgbClr val="000000"/>
+                </a:solidFill>
+                <a:latin typeface="Kollektif  "/>
+                <a:ea typeface="Kollektif"/>
+                <a:cs typeface="Kollektif"/>
+                <a:sym typeface="Kollektif"/>
+              </a:rPr>
+              <a:t>een</a:t>
+            </a:r>
+            <a:r>
+              <a:rPr lang="en-US" sz="3100" dirty="0">
+                <a:solidFill>
+                  <a:srgbClr val="000000"/>
+                </a:solidFill>
+                <a:latin typeface="Kollektif  "/>
+                <a:ea typeface="Kollektif"/>
+                <a:cs typeface="Kollektif"/>
+                <a:sym typeface="Kollektif"/>
+              </a:rPr>
+              <a:t> </a:t>
+            </a:r>
+            <a:r>
+              <a:rPr lang="en-US" sz="3100" dirty="0" err="1">
+                <a:solidFill>
+                  <a:srgbClr val="000000"/>
+                </a:solidFill>
+                <a:latin typeface="Kollektif  "/>
+                <a:ea typeface="Kollektif"/>
+                <a:cs typeface="Kollektif"/>
+                <a:sym typeface="Kollektif"/>
+              </a:rPr>
+              <a:t>druk</a:t>
+            </a:r>
+            <a:r>
+              <a:rPr lang="en-US" sz="3100" dirty="0">
+                <a:solidFill>
+                  <a:srgbClr val="000000"/>
+                </a:solidFill>
+                <a:latin typeface="Kollektif  "/>
+                <a:ea typeface="Kollektif"/>
+                <a:cs typeface="Kollektif"/>
+                <a:sym typeface="Kollektif"/>
+              </a:rPr>
+              <a:t> </a:t>
+            </a:r>
+            <a:r>
+              <a:rPr lang="en-US" sz="3100" dirty="0" err="1">
+                <a:solidFill>
+                  <a:srgbClr val="000000"/>
+                </a:solidFill>
+                <a:latin typeface="Kollektif  "/>
+                <a:ea typeface="Kollektif"/>
+                <a:cs typeface="Kollektif"/>
+                <a:sym typeface="Kollektif"/>
+              </a:rPr>
+              <a:t>voelen</a:t>
+            </a:r>
+            <a:r>
+              <a:rPr lang="en-US" sz="3100" dirty="0">
+                <a:solidFill>
+                  <a:srgbClr val="000000"/>
+                </a:solidFill>
+                <a:latin typeface="Kollektif  "/>
+                <a:ea typeface="Kollektif"/>
+                <a:cs typeface="Kollektif"/>
+                <a:sym typeface="Kollektif"/>
+              </a:rPr>
+              <a:t> </a:t>
+            </a:r>
+            <a:r>
+              <a:rPr lang="en-US" sz="3100" dirty="0" err="1">
+                <a:solidFill>
+                  <a:srgbClr val="000000"/>
+                </a:solidFill>
+                <a:latin typeface="Kollektif  "/>
+                <a:ea typeface="Kollektif"/>
+                <a:cs typeface="Kollektif"/>
+                <a:sym typeface="Kollektif"/>
+              </a:rPr>
+              <a:t>rond</a:t>
+            </a:r>
+            <a:r>
+              <a:rPr lang="en-US" sz="3100" dirty="0">
+                <a:solidFill>
+                  <a:srgbClr val="000000"/>
+                </a:solidFill>
+                <a:latin typeface="Kollektif  "/>
+                <a:ea typeface="Kollektif"/>
+                <a:cs typeface="Kollektif"/>
+                <a:sym typeface="Kollektif"/>
+              </a:rPr>
+              <a:t> </a:t>
+            </a:r>
+            <a:r>
+              <a:rPr lang="en-US" sz="3100" dirty="0" err="1">
+                <a:solidFill>
+                  <a:srgbClr val="000000"/>
+                </a:solidFill>
+                <a:latin typeface="Kollektif  "/>
+                <a:ea typeface="Kollektif"/>
+                <a:cs typeface="Kollektif"/>
+                <a:sym typeface="Kollektif"/>
+              </a:rPr>
+              <a:t>uw</a:t>
+            </a:r>
+            <a:r>
+              <a:rPr lang="en-US" sz="3100" dirty="0">
+                <a:solidFill>
+                  <a:srgbClr val="000000"/>
+                </a:solidFill>
+                <a:latin typeface="Kollektif  "/>
+                <a:ea typeface="Kollektif"/>
+                <a:cs typeface="Kollektif"/>
+                <a:sym typeface="Kollektif"/>
+              </a:rPr>
+              <a:t> </a:t>
+            </a:r>
+            <a:r>
+              <a:rPr lang="en-US" sz="3100" dirty="0" err="1">
+                <a:solidFill>
+                  <a:srgbClr val="000000"/>
+                </a:solidFill>
+                <a:latin typeface="Kollektif  "/>
+                <a:ea typeface="Kollektif"/>
+                <a:cs typeface="Kollektif"/>
+                <a:sym typeface="Kollektif"/>
+              </a:rPr>
+              <a:t>kuit</a:t>
+            </a:r>
+            <a:r>
+              <a:rPr lang="en-US" sz="3100" dirty="0">
+                <a:solidFill>
+                  <a:srgbClr val="000000"/>
+                </a:solidFill>
+                <a:latin typeface="Kollektif  "/>
+                <a:ea typeface="Kollektif"/>
+                <a:cs typeface="Kollektif"/>
+                <a:sym typeface="Kollektif"/>
+              </a:rPr>
+              <a:t>. </a:t>
+            </a:r>
+            <a:r>
+              <a:rPr lang="en-US" sz="3100" dirty="0" err="1">
+                <a:solidFill>
+                  <a:srgbClr val="000000"/>
+                </a:solidFill>
+                <a:latin typeface="Kollektif  "/>
+                <a:ea typeface="Kollektif"/>
+                <a:cs typeface="Kollektif"/>
+                <a:sym typeface="Kollektif"/>
+              </a:rPr>
+              <a:t>Gebruik</a:t>
+            </a:r>
+            <a:r>
+              <a:rPr lang="en-US" sz="3100" dirty="0">
+                <a:solidFill>
+                  <a:srgbClr val="000000"/>
+                </a:solidFill>
+                <a:latin typeface="Kollektif  "/>
+                <a:ea typeface="Kollektif"/>
+                <a:cs typeface="Kollektif"/>
+                <a:sym typeface="Kollektif"/>
+              </a:rPr>
+              <a:t> de </a:t>
+            </a:r>
+            <a:r>
+              <a:rPr lang="en-US" sz="3100" dirty="0" err="1">
+                <a:solidFill>
+                  <a:srgbClr val="000000"/>
+                </a:solidFill>
+                <a:latin typeface="Kollektif  "/>
+                <a:ea typeface="Kollektif"/>
+                <a:cs typeface="Kollektif"/>
+                <a:sym typeface="Kollektif"/>
+              </a:rPr>
+              <a:t>schaal</a:t>
+            </a:r>
+            <a:r>
+              <a:rPr lang="en-US" sz="3100" dirty="0">
+                <a:solidFill>
+                  <a:srgbClr val="000000"/>
+                </a:solidFill>
+                <a:latin typeface="Kollektif  "/>
+                <a:ea typeface="Kollektif"/>
+                <a:cs typeface="Kollektif"/>
+                <a:sym typeface="Kollektif"/>
+              </a:rPr>
+              <a:t> om de </a:t>
+            </a:r>
+            <a:r>
+              <a:rPr lang="en-US" sz="3100" dirty="0" err="1">
+                <a:solidFill>
+                  <a:srgbClr val="000000"/>
+                </a:solidFill>
+                <a:latin typeface="Kollektif  "/>
+                <a:ea typeface="Kollektif"/>
+                <a:cs typeface="Kollektif"/>
+                <a:sym typeface="Kollektif"/>
+              </a:rPr>
+              <a:t>drukbeleving</a:t>
+            </a:r>
+            <a:r>
+              <a:rPr lang="en-US" sz="3100" dirty="0">
+                <a:solidFill>
+                  <a:srgbClr val="000000"/>
+                </a:solidFill>
+                <a:latin typeface="Kollektif  "/>
+                <a:ea typeface="Kollektif"/>
+                <a:cs typeface="Kollektif"/>
+                <a:sym typeface="Kollektif"/>
+              </a:rPr>
+              <a:t> </a:t>
+            </a:r>
+            <a:r>
+              <a:rPr lang="en-US" sz="3100" dirty="0" err="1">
+                <a:solidFill>
+                  <a:srgbClr val="000000"/>
+                </a:solidFill>
+                <a:latin typeface="Kollektif  "/>
+                <a:ea typeface="Kollektif"/>
+                <a:cs typeface="Kollektif"/>
+                <a:sym typeface="Kollektif"/>
+              </a:rPr>
+              <a:t>aan</a:t>
+            </a:r>
+            <a:r>
+              <a:rPr lang="en-US" sz="3100" dirty="0">
+                <a:solidFill>
+                  <a:srgbClr val="000000"/>
+                </a:solidFill>
+                <a:latin typeface="Kollektif  "/>
+                <a:ea typeface="Kollektif"/>
+                <a:cs typeface="Kollektif"/>
+                <a:sym typeface="Kollektif"/>
+              </a:rPr>
+              <a:t> </a:t>
+            </a:r>
+            <a:r>
+              <a:rPr lang="en-US" sz="3100" dirty="0" err="1">
+                <a:solidFill>
+                  <a:srgbClr val="000000"/>
+                </a:solidFill>
+                <a:latin typeface="Kollektif  "/>
+                <a:ea typeface="Kollektif"/>
+                <a:cs typeface="Kollektif"/>
+                <a:sym typeface="Kollektif"/>
+              </a:rPr>
+              <a:t>te</a:t>
+            </a:r>
+            <a:r>
+              <a:rPr lang="en-US" sz="3100" dirty="0">
+                <a:solidFill>
+                  <a:srgbClr val="000000"/>
+                </a:solidFill>
+                <a:latin typeface="Kollektif  "/>
+                <a:ea typeface="Kollektif"/>
+                <a:cs typeface="Kollektif"/>
+                <a:sym typeface="Kollektif"/>
+              </a:rPr>
+              <a:t> </a:t>
+            </a:r>
+            <a:r>
+              <a:rPr lang="en-US" sz="3100" dirty="0" err="1">
+                <a:solidFill>
+                  <a:srgbClr val="000000"/>
+                </a:solidFill>
+                <a:latin typeface="Kollektif  "/>
+                <a:ea typeface="Kollektif"/>
+                <a:cs typeface="Kollektif"/>
+                <a:sym typeface="Kollektif"/>
+              </a:rPr>
+              <a:t>geven</a:t>
+            </a:r>
+            <a:r>
+              <a:rPr lang="en-US" sz="3100" dirty="0">
+                <a:solidFill>
+                  <a:srgbClr val="000000"/>
+                </a:solidFill>
+                <a:latin typeface="Kollektif  "/>
+                <a:ea typeface="Kollektif"/>
+                <a:cs typeface="Kollektif"/>
+                <a:sym typeface="Kollektif"/>
+              </a:rPr>
+              <a:t>:</a:t>
+            </a:r>
+          </a:p>
+          <a:p>
+            <a:pPr algn="l">
+              <a:lnSpc>
+                <a:spcPts val="4619"/>
+              </a:lnSpc>
+            </a:pPr>
+            <a:endParaRPr lang="en-US" sz="3100" dirty="0">
+              <a:solidFill>
+                <a:srgbClr val="000000"/>
+              </a:solidFill>
+              <a:latin typeface="Kollektif  "/>
+              <a:ea typeface="Kollektif"/>
+              <a:cs typeface="Kollektif"/>
+              <a:sym typeface="Kollektif"/>
+            </a:endParaRPr>
+          </a:p>
+          <a:p>
+            <a:pPr algn="l">
+              <a:lnSpc>
+                <a:spcPts val="4619"/>
+              </a:lnSpc>
+            </a:pPr>
+            <a:endParaRPr lang="en-US" sz="3100" dirty="0">
+              <a:solidFill>
+                <a:srgbClr val="000000"/>
+              </a:solidFill>
+              <a:latin typeface="Kollektif  "/>
+              <a:ea typeface="Kollektif"/>
+              <a:cs typeface="Kollektif"/>
+              <a:sym typeface="Kollektif"/>
+            </a:endParaRPr>
+          </a:p>
+          <a:p>
+            <a:pPr algn="l">
+              <a:lnSpc>
+                <a:spcPts val="4619"/>
+              </a:lnSpc>
+            </a:pPr>
+            <a:endParaRPr lang="en-US" sz="3100" dirty="0">
+              <a:solidFill>
+                <a:srgbClr val="000000"/>
+              </a:solidFill>
+              <a:latin typeface="Kollektif  "/>
+              <a:ea typeface="Kollektif"/>
+              <a:cs typeface="Kollektif"/>
+              <a:sym typeface="Kollektif"/>
+            </a:endParaRPr>
+          </a:p>
+          <a:p>
+            <a:pPr algn="l">
+              <a:lnSpc>
+                <a:spcPts val="4619"/>
+              </a:lnSpc>
+            </a:pPr>
+            <a:r>
+              <a:rPr lang="en-US" sz="3100" dirty="0">
+                <a:solidFill>
+                  <a:srgbClr val="000000"/>
+                </a:solidFill>
+                <a:latin typeface="Kollektif  "/>
+                <a:ea typeface="Kollektif"/>
+                <a:cs typeface="Kollektif"/>
+                <a:sym typeface="Kollektif"/>
+              </a:rPr>
+              <a:t>										      </a:t>
+            </a:r>
+            <a:r>
+              <a:rPr lang="nl-BE" sz="3100" dirty="0">
+                <a:solidFill>
+                  <a:srgbClr val="000000"/>
+                </a:solidFill>
+                <a:latin typeface="Kollektif  "/>
+                <a:ea typeface="Kollektif"/>
+                <a:cs typeface="Kollektif"/>
+                <a:sym typeface="Kollektif"/>
+              </a:rPr>
+              <a:t>Begin met het bewegen van de aanwijzer 											      zodra de druk oncomfortabel aanvoelt.</a:t>
+            </a:r>
+            <a:r>
+              <a:rPr lang="en-US" sz="3100" dirty="0">
+                <a:solidFill>
+                  <a:srgbClr val="000000"/>
+                </a:solidFill>
+                <a:latin typeface="Kollektif  "/>
+                <a:ea typeface="Kollektif"/>
+                <a:cs typeface="Kollektif"/>
+                <a:sym typeface="Kollektif"/>
+              </a:rPr>
+              <a:t> </a:t>
+            </a:r>
+          </a:p>
+          <a:p>
+            <a:pPr algn="l">
+              <a:lnSpc>
+                <a:spcPts val="4619"/>
+              </a:lnSpc>
+            </a:pPr>
+            <a:endParaRPr lang="en-US" sz="3100" dirty="0">
+              <a:solidFill>
+                <a:srgbClr val="000000"/>
+              </a:solidFill>
+              <a:latin typeface="Kollektif  "/>
+              <a:ea typeface="Kollektif"/>
+              <a:cs typeface="Kollektif"/>
+              <a:sym typeface="Kollektif"/>
+            </a:endParaRPr>
+          </a:p>
+          <a:p>
+            <a:pPr>
+              <a:lnSpc>
+                <a:spcPts val="5459"/>
+              </a:lnSpc>
+            </a:pPr>
+            <a:endParaRPr lang="nl-BE" sz="3100" dirty="0">
+              <a:solidFill>
+                <a:srgbClr val="000000"/>
+              </a:solidFill>
+              <a:latin typeface="Kollektif" panose="020B0604020202020204" charset="0"/>
+              <a:ea typeface="Kollektif"/>
+              <a:cs typeface="Kollektif"/>
+              <a:sym typeface="Kollektif"/>
+            </a:endParaRPr>
+          </a:p>
+          <a:p>
+            <a:pPr>
+              <a:lnSpc>
+                <a:spcPts val="5459"/>
+              </a:lnSpc>
+            </a:pPr>
+            <a:r>
+              <a:rPr lang="nl-BE" sz="3100" dirty="0">
+                <a:solidFill>
+                  <a:srgbClr val="000000"/>
+                </a:solidFill>
+                <a:latin typeface="Kollektif" panose="020B0604020202020204" charset="0"/>
+                <a:ea typeface="Kollektif"/>
+                <a:cs typeface="Kollektif"/>
+                <a:sym typeface="Kollektif"/>
+              </a:rPr>
+              <a:t>Probeer zo veel mogelijk druk te verdragen, de druk verdwijnt </a:t>
+            </a:r>
+            <a:r>
+              <a:rPr lang="nl-BE" sz="3100" dirty="0" err="1">
+                <a:solidFill>
+                  <a:srgbClr val="000000"/>
+                </a:solidFill>
+                <a:latin typeface="Kollektif" panose="020B0604020202020204" charset="0"/>
+                <a:ea typeface="Kollektif"/>
+                <a:cs typeface="Kollektif"/>
+                <a:sym typeface="Kollektif"/>
+              </a:rPr>
+              <a:t>onmiddelijk</a:t>
+            </a:r>
+            <a:r>
+              <a:rPr lang="nl-BE" sz="3100" dirty="0">
+                <a:solidFill>
+                  <a:srgbClr val="000000"/>
+                </a:solidFill>
+                <a:latin typeface="Kollektif" panose="020B0604020202020204" charset="0"/>
+                <a:ea typeface="Kollektif"/>
+                <a:cs typeface="Kollektif"/>
+                <a:sym typeface="Kollektif"/>
+              </a:rPr>
+              <a:t> zodra de aanwijzer naar 10 op de schaal is verplaatst.</a:t>
+            </a:r>
+            <a:endParaRPr lang="en-US" sz="3100" dirty="0">
+              <a:solidFill>
+                <a:srgbClr val="000000"/>
+              </a:solidFill>
+              <a:latin typeface="Kollektif" panose="020B0604020202020204" charset="0"/>
+              <a:ea typeface="Kollektif"/>
+              <a:cs typeface="Kollektif"/>
+              <a:sym typeface="Kollektif"/>
+            </a:endParaRPr>
+          </a:p>
+          <a:p>
+            <a:pPr>
+              <a:lnSpc>
+                <a:spcPts val="5459"/>
+              </a:lnSpc>
+            </a:pPr>
+            <a:endParaRPr lang="en-US" sz="3100" dirty="0">
+              <a:solidFill>
+                <a:srgbClr val="000000"/>
+              </a:solidFill>
+              <a:latin typeface="Kollektif" panose="020B0604020202020204" charset="0"/>
+              <a:ea typeface="Kollektif"/>
+              <a:cs typeface="Kollektif"/>
+              <a:sym typeface="Kollektif"/>
+            </a:endParaRPr>
+          </a:p>
+        </p:txBody>
+      </p:sp>
+      <p:sp>
+        <p:nvSpPr>
+          <p:cNvPr id="3" name="TextBox 3"/>
+          <p:cNvSpPr txBox="1"/>
+          <p:nvPr/>
+        </p:nvSpPr>
+        <p:spPr>
+          <a:xfrm>
+            <a:off x="3264991" y="107605"/>
+            <a:ext cx="11758017" cy="1150508"/>
+          </a:xfrm>
+          <a:prstGeom prst="rect">
+            <a:avLst/>
+          </a:prstGeom>
+        </p:spPr>
+        <p:txBody>
+          <a:bodyPr wrap="square" lIns="0" tIns="0" rIns="0" bIns="0" rtlCol="0" anchor="t">
+            <a:spAutoFit/>
+          </a:bodyPr>
+          <a:lstStyle/>
+          <a:p>
+            <a:pPr algn="ctr">
+              <a:lnSpc>
+                <a:spcPts val="9799"/>
+              </a:lnSpc>
+            </a:pPr>
+            <a:r>
+              <a:rPr lang="en-US" sz="6999" dirty="0" err="1">
+                <a:solidFill>
+                  <a:srgbClr val="000000"/>
+                </a:solidFill>
+                <a:latin typeface="Bryndan Write"/>
+                <a:ea typeface="Bryndan Write"/>
+                <a:cs typeface="Bryndan Write"/>
+                <a:sym typeface="Bryndan Write"/>
+              </a:rPr>
+              <a:t>Onderdeel</a:t>
+            </a:r>
+            <a:r>
+              <a:rPr lang="en-US" sz="6999" dirty="0">
+                <a:solidFill>
+                  <a:srgbClr val="000000"/>
+                </a:solidFill>
+                <a:latin typeface="Bryndan Write"/>
+                <a:ea typeface="Bryndan Write"/>
+                <a:cs typeface="Bryndan Write"/>
+                <a:sym typeface="Bryndan Write"/>
+              </a:rPr>
+              <a:t> 2</a:t>
+            </a:r>
+          </a:p>
+        </p:txBody>
+      </p:sp>
+      <p:sp>
+        <p:nvSpPr>
+          <p:cNvPr id="4" name="Freeform 4"/>
+          <p:cNvSpPr/>
+          <p:nvPr/>
+        </p:nvSpPr>
+        <p:spPr>
+          <a:xfrm rot="946521" flipV="1">
+            <a:off x="-202609" y="2084597"/>
             <a:ext cx="873232" cy="312180"/>
           </a:xfrm>
           <a:custGeom>
@@ -6748,10 +6980,10 @@
       </p:sp>
       <p:sp>
         <p:nvSpPr>
-          <p:cNvPr id="5" name="Freeform 4">
+          <p:cNvPr id="6" name="Freeform 4">
             <a:extLst>
               <a:ext uri="{FF2B5EF4-FFF2-40B4-BE49-F238E27FC236}">
-                <a16:creationId xmlns:a16="http://schemas.microsoft.com/office/drawing/2014/main" id="{EF27D63D-8D4F-039D-B35A-99D8E5DA568B}"/>
+                <a16:creationId xmlns:a16="http://schemas.microsoft.com/office/drawing/2014/main" id="{23B1CBDE-FDC5-C637-3322-B5B8788437A9}"/>
               </a:ext>
             </a:extLst>
           </p:cNvPr>
@@ -6760,7 +6992,7 @@
         </p:nvSpPr>
         <p:spPr>
           <a:xfrm rot="946521" flipV="1">
-            <a:off x="-202609" y="8228123"/>
+            <a:off x="-202608" y="3989597"/>
             <a:ext cx="873232" cy="312180"/>
           </a:xfrm>
           <a:custGeom>
@@ -6811,7 +7043,513 @@
           </a:p>
         </p:txBody>
       </p:sp>
+      <p:sp>
+        <p:nvSpPr>
+          <p:cNvPr id="5" name="Freeform 4">
+            <a:extLst>
+              <a:ext uri="{FF2B5EF4-FFF2-40B4-BE49-F238E27FC236}">
+                <a16:creationId xmlns:a16="http://schemas.microsoft.com/office/drawing/2014/main" id="{EF27D63D-8D4F-039D-B35A-99D8E5DA568B}"/>
+              </a:ext>
+            </a:extLst>
+          </p:cNvPr>
+          <p:cNvSpPr/>
+          <p:nvPr/>
+        </p:nvSpPr>
+        <p:spPr>
+          <a:xfrm rot="946521" flipV="1">
+            <a:off x="-172130" y="8794621"/>
+            <a:ext cx="873232" cy="312180"/>
+          </a:xfrm>
+          <a:custGeom>
+            <a:avLst/>
+            <a:gdLst/>
+            <a:ahLst/>
+            <a:cxnLst/>
+            <a:rect l="l" t="t" r="r" b="b"/>
+            <a:pathLst>
+              <a:path w="873232" h="312180">
+                <a:moveTo>
+                  <a:pt x="0" y="312181"/>
+                </a:moveTo>
+                <a:lnTo>
+                  <a:pt x="873232" y="312181"/>
+                </a:lnTo>
+                <a:lnTo>
+                  <a:pt x="873232" y="0"/>
+                </a:lnTo>
+                <a:lnTo>
+                  <a:pt x="0" y="0"/>
+                </a:lnTo>
+                <a:lnTo>
+                  <a:pt x="0" y="312181"/>
+                </a:lnTo>
+                <a:close/>
+              </a:path>
+            </a:pathLst>
+          </a:custGeom>
+          <a:blipFill>
+            <a:blip r:embed="rId2">
+              <a:extLst>
+                <a:ext uri="{96DAC541-7B7A-43D3-8B79-37D633B846F1}">
+                  <asvg:svgBlip xmlns:asvg="http://schemas.microsoft.com/office/drawing/2016/SVG/main" r:embed="rId3"/>
+                </a:ext>
+              </a:extLst>
+            </a:blip>
+            <a:stretch>
+              <a:fillRect/>
+            </a:stretch>
+          </a:blipFill>
+        </p:spPr>
+        <p:txBody>
+          <a:bodyPr/>
+          <a:lstStyle/>
+          <a:p>
+            <a:endParaRPr lang="nl-BE"/>
+          </a:p>
+        </p:txBody>
+      </p:sp>
+      <p:pic>
+        <p:nvPicPr>
+          <p:cNvPr id="11" name="Picture 10">
+            <a:extLst>
+              <a:ext uri="{FF2B5EF4-FFF2-40B4-BE49-F238E27FC236}">
+                <a16:creationId xmlns:a16="http://schemas.microsoft.com/office/drawing/2014/main" id="{89479901-EA58-4675-71B1-653F467C5007}"/>
+              </a:ext>
+            </a:extLst>
+          </p:cNvPr>
+          <p:cNvPicPr>
+            <a:picLocks noChangeAspect="1"/>
+          </p:cNvPicPr>
+          <p:nvPr/>
+        </p:nvPicPr>
+        <p:blipFill>
+          <a:blip r:embed="rId4"/>
+          <a:srcRect t="10519"/>
+          <a:stretch/>
+        </p:blipFill>
+        <p:spPr>
+          <a:xfrm>
+            <a:off x="16662139" y="0"/>
+            <a:ext cx="1606811" cy="3565267"/>
+          </a:xfrm>
+          <a:prstGeom prst="rect">
+            <a:avLst/>
+          </a:prstGeom>
+          <a:ln>
+            <a:solidFill>
+              <a:schemeClr val="tx1"/>
+            </a:solidFill>
+          </a:ln>
+        </p:spPr>
+      </p:pic>
+      <p:pic>
+        <p:nvPicPr>
+          <p:cNvPr id="14" name="Picture 13" descr="A close-up of a scale&#10;&#10;AI-generated content may be incorrect.">
+            <a:extLst>
+              <a:ext uri="{FF2B5EF4-FFF2-40B4-BE49-F238E27FC236}">
+                <a16:creationId xmlns:a16="http://schemas.microsoft.com/office/drawing/2014/main" id="{6039236F-3075-867E-7405-98513E1BB06C}"/>
+              </a:ext>
+            </a:extLst>
+          </p:cNvPr>
+          <p:cNvPicPr>
+            <a:picLocks noChangeAspect="1"/>
+          </p:cNvPicPr>
+          <p:nvPr/>
+        </p:nvPicPr>
+        <p:blipFill>
+          <a:blip r:embed="rId5">
+            <a:extLst>
+              <a:ext uri="{28A0092B-C50C-407E-A947-70E740481C1C}">
+                <a14:useLocalDpi xmlns:a14="http://schemas.microsoft.com/office/drawing/2010/main" val="0"/>
+              </a:ext>
+            </a:extLst>
+          </a:blip>
+          <a:stretch>
+            <a:fillRect/>
+          </a:stretch>
+        </p:blipFill>
+        <p:spPr>
+          <a:xfrm rot="20596814">
+            <a:off x="3033493" y="5495711"/>
+            <a:ext cx="7216665" cy="3608333"/>
+          </a:xfrm>
+          <a:prstGeom prst="rect">
+            <a:avLst/>
+          </a:prstGeom>
+        </p:spPr>
+      </p:pic>
+      <p:sp>
+        <p:nvSpPr>
+          <p:cNvPr id="15" name="Oval 14">
+            <a:extLst>
+              <a:ext uri="{FF2B5EF4-FFF2-40B4-BE49-F238E27FC236}">
+                <a16:creationId xmlns:a16="http://schemas.microsoft.com/office/drawing/2014/main" id="{570CFDAE-CBDB-3E21-C60D-833AB53299B3}"/>
+              </a:ext>
+            </a:extLst>
+          </p:cNvPr>
+          <p:cNvSpPr/>
+          <p:nvPr/>
+        </p:nvSpPr>
+        <p:spPr>
+          <a:xfrm>
+            <a:off x="4736826" y="6668258"/>
+            <a:ext cx="609600" cy="609600"/>
+          </a:xfrm>
+          <a:prstGeom prst="ellipse">
+            <a:avLst/>
+          </a:prstGeom>
+          <a:solidFill>
+            <a:srgbClr val="94DC9F">
+              <a:alpha val="50196"/>
+            </a:srgbClr>
+          </a:solidFill>
+          <a:ln>
+            <a:solidFill>
+              <a:schemeClr val="bg2">
+                <a:lumMod val="25000"/>
+              </a:schemeClr>
+            </a:solidFill>
+          </a:ln>
+        </p:spPr>
+        <p:style>
+          <a:lnRef idx="2">
+            <a:schemeClr val="accent1">
+              <a:shade val="15000"/>
+            </a:schemeClr>
+          </a:lnRef>
+          <a:fillRef idx="1">
+            <a:schemeClr val="accent1"/>
+          </a:fillRef>
+          <a:effectRef idx="0">
+            <a:schemeClr val="accent1"/>
+          </a:effectRef>
+          <a:fontRef idx="minor">
+            <a:schemeClr val="lt1"/>
+          </a:fontRef>
+        </p:style>
+        <p:txBody>
+          <a:bodyPr rtlCol="0" anchor="ctr"/>
+          <a:lstStyle/>
+          <a:p>
+            <a:pPr algn="ctr"/>
+            <a:endParaRPr lang="nl-BE"/>
+          </a:p>
+        </p:txBody>
+      </p:sp>
+      <p:sp>
+        <p:nvSpPr>
+          <p:cNvPr id="16" name="Oval 15">
+            <a:extLst>
+              <a:ext uri="{FF2B5EF4-FFF2-40B4-BE49-F238E27FC236}">
+                <a16:creationId xmlns:a16="http://schemas.microsoft.com/office/drawing/2014/main" id="{EA1E008A-041B-0C68-E59C-FF36948FC027}"/>
+              </a:ext>
+            </a:extLst>
+          </p:cNvPr>
+          <p:cNvSpPr/>
+          <p:nvPr/>
+        </p:nvSpPr>
+        <p:spPr>
+          <a:xfrm>
+            <a:off x="7676739" y="6515858"/>
+            <a:ext cx="609600" cy="609600"/>
+          </a:xfrm>
+          <a:prstGeom prst="ellipse">
+            <a:avLst/>
+          </a:prstGeom>
+          <a:solidFill>
+            <a:srgbClr val="94DC9F">
+              <a:alpha val="50196"/>
+            </a:srgbClr>
+          </a:solidFill>
+          <a:ln>
+            <a:solidFill>
+              <a:schemeClr val="bg2">
+                <a:lumMod val="25000"/>
+              </a:schemeClr>
+            </a:solidFill>
+          </a:ln>
+        </p:spPr>
+        <p:style>
+          <a:lnRef idx="2">
+            <a:schemeClr val="accent1">
+              <a:shade val="15000"/>
+            </a:schemeClr>
+          </a:lnRef>
+          <a:fillRef idx="1">
+            <a:schemeClr val="accent1"/>
+          </a:fillRef>
+          <a:effectRef idx="0">
+            <a:schemeClr val="accent1"/>
+          </a:effectRef>
+          <a:fontRef idx="minor">
+            <a:schemeClr val="lt1"/>
+          </a:fontRef>
+        </p:style>
+        <p:txBody>
+          <a:bodyPr rtlCol="0" anchor="ctr"/>
+          <a:lstStyle/>
+          <a:p>
+            <a:pPr algn="ctr"/>
+            <a:endParaRPr lang="nl-BE"/>
+          </a:p>
+        </p:txBody>
+      </p:sp>
+      <p:cxnSp>
+        <p:nvCxnSpPr>
+          <p:cNvPr id="18" name="Straight Arrow Connector 17">
+            <a:extLst>
+              <a:ext uri="{FF2B5EF4-FFF2-40B4-BE49-F238E27FC236}">
+                <a16:creationId xmlns:a16="http://schemas.microsoft.com/office/drawing/2014/main" id="{CE257380-4ED7-85F0-81D5-278F1C3E3FA5}"/>
+              </a:ext>
+            </a:extLst>
+          </p:cNvPr>
+          <p:cNvCxnSpPr>
+            <a:cxnSpLocks/>
+            <a:stCxn id="15" idx="0"/>
+          </p:cNvCxnSpPr>
+          <p:nvPr/>
+        </p:nvCxnSpPr>
+        <p:spPr>
+          <a:xfrm flipV="1">
+            <a:off x="5041626" y="5753100"/>
+            <a:ext cx="0" cy="915158"/>
+          </a:xfrm>
+          <a:prstGeom prst="straightConnector1">
+            <a:avLst/>
+          </a:prstGeom>
+          <a:ln w="38100">
+            <a:solidFill>
+              <a:schemeClr val="bg2">
+                <a:lumMod val="25000"/>
+              </a:schemeClr>
+            </a:solidFill>
+            <a:tailEnd type="triangle"/>
+          </a:ln>
+        </p:spPr>
+        <p:style>
+          <a:lnRef idx="1">
+            <a:schemeClr val="accent1"/>
+          </a:lnRef>
+          <a:fillRef idx="0">
+            <a:schemeClr val="accent1"/>
+          </a:fillRef>
+          <a:effectRef idx="0">
+            <a:schemeClr val="accent1"/>
+          </a:effectRef>
+          <a:fontRef idx="minor">
+            <a:schemeClr val="tx1"/>
+          </a:fontRef>
+        </p:style>
+      </p:cxnSp>
+      <p:sp>
+        <p:nvSpPr>
+          <p:cNvPr id="19" name="TextBox 18">
+            <a:extLst>
+              <a:ext uri="{FF2B5EF4-FFF2-40B4-BE49-F238E27FC236}">
+                <a16:creationId xmlns:a16="http://schemas.microsoft.com/office/drawing/2014/main" id="{6E48B7A9-D509-2F13-9741-7F9E62056A0A}"/>
+              </a:ext>
+            </a:extLst>
+          </p:cNvPr>
+          <p:cNvSpPr txBox="1"/>
+          <p:nvPr/>
+        </p:nvSpPr>
+        <p:spPr>
+          <a:xfrm>
+            <a:off x="4133364" y="5183713"/>
+            <a:ext cx="1816523" cy="569387"/>
+          </a:xfrm>
+          <a:prstGeom prst="rect">
+            <a:avLst/>
+          </a:prstGeom>
+          <a:solidFill>
+            <a:srgbClr val="94DC9F"/>
+          </a:solidFill>
+          <a:ln>
+            <a:solidFill>
+              <a:schemeClr val="bg2">
+                <a:lumMod val="25000"/>
+              </a:schemeClr>
+            </a:solidFill>
+          </a:ln>
+        </p:spPr>
+        <p:txBody>
+          <a:bodyPr wrap="none" rtlCol="0">
+            <a:spAutoFit/>
+          </a:bodyPr>
+          <a:lstStyle/>
+          <a:p>
+            <a:r>
+              <a:rPr lang="nl-BE" sz="3100" dirty="0">
+                <a:latin typeface="Kollektif" panose="020B0604020202020204" charset="0"/>
+              </a:rPr>
+              <a:t>Geen pijn</a:t>
+            </a:r>
+          </a:p>
+        </p:txBody>
+      </p:sp>
+      <p:cxnSp>
+        <p:nvCxnSpPr>
+          <p:cNvPr id="21" name="Straight Arrow Connector 20">
+            <a:extLst>
+              <a:ext uri="{FF2B5EF4-FFF2-40B4-BE49-F238E27FC236}">
+                <a16:creationId xmlns:a16="http://schemas.microsoft.com/office/drawing/2014/main" id="{03EC05D3-5E05-820F-618E-8B85DA1CA575}"/>
+              </a:ext>
+            </a:extLst>
+          </p:cNvPr>
+          <p:cNvCxnSpPr>
+            <a:cxnSpLocks/>
+          </p:cNvCxnSpPr>
+          <p:nvPr/>
+        </p:nvCxnSpPr>
+        <p:spPr>
+          <a:xfrm flipV="1">
+            <a:off x="8019565" y="5600700"/>
+            <a:ext cx="0" cy="915158"/>
+          </a:xfrm>
+          <a:prstGeom prst="straightConnector1">
+            <a:avLst/>
+          </a:prstGeom>
+          <a:ln w="38100">
+            <a:solidFill>
+              <a:schemeClr val="bg2">
+                <a:lumMod val="25000"/>
+              </a:schemeClr>
+            </a:solidFill>
+            <a:tailEnd type="triangle"/>
+          </a:ln>
+        </p:spPr>
+        <p:style>
+          <a:lnRef idx="1">
+            <a:schemeClr val="accent1"/>
+          </a:lnRef>
+          <a:fillRef idx="0">
+            <a:schemeClr val="accent1"/>
+          </a:fillRef>
+          <a:effectRef idx="0">
+            <a:schemeClr val="accent1"/>
+          </a:effectRef>
+          <a:fontRef idx="minor">
+            <a:schemeClr val="tx1"/>
+          </a:fontRef>
+        </p:style>
+      </p:cxnSp>
+      <p:sp>
+        <p:nvSpPr>
+          <p:cNvPr id="22" name="TextBox 21">
+            <a:extLst>
+              <a:ext uri="{FF2B5EF4-FFF2-40B4-BE49-F238E27FC236}">
+                <a16:creationId xmlns:a16="http://schemas.microsoft.com/office/drawing/2014/main" id="{6A86D586-6FCC-4AB8-E06A-94EF1481E34A}"/>
+              </a:ext>
+            </a:extLst>
+          </p:cNvPr>
+          <p:cNvSpPr txBox="1"/>
+          <p:nvPr/>
+        </p:nvSpPr>
+        <p:spPr>
+          <a:xfrm>
+            <a:off x="6745819" y="5044440"/>
+            <a:ext cx="2547492" cy="569387"/>
+          </a:xfrm>
+          <a:prstGeom prst="rect">
+            <a:avLst/>
+          </a:prstGeom>
+          <a:solidFill>
+            <a:srgbClr val="94DC9F"/>
+          </a:solidFill>
+          <a:ln>
+            <a:solidFill>
+              <a:schemeClr val="bg2">
+                <a:lumMod val="25000"/>
+              </a:schemeClr>
+            </a:solidFill>
+          </a:ln>
+        </p:spPr>
+        <p:txBody>
+          <a:bodyPr wrap="none" rtlCol="0">
+            <a:spAutoFit/>
+          </a:bodyPr>
+          <a:lstStyle/>
+          <a:p>
+            <a:r>
+              <a:rPr lang="nl-BE" sz="3100" dirty="0">
+                <a:latin typeface="Kollektif" panose="020B0604020202020204" charset="0"/>
+              </a:rPr>
+              <a:t>Maximale pijn</a:t>
+            </a:r>
+          </a:p>
+        </p:txBody>
+      </p:sp>
+      <p:sp>
+        <p:nvSpPr>
+          <p:cNvPr id="23" name="Freeform 4">
+            <a:extLst>
+              <a:ext uri="{FF2B5EF4-FFF2-40B4-BE49-F238E27FC236}">
+                <a16:creationId xmlns:a16="http://schemas.microsoft.com/office/drawing/2014/main" id="{D6B60C69-C23C-DC3E-E295-C1E59E915F9F}"/>
+              </a:ext>
+            </a:extLst>
+          </p:cNvPr>
+          <p:cNvSpPr/>
+          <p:nvPr/>
+        </p:nvSpPr>
+        <p:spPr>
+          <a:xfrm rot="946521" flipV="1">
+            <a:off x="9425979" y="6718392"/>
+            <a:ext cx="983913" cy="353384"/>
+          </a:xfrm>
+          <a:custGeom>
+            <a:avLst/>
+            <a:gdLst/>
+            <a:ahLst/>
+            <a:cxnLst/>
+            <a:rect l="l" t="t" r="r" b="b"/>
+            <a:pathLst>
+              <a:path w="873232" h="312180">
+                <a:moveTo>
+                  <a:pt x="0" y="312181"/>
+                </a:moveTo>
+                <a:lnTo>
+                  <a:pt x="873232" y="312181"/>
+                </a:lnTo>
+                <a:lnTo>
+                  <a:pt x="873232" y="0"/>
+                </a:lnTo>
+                <a:lnTo>
+                  <a:pt x="0" y="0"/>
+                </a:lnTo>
+                <a:lnTo>
+                  <a:pt x="0" y="312181"/>
+                </a:lnTo>
+                <a:close/>
+              </a:path>
+            </a:pathLst>
+          </a:custGeom>
+          <a:blipFill>
+            <a:blip r:embed="rId2">
+              <a:extLst>
+                <a:ext uri="{96DAC541-7B7A-43D3-8B79-37D633B846F1}">
+                  <asvg:svgBlip xmlns:asvg="http://schemas.microsoft.com/office/drawing/2016/SVG/main" r:embed="rId3"/>
+                </a:ext>
+              </a:extLst>
+            </a:blip>
+            <a:stretch>
+              <a:fillRect/>
+            </a:stretch>
+          </a:blipFill>
+        </p:spPr>
+        <p:txBody>
+          <a:bodyPr/>
+          <a:lstStyle/>
+          <a:p>
+            <a:endParaRPr lang="nl-BE"/>
+          </a:p>
+        </p:txBody>
+      </p:sp>
     </p:spTree>
+    <p:extLst>
+      <p:ext uri="{BB962C8B-B14F-4D97-AF65-F5344CB8AC3E}">
+        <p14:creationId xmlns:p14="http://schemas.microsoft.com/office/powerpoint/2010/main" val="1767121325"/>
+      </p:ext>
+    </p:extLst>
   </p:cSld>
   <p:clrMapOvr>
     <a:masterClrMapping/>
@@ -6844,15 +7582,15 @@
         </p:nvSpPr>
         <p:spPr>
           <a:xfrm>
-            <a:off x="22698" y="2159519"/>
-            <a:ext cx="18288000" cy="10238316"/>
+            <a:off x="381000" y="1714500"/>
+            <a:ext cx="17907000" cy="9071329"/>
           </a:xfrm>
           <a:prstGeom prst="rect">
             <a:avLst/>
           </a:prstGeom>
         </p:spPr>
         <p:txBody>
-          <a:bodyPr lIns="0" tIns="0" rIns="0" bIns="0" rtlCol="0" anchor="t">
+          <a:bodyPr wrap="square" lIns="0" tIns="0" rIns="0" bIns="0" rtlCol="0" anchor="t">
             <a:spAutoFit/>
           </a:bodyPr>
           <a:lstStyle/>
@@ -6922,13 +7660,6 @@
               </a:rPr>
               <a:t>?</a:t>
             </a:r>
-          </a:p>
-          <a:p>
-            <a:pPr algn="ctr">
-              <a:lnSpc>
-                <a:spcPts val="3457"/>
-              </a:lnSpc>
-            </a:pPr>
             <a:endParaRPr lang="en-US" sz="3799" b="1" u="sng" dirty="0">
               <a:solidFill>
                 <a:srgbClr val="000000"/>
@@ -6955,7 +7686,7 @@
                 <a:cs typeface="Kollektif"/>
                 <a:sym typeface="Kollektif"/>
               </a:rPr>
-              <a:t>   1. De band </a:t>
+              <a:t>1. De cuff </a:t>
             </a:r>
             <a:r>
               <a:rPr lang="en-US" sz="3100" dirty="0" err="1">
@@ -7003,7 +7734,7 @@
                 <a:cs typeface="Kollektif"/>
                 <a:sym typeface="Kollektif"/>
               </a:rPr>
-              <a:t>* </a:t>
+              <a:t> </a:t>
             </a:r>
             <a:r>
               <a:rPr lang="en-US" sz="3100" dirty="0" err="1">
@@ -7027,6 +7758,78 @@
                 <a:cs typeface="Kollektif"/>
                 <a:sym typeface="Kollektif"/>
               </a:rPr>
+              <a:t> </a:t>
+            </a:r>
+            <a:r>
+              <a:rPr lang="en-US" sz="3100" dirty="0" err="1">
+                <a:solidFill>
+                  <a:srgbClr val="000000"/>
+                </a:solidFill>
+                <a:latin typeface="Kollektif"/>
+                <a:ea typeface="Kollektif"/>
+                <a:cs typeface="Kollektif"/>
+                <a:sym typeface="Kollektif"/>
+              </a:rPr>
+              <a:t>aan</a:t>
+            </a:r>
+            <a:r>
+              <a:rPr lang="en-US" sz="3100" dirty="0">
+                <a:solidFill>
+                  <a:srgbClr val="000000"/>
+                </a:solidFill>
+                <a:latin typeface="Kollektif"/>
+                <a:ea typeface="Kollektif"/>
+                <a:cs typeface="Kollektif"/>
+                <a:sym typeface="Kollektif"/>
+              </a:rPr>
+              <a:t> </a:t>
+            </a:r>
+            <a:r>
+              <a:rPr lang="en-US" sz="3100" dirty="0" err="1">
+                <a:solidFill>
+                  <a:srgbClr val="000000"/>
+                </a:solidFill>
+                <a:latin typeface="Kollektif"/>
+                <a:ea typeface="Kollektif"/>
+                <a:cs typeface="Kollektif"/>
+                <a:sym typeface="Kollektif"/>
+              </a:rPr>
+              <a:t>uw</a:t>
+            </a:r>
+            <a:r>
+              <a:rPr lang="en-US" sz="3100" dirty="0">
+                <a:solidFill>
+                  <a:srgbClr val="000000"/>
+                </a:solidFill>
+                <a:latin typeface="Kollektif"/>
+                <a:ea typeface="Kollektif"/>
+                <a:cs typeface="Kollektif"/>
+                <a:sym typeface="Kollektif"/>
+              </a:rPr>
+              <a:t> </a:t>
+            </a:r>
+            <a:r>
+              <a:rPr lang="en-US" sz="3100" dirty="0" err="1">
+                <a:solidFill>
+                  <a:srgbClr val="000000"/>
+                </a:solidFill>
+                <a:latin typeface="Kollektif"/>
+                <a:ea typeface="Kollektif"/>
+                <a:cs typeface="Kollektif"/>
+                <a:sym typeface="Kollektif"/>
+              </a:rPr>
+              <a:t>onderbeen</a:t>
+            </a:r>
+            <a:r>
+              <a:rPr lang="en-US" sz="3100" dirty="0">
+                <a:solidFill>
+                  <a:srgbClr val="000000"/>
+                </a:solidFill>
+                <a:latin typeface="Kollektif"/>
+                <a:ea typeface="Kollektif"/>
+                <a:cs typeface="Kollektif"/>
+                <a:sym typeface="Kollektif"/>
+              </a:rPr>
               <a:t>, elk 1 </a:t>
             </a:r>
             <a:r>
@@ -7123,6 +7926,30 @@
                 <a:cs typeface="Kollektif"/>
                 <a:sym typeface="Kollektif"/>
               </a:rPr>
+              <a:t>         </a:t>
+            </a:r>
+            <a:r>
+              <a:rPr lang="en-US" sz="3100" dirty="0" err="1">
+                <a:solidFill>
+                  <a:srgbClr val="000000"/>
+                </a:solidFill>
+                <a:latin typeface="Kollektif"/>
+                <a:ea typeface="Kollektif"/>
+                <a:cs typeface="Kollektif"/>
+                <a:sym typeface="Kollektif"/>
+              </a:rPr>
+              <a:t>elke</a:t>
+            </a:r>
+            <a:r>
+              <a:rPr lang="en-US" sz="3100" dirty="0">
+                <a:solidFill>
+                  <a:srgbClr val="000000"/>
+                </a:solidFill>
+                <a:latin typeface="Kollektif"/>
+                <a:ea typeface="Kollektif"/>
+                <a:cs typeface="Kollektif"/>
+                <a:sym typeface="Kollektif"/>
+              </a:rPr>
               <a:t> </a:t>
             </a:r>
             <a:r>
@@ -7135,30 +7962,6 @@
                 <a:cs typeface="Kollektif"/>
                 <a:sym typeface="Kollektif"/>
               </a:rPr>
-              <a:t>elke</a:t>
-            </a:r>
-            <a:r>
-              <a:rPr lang="en-US" sz="3100" dirty="0">
-                <a:solidFill>
-                  <a:srgbClr val="000000"/>
-                </a:solidFill>
-                <a:latin typeface="Kollektif"/>
-                <a:ea typeface="Kollektif"/>
-                <a:cs typeface="Kollektif"/>
-                <a:sym typeface="Kollektif"/>
-              </a:rPr>
-              <a:t> </a:t>
-            </a:r>
-            <a:r>
-              <a:rPr lang="en-US" sz="3100" dirty="0" err="1">
-                <a:solidFill>
-                  <a:srgbClr val="000000"/>
-                </a:solidFill>
-                <a:latin typeface="Kollektif"/>
-                <a:ea typeface="Kollektif"/>
-                <a:cs typeface="Kollektif"/>
-                <a:sym typeface="Kollektif"/>
-              </a:rPr>
               <a:t>puls</a:t>
             </a:r>
             <a:r>
@@ -7171,17 +7974,34 @@
                 <a:cs typeface="Kollektif"/>
                 <a:sym typeface="Kollektif"/>
               </a:rPr>
-              <a:t>.</a:t>
-            </a:r>
-          </a:p>
-          <a:p>
-            <a:pPr>
-              <a:lnSpc>
-                <a:spcPct val="150000"/>
-              </a:lnSpc>
-            </a:pPr>
-            <a:r>
-              <a:rPr lang="en-US" sz="3100" dirty="0">
+              <a:t>.  </a:t>
+            </a:r>
+            <a:r>
+              <a:rPr lang="en-US" sz="3100" dirty="0">
+                <a:solidFill>
+                  <a:srgbClr val="000000"/>
+                </a:solidFill>
+                <a:latin typeface="Kollektif" panose="020B0604020202020204" charset="0"/>
+                <a:ea typeface="Kollektif"/>
+                <a:cs typeface="Kollektif"/>
+                <a:sym typeface="Kollektif Bold"/>
+              </a:rPr>
+              <a:t>(= </a:t>
+            </a:r>
+            <a:r>
+              <a:rPr lang="en-US" sz="3100" dirty="0" err="1">
+                <a:solidFill>
+                  <a:srgbClr val="000000"/>
+                </a:solidFill>
+                <a:latin typeface="Kollektif" panose="020B0604020202020204" charset="0"/>
+                <a:ea typeface="Kollektif"/>
+                <a:cs typeface="Kollektif"/>
+                <a:sym typeface="Kollektif Bold"/>
+              </a:rPr>
+              <a:t>o</a:t>
+            </a:r>
+            <a:r>
+              <a:rPr lang="en-US" sz="3100" dirty="0" err="1">
                 <a:solidFill>
                   <a:srgbClr val="000000"/>
                 </a:solidFill>
@@ -7190,10 +8010,10 @@
                 <a:cs typeface="Kollektif Bold"/>
                 <a:sym typeface="Kollektif Bold"/>
               </a:rPr>
-              <a:t>      *</a:t>
-            </a:r>
-            <a:r>
-              <a:rPr lang="en-US" sz="3100" dirty="0" err="1">
+              <a:t>nmiddelijke</a:t>
+            </a:r>
+            <a:r>
+              <a:rPr lang="en-US" sz="3100" dirty="0">
                 <a:solidFill>
                   <a:srgbClr val="000000"/>
                 </a:solidFill>
@@ -7202,10 +8022,10 @@
                 <a:cs typeface="Kollektif Bold"/>
                 <a:sym typeface="Kollektif Bold"/>
               </a:rPr>
-              <a:t>Onmiddelijke</a:t>
-            </a:r>
-            <a:r>
-              <a:rPr lang="en-US" sz="3100" dirty="0">
+              <a:t> </a:t>
+            </a:r>
+            <a:r>
+              <a:rPr lang="en-US" sz="3100" dirty="0" err="1">
                 <a:solidFill>
                   <a:srgbClr val="000000"/>
                 </a:solidFill>
@@ -7214,10 +8034,10 @@
                 <a:cs typeface="Kollektif Bold"/>
                 <a:sym typeface="Kollektif Bold"/>
               </a:rPr>
-              <a:t> </a:t>
-            </a:r>
-            <a:r>
-              <a:rPr lang="en-US" sz="3100" dirty="0" err="1">
+              <a:t>hoge</a:t>
+            </a:r>
+            <a:r>
+              <a:rPr lang="en-US" sz="3100" dirty="0">
                 <a:solidFill>
                   <a:srgbClr val="000000"/>
                 </a:solidFill>
@@ -7226,10 +8046,10 @@
                 <a:cs typeface="Kollektif Bold"/>
                 <a:sym typeface="Kollektif Bold"/>
               </a:rPr>
-              <a:t>hoge</a:t>
-            </a:r>
-            <a:r>
-              <a:rPr lang="en-US" sz="3100" dirty="0">
+              <a:t> </a:t>
+            </a:r>
+            <a:r>
+              <a:rPr lang="en-US" sz="3100" dirty="0" err="1">
                 <a:solidFill>
                   <a:srgbClr val="000000"/>
                 </a:solidFill>
@@ -7238,10 +8058,10 @@
                 <a:cs typeface="Kollektif Bold"/>
                 <a:sym typeface="Kollektif Bold"/>
               </a:rPr>
-              <a:t> </a:t>
-            </a:r>
-            <a:r>
-              <a:rPr lang="en-US" sz="3100" dirty="0" err="1">
+              <a:t>druk</a:t>
+            </a:r>
+            <a:r>
+              <a:rPr lang="en-US" sz="3100" dirty="0">
                 <a:solidFill>
                   <a:srgbClr val="000000"/>
                 </a:solidFill>
@@ -7250,10 +8070,10 @@
                 <a:cs typeface="Kollektif Bold"/>
                 <a:sym typeface="Kollektif Bold"/>
               </a:rPr>
-              <a:t>druk</a:t>
-            </a:r>
-            <a:r>
-              <a:rPr lang="en-US" sz="3100" dirty="0">
+              <a:t>, </a:t>
+            </a:r>
+            <a:r>
+              <a:rPr lang="en-US" sz="3100" dirty="0" err="1">
                 <a:solidFill>
                   <a:srgbClr val="000000"/>
                 </a:solidFill>
@@ -7262,10 +8082,10 @@
                 <a:cs typeface="Kollektif Bold"/>
                 <a:sym typeface="Kollektif Bold"/>
               </a:rPr>
-              <a:t>, </a:t>
-            </a:r>
-            <a:r>
-              <a:rPr lang="en-US" sz="3100" dirty="0" err="1">
+              <a:t>niet</a:t>
+            </a:r>
+            <a:r>
+              <a:rPr lang="en-US" sz="3100" dirty="0">
                 <a:solidFill>
                   <a:srgbClr val="000000"/>
                 </a:solidFill>
@@ -7274,10 +8094,10 @@
                 <a:cs typeface="Kollektif Bold"/>
                 <a:sym typeface="Kollektif Bold"/>
               </a:rPr>
-              <a:t>niet</a:t>
-            </a:r>
-            <a:r>
-              <a:rPr lang="en-US" sz="3100" dirty="0">
+              <a:t> </a:t>
+            </a:r>
+            <a:r>
+              <a:rPr lang="en-US" sz="3100" dirty="0" err="1">
                 <a:solidFill>
                   <a:srgbClr val="000000"/>
                 </a:solidFill>
@@ -7286,10 +8106,10 @@
                 <a:cs typeface="Kollektif Bold"/>
                 <a:sym typeface="Kollektif Bold"/>
               </a:rPr>
-              <a:t> </a:t>
-            </a:r>
-            <a:r>
-              <a:rPr lang="en-US" sz="3100" dirty="0" err="1">
+              <a:t>geleidelijk</a:t>
+            </a:r>
+            <a:r>
+              <a:rPr lang="en-US" sz="3100" dirty="0">
                 <a:solidFill>
                   <a:srgbClr val="000000"/>
                 </a:solidFill>
@@ -7298,17 +8118,8 @@
                 <a:cs typeface="Kollektif Bold"/>
                 <a:sym typeface="Kollektif Bold"/>
               </a:rPr>
-              <a:t>geleidelijk</a:t>
-            </a:r>
-            <a:endParaRPr lang="en-US" sz="3100" dirty="0">
-              <a:solidFill>
-                <a:srgbClr val="000000"/>
-              </a:solidFill>
-              <a:latin typeface="Kollektif" panose="020B0604020202020204" charset="0"/>
-              <a:ea typeface="Kollektif Bold"/>
-              <a:cs typeface="Kollektif Bold"/>
-              <a:sym typeface="Kollektif Bold"/>
-            </a:endParaRPr>
+              <a:t>)</a:t>
+            </a:r>
           </a:p>
           <a:p>
             <a:pPr algn="l">
@@ -7342,7 +8153,7 @@
                 <a:cs typeface="Kollektif"/>
                 <a:sym typeface="Kollektif"/>
               </a:rPr>
-              <a:t>   2. U </a:t>
+              <a:t>2. U </a:t>
             </a:r>
             <a:r>
               <a:rPr lang="en-US" sz="3100" dirty="0" err="1">
@@ -7510,230 +8321,7 @@
                 <a:cs typeface="Kollektif"/>
                 <a:sym typeface="Kollektif"/>
               </a:rPr>
-              <a:t>.</a:t>
-            </a:r>
-          </a:p>
-          <a:p>
-            <a:pPr algn="ctr">
-              <a:lnSpc>
-                <a:spcPts val="3457"/>
-              </a:lnSpc>
-            </a:pPr>
-            <a:endParaRPr lang="en-US" sz="3100" b="1" u="sng" dirty="0">
-              <a:solidFill>
-                <a:srgbClr val="000000"/>
-              </a:solidFill>
-              <a:latin typeface="Kollektif Bold"/>
-              <a:ea typeface="Kollektif Bold"/>
-              <a:cs typeface="Kollektif Bold"/>
-              <a:sym typeface="Kollektif Bold"/>
-            </a:endParaRPr>
-          </a:p>
-          <a:p>
-            <a:pPr algn="ctr">
-              <a:lnSpc>
-                <a:spcPts val="3457"/>
-              </a:lnSpc>
-            </a:pPr>
-            <a:r>
-              <a:rPr lang="en-US" sz="3100" b="1" u="sng" dirty="0" err="1">
-                <a:solidFill>
-                  <a:srgbClr val="000000"/>
-                </a:solidFill>
-                <a:latin typeface="Kollektif Bold"/>
-                <a:ea typeface="Kollektif Bold"/>
-                <a:cs typeface="Kollektif Bold"/>
-                <a:sym typeface="Kollektif Bold"/>
-              </a:rPr>
-              <a:t>Belangrijke</a:t>
-            </a:r>
-            <a:r>
-              <a:rPr lang="en-US" sz="3100" b="1" u="sng" dirty="0">
-                <a:solidFill>
-                  <a:srgbClr val="000000"/>
-                </a:solidFill>
-                <a:latin typeface="Kollektif Bold"/>
-                <a:ea typeface="Kollektif Bold"/>
-                <a:cs typeface="Kollektif Bold"/>
-                <a:sym typeface="Kollektif Bold"/>
-              </a:rPr>
-              <a:t> </a:t>
-            </a:r>
-            <a:r>
-              <a:rPr lang="en-US" sz="3100" b="1" u="sng" dirty="0" err="1">
-                <a:solidFill>
-                  <a:srgbClr val="000000"/>
-                </a:solidFill>
-                <a:latin typeface="Kollektif Bold"/>
-                <a:ea typeface="Kollektif Bold"/>
-                <a:cs typeface="Kollektif Bold"/>
-                <a:sym typeface="Kollektif Bold"/>
-              </a:rPr>
-              <a:t>Richtlijnen</a:t>
-            </a:r>
-            <a:endParaRPr lang="en-US" sz="3100" b="1" u="sng" dirty="0">
-              <a:solidFill>
-                <a:srgbClr val="000000"/>
-              </a:solidFill>
-              <a:latin typeface="Kollektif Bold"/>
-              <a:ea typeface="Kollektif Bold"/>
-              <a:cs typeface="Kollektif Bold"/>
-              <a:sym typeface="Kollektif Bold"/>
-            </a:endParaRPr>
-          </a:p>
-          <a:p>
-            <a:pPr algn="ctr">
-              <a:lnSpc>
-                <a:spcPts val="3457"/>
-              </a:lnSpc>
-            </a:pPr>
-            <a:endParaRPr lang="en-US" sz="3200" b="1" u="sng" dirty="0">
-              <a:solidFill>
-                <a:srgbClr val="000000"/>
-              </a:solidFill>
-              <a:latin typeface="Kollektif Bold"/>
-              <a:ea typeface="Kollektif Bold"/>
-              <a:cs typeface="Kollektif Bold"/>
-              <a:sym typeface="Kollektif Bold"/>
-            </a:endParaRPr>
-          </a:p>
-          <a:p>
-            <a:pPr algn="ctr">
-              <a:lnSpc>
-                <a:spcPts val="3457"/>
-              </a:lnSpc>
-            </a:pPr>
-            <a:r>
-              <a:rPr lang="en-US" sz="3100" dirty="0">
-                <a:solidFill>
-                  <a:srgbClr val="000000"/>
-                </a:solidFill>
-                <a:latin typeface="Kollektif"/>
-                <a:ea typeface="Kollektif"/>
-                <a:cs typeface="Kollektif"/>
-                <a:sym typeface="Kollektif"/>
-              </a:rPr>
-              <a:t>Laat de </a:t>
-            </a:r>
-            <a:r>
-              <a:rPr lang="en-US" sz="3100" dirty="0" err="1">
-                <a:solidFill>
-                  <a:srgbClr val="000000"/>
-                </a:solidFill>
-                <a:latin typeface="Kollektif"/>
-                <a:ea typeface="Kollektif"/>
-                <a:cs typeface="Kollektif"/>
-                <a:sym typeface="Kollektif"/>
-              </a:rPr>
-              <a:t>wijzer</a:t>
-            </a:r>
-            <a:r>
-              <a:rPr lang="en-US" sz="3100" dirty="0">
-                <a:solidFill>
-                  <a:srgbClr val="000000"/>
-                </a:solidFill>
-                <a:latin typeface="Kollektif"/>
-                <a:ea typeface="Kollektif"/>
-                <a:cs typeface="Kollektif"/>
-                <a:sym typeface="Kollektif"/>
-              </a:rPr>
-              <a:t> </a:t>
-            </a:r>
-            <a:r>
-              <a:rPr lang="en-US" sz="3100" dirty="0" err="1">
-                <a:solidFill>
-                  <a:srgbClr val="000000"/>
-                </a:solidFill>
-                <a:latin typeface="Kollektif"/>
-                <a:ea typeface="Kollektif"/>
-                <a:cs typeface="Kollektif"/>
-                <a:sym typeface="Kollektif"/>
-              </a:rPr>
-              <a:t>staan</a:t>
-            </a:r>
-            <a:r>
-              <a:rPr lang="en-US" sz="3100" dirty="0">
-                <a:solidFill>
-                  <a:srgbClr val="000000"/>
-                </a:solidFill>
-                <a:latin typeface="Kollektif"/>
-                <a:ea typeface="Kollektif"/>
-                <a:cs typeface="Kollektif"/>
-                <a:sym typeface="Kollektif"/>
-              </a:rPr>
-              <a:t> op de </a:t>
-            </a:r>
-            <a:r>
-              <a:rPr lang="en-US" sz="3100" dirty="0" err="1">
-                <a:solidFill>
-                  <a:srgbClr val="000000"/>
-                </a:solidFill>
-                <a:latin typeface="Kollektif"/>
-                <a:ea typeface="Kollektif"/>
-                <a:cs typeface="Kollektif"/>
-                <a:sym typeface="Kollektif"/>
-              </a:rPr>
-              <a:t>laatste</a:t>
-            </a:r>
-            <a:r>
-              <a:rPr lang="en-US" sz="3100" dirty="0">
-                <a:solidFill>
-                  <a:srgbClr val="000000"/>
-                </a:solidFill>
-                <a:latin typeface="Kollektif"/>
-                <a:ea typeface="Kollektif"/>
-                <a:cs typeface="Kollektif"/>
-                <a:sym typeface="Kollektif"/>
-              </a:rPr>
-              <a:t> </a:t>
-            </a:r>
-            <a:r>
-              <a:rPr lang="en-US" sz="3100" dirty="0" err="1">
-                <a:solidFill>
-                  <a:srgbClr val="000000"/>
-                </a:solidFill>
-                <a:latin typeface="Kollektif"/>
-                <a:ea typeface="Kollektif"/>
-                <a:cs typeface="Kollektif"/>
-                <a:sym typeface="Kollektif"/>
-              </a:rPr>
-              <a:t>positie</a:t>
-            </a:r>
-            <a:r>
-              <a:rPr lang="en-US" sz="3100" dirty="0">
-                <a:solidFill>
-                  <a:srgbClr val="000000"/>
-                </a:solidFill>
-                <a:latin typeface="Kollektif"/>
-                <a:ea typeface="Kollektif"/>
-                <a:cs typeface="Kollektif"/>
-                <a:sym typeface="Kollektif"/>
-              </a:rPr>
-              <a:t> tot de </a:t>
-            </a:r>
-            <a:r>
-              <a:rPr lang="en-US" sz="3100" dirty="0" err="1">
-                <a:solidFill>
-                  <a:srgbClr val="000000"/>
-                </a:solidFill>
-                <a:latin typeface="Kollektif"/>
-                <a:ea typeface="Kollektif"/>
-                <a:cs typeface="Kollektif"/>
-                <a:sym typeface="Kollektif"/>
-              </a:rPr>
-              <a:t>volgende</a:t>
-            </a:r>
-            <a:r>
-              <a:rPr lang="en-US" sz="3100" dirty="0">
-                <a:solidFill>
-                  <a:srgbClr val="000000"/>
-                </a:solidFill>
-                <a:latin typeface="Kollektif"/>
-                <a:ea typeface="Kollektif"/>
-                <a:cs typeface="Kollektif"/>
-                <a:sym typeface="Kollektif"/>
-              </a:rPr>
-              <a:t> </a:t>
+              <a:t> per </a:t>
             </a:r>
             <a:r>
               <a:rPr lang="en-US" sz="3100" dirty="0" err="1">
@@ -7758,496 +8346,6 @@
                 <a:sym typeface="Kollektif"/>
               </a:rPr>
               <a:t>. </a:t>
-            </a:r>
-            <a:r>
-              <a:rPr lang="en-US" sz="3100" dirty="0" err="1">
-                <a:solidFill>
-                  <a:srgbClr val="000000"/>
-                </a:solidFill>
-                <a:latin typeface="Kollektif"/>
-                <a:ea typeface="Kollektif"/>
-                <a:cs typeface="Kollektif"/>
-                <a:sym typeface="Kollektif"/>
-              </a:rPr>
-              <a:t>Zet</a:t>
-            </a:r>
-            <a:r>
-              <a:rPr lang="en-US" sz="3100" dirty="0">
-                <a:solidFill>
-                  <a:srgbClr val="000000"/>
-                </a:solidFill>
-                <a:latin typeface="Kollektif"/>
-                <a:ea typeface="Kollektif"/>
-                <a:cs typeface="Kollektif"/>
-                <a:sym typeface="Kollektif"/>
-              </a:rPr>
-              <a:t> </a:t>
-            </a:r>
-            <a:r>
-              <a:rPr lang="en-US" sz="3100" dirty="0" err="1">
-                <a:solidFill>
-                  <a:srgbClr val="000000"/>
-                </a:solidFill>
-                <a:latin typeface="Kollektif"/>
-                <a:ea typeface="Kollektif"/>
-                <a:cs typeface="Kollektif"/>
-                <a:sym typeface="Kollektif"/>
-              </a:rPr>
-              <a:t>deze</a:t>
-            </a:r>
-            <a:r>
-              <a:rPr lang="en-US" sz="3100" dirty="0">
-                <a:solidFill>
-                  <a:srgbClr val="000000"/>
-                </a:solidFill>
-                <a:latin typeface="Kollektif"/>
-                <a:ea typeface="Kollektif"/>
-                <a:cs typeface="Kollektif"/>
-                <a:sym typeface="Kollektif"/>
-              </a:rPr>
-              <a:t> </a:t>
-            </a:r>
-            <a:r>
-              <a:rPr lang="en-US" sz="3100" dirty="0" err="1">
-                <a:solidFill>
-                  <a:srgbClr val="000000"/>
-                </a:solidFill>
-                <a:latin typeface="Kollektif"/>
-                <a:ea typeface="Kollektif"/>
-                <a:cs typeface="Kollektif"/>
-                <a:sym typeface="Kollektif"/>
-              </a:rPr>
-              <a:t>niet</a:t>
-            </a:r>
-            <a:r>
-              <a:rPr lang="en-US" sz="3100" dirty="0">
-                <a:solidFill>
-                  <a:srgbClr val="000000"/>
-                </a:solidFill>
-                <a:latin typeface="Kollektif"/>
-                <a:ea typeface="Kollektif"/>
-                <a:cs typeface="Kollektif"/>
-                <a:sym typeface="Kollektif"/>
-              </a:rPr>
-              <a:t> </a:t>
-            </a:r>
-            <a:r>
-              <a:rPr lang="en-US" sz="3100" dirty="0" err="1">
-                <a:solidFill>
-                  <a:srgbClr val="000000"/>
-                </a:solidFill>
-                <a:latin typeface="Kollektif"/>
-                <a:ea typeface="Kollektif"/>
-                <a:cs typeface="Kollektif"/>
-                <a:sym typeface="Kollektif"/>
-              </a:rPr>
-              <a:t>terug</a:t>
-            </a:r>
-            <a:r>
-              <a:rPr lang="en-US" sz="3100" dirty="0">
-                <a:solidFill>
-                  <a:srgbClr val="000000"/>
-                </a:solidFill>
-                <a:latin typeface="Kollektif"/>
-                <a:ea typeface="Kollektif"/>
-                <a:cs typeface="Kollektif"/>
-                <a:sym typeface="Kollektif"/>
-              </a:rPr>
-              <a:t> op 0 </a:t>
-            </a:r>
-            <a:r>
-              <a:rPr lang="en-US" sz="3100" dirty="0" err="1">
-                <a:solidFill>
-                  <a:srgbClr val="000000"/>
-                </a:solidFill>
-                <a:latin typeface="Kollektif"/>
-                <a:ea typeface="Kollektif"/>
-                <a:cs typeface="Kollektif"/>
-                <a:sym typeface="Kollektif"/>
-              </a:rPr>
-              <a:t>tijdens</a:t>
-            </a:r>
-            <a:r>
-              <a:rPr lang="en-US" sz="3100" dirty="0">
-                <a:solidFill>
-                  <a:srgbClr val="000000"/>
-                </a:solidFill>
-                <a:latin typeface="Kollektif"/>
-                <a:ea typeface="Kollektif"/>
-                <a:cs typeface="Kollektif"/>
-                <a:sym typeface="Kollektif"/>
-              </a:rPr>
-              <a:t> </a:t>
-            </a:r>
-            <a:r>
-              <a:rPr lang="en-US" sz="3100" dirty="0" err="1">
-                <a:solidFill>
-                  <a:srgbClr val="000000"/>
-                </a:solidFill>
-                <a:latin typeface="Kollektif"/>
-                <a:ea typeface="Kollektif"/>
-                <a:cs typeface="Kollektif"/>
-                <a:sym typeface="Kollektif"/>
-              </a:rPr>
-              <a:t>pauzes</a:t>
-            </a:r>
-            <a:r>
-              <a:rPr lang="en-US" sz="3100" dirty="0">
-                <a:solidFill>
-                  <a:srgbClr val="000000"/>
-                </a:solidFill>
-                <a:latin typeface="Kollektif"/>
-                <a:ea typeface="Kollektif"/>
-                <a:cs typeface="Kollektif"/>
-                <a:sym typeface="Kollektif"/>
-              </a:rPr>
-              <a:t>.</a:t>
-            </a:r>
-          </a:p>
-          <a:p>
-            <a:pPr algn="ctr">
-              <a:lnSpc>
-                <a:spcPts val="3457"/>
-              </a:lnSpc>
-            </a:pPr>
-            <a:endParaRPr lang="en-US" sz="3100" dirty="0">
-              <a:solidFill>
-                <a:srgbClr val="000000"/>
-              </a:solidFill>
-              <a:latin typeface="Kollektif"/>
-              <a:ea typeface="Kollektif"/>
-              <a:cs typeface="Kollektif"/>
-              <a:sym typeface="Kollektif"/>
-            </a:endParaRPr>
-          </a:p>
-          <a:p>
-            <a:pPr algn="ctr">
-              <a:lnSpc>
-                <a:spcPts val="3457"/>
-              </a:lnSpc>
-            </a:pPr>
-            <a:r>
-              <a:rPr lang="en-US" sz="3100" dirty="0">
-                <a:solidFill>
-                  <a:srgbClr val="000000"/>
-                </a:solidFill>
-                <a:latin typeface="Kollektif"/>
-                <a:ea typeface="Kollektif"/>
-                <a:cs typeface="Kollektif"/>
-                <a:sym typeface="Kollektif"/>
-              </a:rPr>
-              <a:t>Druk op de </a:t>
-            </a:r>
-            <a:r>
-              <a:rPr lang="en-US" sz="3100" dirty="0" err="1">
-                <a:solidFill>
-                  <a:srgbClr val="000000"/>
-                </a:solidFill>
-                <a:latin typeface="Kollektif"/>
-                <a:ea typeface="Kollektif"/>
-                <a:cs typeface="Kollektif"/>
-                <a:sym typeface="Kollektif"/>
-              </a:rPr>
-              <a:t>ontlastingsknop</a:t>
-            </a:r>
-            <a:r>
-              <a:rPr lang="en-US" sz="3100" dirty="0">
-                <a:solidFill>
-                  <a:srgbClr val="000000"/>
-                </a:solidFill>
-                <a:latin typeface="Kollektif"/>
-                <a:ea typeface="Kollektif"/>
-                <a:cs typeface="Kollektif"/>
-                <a:sym typeface="Kollektif"/>
-              </a:rPr>
-              <a:t> </a:t>
-            </a:r>
-            <a:r>
-              <a:rPr lang="en-US" sz="3100" dirty="0" err="1">
-                <a:solidFill>
-                  <a:srgbClr val="000000"/>
-                </a:solidFill>
-                <a:latin typeface="Kollektif"/>
-                <a:ea typeface="Kollektif"/>
-                <a:cs typeface="Kollektif"/>
-                <a:sym typeface="Kollektif"/>
-              </a:rPr>
-              <a:t>als</a:t>
-            </a:r>
-            <a:r>
-              <a:rPr lang="en-US" sz="3100" dirty="0">
-                <a:solidFill>
-                  <a:srgbClr val="000000"/>
-                </a:solidFill>
-                <a:latin typeface="Kollektif"/>
-                <a:ea typeface="Kollektif"/>
-                <a:cs typeface="Kollektif"/>
-                <a:sym typeface="Kollektif"/>
-              </a:rPr>
-              <a:t> de </a:t>
-            </a:r>
-            <a:r>
-              <a:rPr lang="en-US" sz="3100" dirty="0" err="1">
-                <a:solidFill>
-                  <a:srgbClr val="000000"/>
-                </a:solidFill>
-                <a:latin typeface="Kollektif"/>
-                <a:ea typeface="Kollektif"/>
-                <a:cs typeface="Kollektif"/>
-                <a:sym typeface="Kollektif"/>
-              </a:rPr>
-              <a:t>druk</a:t>
-            </a:r>
-            <a:r>
-              <a:rPr lang="en-US" sz="3100" dirty="0">
-                <a:solidFill>
-                  <a:srgbClr val="000000"/>
-                </a:solidFill>
-                <a:latin typeface="Kollektif"/>
-                <a:ea typeface="Kollektif"/>
-                <a:cs typeface="Kollektif"/>
-                <a:sym typeface="Kollektif"/>
-              </a:rPr>
-              <a:t> </a:t>
-            </a:r>
-            <a:r>
-              <a:rPr lang="en-US" sz="3100" dirty="0" err="1">
-                <a:solidFill>
-                  <a:srgbClr val="000000"/>
-                </a:solidFill>
-                <a:latin typeface="Kollektif"/>
-                <a:ea typeface="Kollektif"/>
-                <a:cs typeface="Kollektif"/>
-                <a:sym typeface="Kollektif"/>
-              </a:rPr>
-              <a:t>ondraaglijk</a:t>
-            </a:r>
-            <a:r>
-              <a:rPr lang="en-US" sz="3100" dirty="0">
-                <a:solidFill>
-                  <a:srgbClr val="000000"/>
-                </a:solidFill>
-                <a:latin typeface="Kollektif"/>
-                <a:ea typeface="Kollektif"/>
-                <a:cs typeface="Kollektif"/>
-                <a:sym typeface="Kollektif"/>
-              </a:rPr>
-              <a:t> </a:t>
-            </a:r>
-            <a:r>
-              <a:rPr lang="en-US" sz="3100" dirty="0" err="1">
-                <a:solidFill>
-                  <a:srgbClr val="000000"/>
-                </a:solidFill>
-                <a:latin typeface="Kollektif"/>
-                <a:ea typeface="Kollektif"/>
-                <a:cs typeface="Kollektif"/>
-                <a:sym typeface="Kollektif"/>
-              </a:rPr>
-              <a:t>wordt</a:t>
-            </a:r>
-            <a:r>
-              <a:rPr lang="en-US" sz="3100" dirty="0">
-                <a:solidFill>
-                  <a:srgbClr val="000000"/>
-                </a:solidFill>
-                <a:latin typeface="Kollektif"/>
-                <a:ea typeface="Kollektif"/>
-                <a:cs typeface="Kollektif"/>
-                <a:sym typeface="Kollektif"/>
-              </a:rPr>
-              <a:t> om direct </a:t>
-            </a:r>
-            <a:r>
-              <a:rPr lang="en-US" sz="3100" dirty="0" err="1">
-                <a:solidFill>
-                  <a:srgbClr val="000000"/>
-                </a:solidFill>
-                <a:latin typeface="Kollektif"/>
-                <a:ea typeface="Kollektif"/>
-                <a:cs typeface="Kollektif"/>
-                <a:sym typeface="Kollektif"/>
-              </a:rPr>
-              <a:t>te</a:t>
-            </a:r>
-            <a:r>
-              <a:rPr lang="en-US" sz="3100" dirty="0">
-                <a:solidFill>
-                  <a:srgbClr val="000000"/>
-                </a:solidFill>
-                <a:latin typeface="Kollektif"/>
-                <a:ea typeface="Kollektif"/>
-                <a:cs typeface="Kollektif"/>
-                <a:sym typeface="Kollektif"/>
-              </a:rPr>
-              <a:t> </a:t>
-            </a:r>
-            <a:r>
-              <a:rPr lang="en-US" sz="3100" dirty="0" err="1">
-                <a:solidFill>
-                  <a:srgbClr val="000000"/>
-                </a:solidFill>
-                <a:latin typeface="Kollektif"/>
-                <a:ea typeface="Kollektif"/>
-                <a:cs typeface="Kollektif"/>
-                <a:sym typeface="Kollektif"/>
-              </a:rPr>
-              <a:t>stoppen</a:t>
-            </a:r>
-            <a:r>
-              <a:rPr lang="en-US" sz="3100" dirty="0">
-                <a:solidFill>
-                  <a:srgbClr val="000000"/>
-                </a:solidFill>
-                <a:latin typeface="Kollektif"/>
-                <a:ea typeface="Kollektif"/>
-                <a:cs typeface="Kollektif"/>
-                <a:sym typeface="Kollektif"/>
-              </a:rPr>
-              <a:t>.</a:t>
-            </a:r>
-          </a:p>
-          <a:p>
-            <a:pPr algn="ctr">
-              <a:lnSpc>
-                <a:spcPts val="3457"/>
-              </a:lnSpc>
-            </a:pPr>
-            <a:endParaRPr lang="en-US" sz="3100" dirty="0">
-              <a:solidFill>
-                <a:srgbClr val="000000"/>
-              </a:solidFill>
-              <a:latin typeface="Kollektif"/>
-              <a:ea typeface="Kollektif"/>
-              <a:cs typeface="Kollektif"/>
-              <a:sym typeface="Kollektif"/>
-            </a:endParaRPr>
-          </a:p>
-          <a:p>
-            <a:pPr algn="ctr">
-              <a:lnSpc>
-                <a:spcPts val="3457"/>
-              </a:lnSpc>
-            </a:pPr>
-            <a:r>
-              <a:rPr lang="en-US" sz="3100" dirty="0" err="1">
-                <a:solidFill>
-                  <a:srgbClr val="000000"/>
-                </a:solidFill>
-                <a:latin typeface="Kollektif"/>
-                <a:ea typeface="Kollektif"/>
-                <a:cs typeface="Kollektif"/>
-                <a:sym typeface="Kollektif"/>
-              </a:rPr>
-              <a:t>Probeer</a:t>
-            </a:r>
-            <a:r>
-              <a:rPr lang="en-US" sz="3100" dirty="0">
-                <a:solidFill>
-                  <a:srgbClr val="000000"/>
-                </a:solidFill>
-                <a:latin typeface="Kollektif"/>
-                <a:ea typeface="Kollektif"/>
-                <a:cs typeface="Kollektif"/>
-                <a:sym typeface="Kollektif"/>
-              </a:rPr>
-              <a:t> </a:t>
-            </a:r>
-            <a:r>
-              <a:rPr lang="en-US" sz="3100" dirty="0" err="1">
-                <a:solidFill>
-                  <a:srgbClr val="000000"/>
-                </a:solidFill>
-                <a:latin typeface="Kollektif"/>
-                <a:ea typeface="Kollektif"/>
-                <a:cs typeface="Kollektif"/>
-                <a:sym typeface="Kollektif"/>
-              </a:rPr>
-              <a:t>uw</a:t>
-            </a:r>
-            <a:r>
-              <a:rPr lang="en-US" sz="3100" dirty="0">
-                <a:solidFill>
-                  <a:srgbClr val="000000"/>
-                </a:solidFill>
-                <a:latin typeface="Kollektif"/>
-                <a:ea typeface="Kollektif"/>
-                <a:cs typeface="Kollektif"/>
-                <a:sym typeface="Kollektif"/>
-              </a:rPr>
-              <a:t> been </a:t>
-            </a:r>
-            <a:r>
-              <a:rPr lang="en-US" sz="3100" dirty="0" err="1">
-                <a:solidFill>
-                  <a:srgbClr val="000000"/>
-                </a:solidFill>
-                <a:latin typeface="Kollektif"/>
-                <a:ea typeface="Kollektif"/>
-                <a:cs typeface="Kollektif"/>
-                <a:sym typeface="Kollektif"/>
-              </a:rPr>
-              <a:t>stil</a:t>
-            </a:r>
-            <a:r>
-              <a:rPr lang="en-US" sz="3100" dirty="0">
-                <a:solidFill>
-                  <a:srgbClr val="000000"/>
-                </a:solidFill>
-                <a:latin typeface="Kollektif"/>
-                <a:ea typeface="Kollektif"/>
-                <a:cs typeface="Kollektif"/>
-                <a:sym typeface="Kollektif"/>
-              </a:rPr>
-              <a:t> </a:t>
-            </a:r>
-            <a:r>
-              <a:rPr lang="en-US" sz="3100" dirty="0" err="1">
-                <a:solidFill>
-                  <a:srgbClr val="000000"/>
-                </a:solidFill>
-                <a:latin typeface="Kollektif"/>
-                <a:ea typeface="Kollektif"/>
-                <a:cs typeface="Kollektif"/>
-                <a:sym typeface="Kollektif"/>
-              </a:rPr>
-              <a:t>te</a:t>
-            </a:r>
-            <a:r>
-              <a:rPr lang="en-US" sz="3100" dirty="0">
-                <a:solidFill>
-                  <a:srgbClr val="000000"/>
-                </a:solidFill>
-                <a:latin typeface="Kollektif"/>
-                <a:ea typeface="Kollektif"/>
-                <a:cs typeface="Kollektif"/>
-                <a:sym typeface="Kollektif"/>
-              </a:rPr>
-              <a:t> </a:t>
-            </a:r>
-            <a:r>
-              <a:rPr lang="en-US" sz="3100" dirty="0" err="1">
-                <a:solidFill>
-                  <a:srgbClr val="000000"/>
-                </a:solidFill>
-                <a:latin typeface="Kollektif"/>
-                <a:ea typeface="Kollektif"/>
-                <a:cs typeface="Kollektif"/>
-                <a:sym typeface="Kollektif"/>
-              </a:rPr>
-              <a:t>houden</a:t>
-            </a:r>
-            <a:r>
-              <a:rPr lang="en-US" sz="3100" dirty="0">
-                <a:solidFill>
-                  <a:srgbClr val="000000"/>
-                </a:solidFill>
-                <a:latin typeface="Kollektif"/>
-                <a:ea typeface="Kollektif"/>
-                <a:cs typeface="Kollektif"/>
-                <a:sym typeface="Kollektif"/>
-              </a:rPr>
-              <a:t>.</a:t>
             </a:r>
           </a:p>
           <a:p>
@@ -8272,6 +8370,687 @@
                 <a:spcPts val="3184"/>
               </a:lnSpc>
             </a:pPr>
+            <a:r>
+              <a:rPr lang="en-US" sz="3100" dirty="0">
+                <a:solidFill>
+                  <a:srgbClr val="000000"/>
+                </a:solidFill>
+                <a:latin typeface="Kollektif"/>
+                <a:ea typeface="Kollektif"/>
+                <a:cs typeface="Kollektif"/>
+                <a:sym typeface="Kollektif"/>
+              </a:rPr>
+              <a:t>3. Laat de </a:t>
+            </a:r>
+            <a:r>
+              <a:rPr lang="en-US" sz="3100" dirty="0" err="1">
+                <a:solidFill>
+                  <a:srgbClr val="000000"/>
+                </a:solidFill>
+                <a:latin typeface="Kollektif"/>
+                <a:ea typeface="Kollektif"/>
+                <a:cs typeface="Kollektif"/>
+                <a:sym typeface="Kollektif"/>
+              </a:rPr>
+              <a:t>wijzer</a:t>
+            </a:r>
+            <a:r>
+              <a:rPr lang="en-US" sz="3100" dirty="0">
+                <a:solidFill>
+                  <a:srgbClr val="000000"/>
+                </a:solidFill>
+                <a:latin typeface="Kollektif"/>
+                <a:ea typeface="Kollektif"/>
+                <a:cs typeface="Kollektif"/>
+                <a:sym typeface="Kollektif"/>
+              </a:rPr>
+              <a:t> </a:t>
+            </a:r>
+            <a:r>
+              <a:rPr lang="en-US" sz="3100" dirty="0" err="1">
+                <a:solidFill>
+                  <a:srgbClr val="000000"/>
+                </a:solidFill>
+                <a:latin typeface="Kollektif"/>
+                <a:ea typeface="Kollektif"/>
+                <a:cs typeface="Kollektif"/>
+                <a:sym typeface="Kollektif"/>
+              </a:rPr>
+              <a:t>staan</a:t>
+            </a:r>
+            <a:r>
+              <a:rPr lang="en-US" sz="3100" dirty="0">
+                <a:solidFill>
+                  <a:srgbClr val="000000"/>
+                </a:solidFill>
+                <a:latin typeface="Kollektif"/>
+                <a:ea typeface="Kollektif"/>
+                <a:cs typeface="Kollektif"/>
+                <a:sym typeface="Kollektif"/>
+              </a:rPr>
+              <a:t> op de </a:t>
+            </a:r>
+            <a:r>
+              <a:rPr lang="en-US" sz="3100" dirty="0" err="1">
+                <a:solidFill>
+                  <a:srgbClr val="000000"/>
+                </a:solidFill>
+                <a:latin typeface="Kollektif"/>
+                <a:ea typeface="Kollektif"/>
+                <a:cs typeface="Kollektif"/>
+                <a:sym typeface="Kollektif"/>
+              </a:rPr>
+              <a:t>laatste</a:t>
+            </a:r>
+            <a:r>
+              <a:rPr lang="en-US" sz="3100" dirty="0">
+                <a:solidFill>
+                  <a:srgbClr val="000000"/>
+                </a:solidFill>
+                <a:latin typeface="Kollektif"/>
+                <a:ea typeface="Kollektif"/>
+                <a:cs typeface="Kollektif"/>
+                <a:sym typeface="Kollektif"/>
+              </a:rPr>
+              <a:t> </a:t>
+            </a:r>
+            <a:r>
+              <a:rPr lang="en-US" sz="3100" dirty="0" err="1">
+                <a:solidFill>
+                  <a:srgbClr val="000000"/>
+                </a:solidFill>
+                <a:latin typeface="Kollektif"/>
+                <a:ea typeface="Kollektif"/>
+                <a:cs typeface="Kollektif"/>
+                <a:sym typeface="Kollektif"/>
+              </a:rPr>
+              <a:t>positie</a:t>
+            </a:r>
+            <a:r>
+              <a:rPr lang="en-US" sz="3100" dirty="0">
+                <a:solidFill>
+                  <a:srgbClr val="000000"/>
+                </a:solidFill>
+                <a:latin typeface="Kollektif"/>
+                <a:ea typeface="Kollektif"/>
+                <a:cs typeface="Kollektif"/>
+                <a:sym typeface="Kollektif"/>
+              </a:rPr>
+              <a:t> tot de </a:t>
+            </a:r>
+            <a:r>
+              <a:rPr lang="en-US" sz="3100" dirty="0" err="1">
+                <a:solidFill>
+                  <a:srgbClr val="000000"/>
+                </a:solidFill>
+                <a:latin typeface="Kollektif"/>
+                <a:ea typeface="Kollektif"/>
+                <a:cs typeface="Kollektif"/>
+                <a:sym typeface="Kollektif"/>
+              </a:rPr>
+              <a:t>volgende</a:t>
+            </a:r>
+            <a:r>
+              <a:rPr lang="en-US" sz="3100" dirty="0">
+                <a:solidFill>
+                  <a:srgbClr val="000000"/>
+                </a:solidFill>
+                <a:latin typeface="Kollektif"/>
+                <a:ea typeface="Kollektif"/>
+                <a:cs typeface="Kollektif"/>
+                <a:sym typeface="Kollektif"/>
+              </a:rPr>
+              <a:t> </a:t>
+            </a:r>
+            <a:r>
+              <a:rPr lang="en-US" sz="3100" dirty="0" err="1">
+                <a:solidFill>
+                  <a:srgbClr val="000000"/>
+                </a:solidFill>
+                <a:latin typeface="Kollektif"/>
+                <a:ea typeface="Kollektif"/>
+                <a:cs typeface="Kollektif"/>
+                <a:sym typeface="Kollektif"/>
+              </a:rPr>
+              <a:t>puls</a:t>
+            </a:r>
+            <a:r>
+              <a:rPr lang="en-US" sz="3100" dirty="0">
+                <a:solidFill>
+                  <a:srgbClr val="000000"/>
+                </a:solidFill>
+                <a:latin typeface="Kollektif"/>
+                <a:ea typeface="Kollektif"/>
+                <a:cs typeface="Kollektif"/>
+                <a:sym typeface="Kollektif"/>
+              </a:rPr>
+              <a:t>. </a:t>
+            </a:r>
+            <a:r>
+              <a:rPr lang="en-US" sz="3100" dirty="0" err="1">
+                <a:solidFill>
+                  <a:srgbClr val="000000"/>
+                </a:solidFill>
+                <a:latin typeface="Kollektif"/>
+                <a:ea typeface="Kollektif"/>
+                <a:cs typeface="Kollektif"/>
+                <a:sym typeface="Kollektif"/>
+              </a:rPr>
+              <a:t>Zet</a:t>
+            </a:r>
+            <a:r>
+              <a:rPr lang="en-US" sz="3100" dirty="0">
+                <a:solidFill>
+                  <a:srgbClr val="000000"/>
+                </a:solidFill>
+                <a:latin typeface="Kollektif"/>
+                <a:ea typeface="Kollektif"/>
+                <a:cs typeface="Kollektif"/>
+                <a:sym typeface="Kollektif"/>
+              </a:rPr>
+              <a:t> </a:t>
+            </a:r>
+            <a:r>
+              <a:rPr lang="en-US" sz="3100" dirty="0" err="1">
+                <a:solidFill>
+                  <a:srgbClr val="000000"/>
+                </a:solidFill>
+                <a:latin typeface="Kollektif"/>
+                <a:ea typeface="Kollektif"/>
+                <a:cs typeface="Kollektif"/>
+                <a:sym typeface="Kollektif"/>
+              </a:rPr>
+              <a:t>deze</a:t>
+            </a:r>
+            <a:r>
+              <a:rPr lang="en-US" sz="3100" dirty="0">
+                <a:solidFill>
+                  <a:srgbClr val="000000"/>
+                </a:solidFill>
+                <a:latin typeface="Kollektif"/>
+                <a:ea typeface="Kollektif"/>
+                <a:cs typeface="Kollektif"/>
+                <a:sym typeface="Kollektif"/>
+              </a:rPr>
+              <a:t> </a:t>
+            </a:r>
+            <a:r>
+              <a:rPr lang="en-US" sz="3100" dirty="0" err="1">
+                <a:solidFill>
+                  <a:srgbClr val="000000"/>
+                </a:solidFill>
+                <a:latin typeface="Kollektif"/>
+                <a:ea typeface="Kollektif"/>
+                <a:cs typeface="Kollektif"/>
+                <a:sym typeface="Kollektif"/>
+              </a:rPr>
+              <a:t>niet</a:t>
+            </a:r>
+            <a:r>
+              <a:rPr lang="en-US" sz="3100" dirty="0">
+                <a:solidFill>
+                  <a:srgbClr val="000000"/>
+                </a:solidFill>
+                <a:latin typeface="Kollektif"/>
+                <a:ea typeface="Kollektif"/>
+                <a:cs typeface="Kollektif"/>
+                <a:sym typeface="Kollektif"/>
+              </a:rPr>
+              <a:t> </a:t>
+            </a:r>
+            <a:r>
+              <a:rPr lang="en-US" sz="3100" dirty="0" err="1">
+                <a:solidFill>
+                  <a:srgbClr val="000000"/>
+                </a:solidFill>
+                <a:latin typeface="Kollektif"/>
+                <a:ea typeface="Kollektif"/>
+                <a:cs typeface="Kollektif"/>
+                <a:sym typeface="Kollektif"/>
+              </a:rPr>
+              <a:t>terug</a:t>
+            </a:r>
+            <a:r>
+              <a:rPr lang="en-US" sz="3100" dirty="0">
+                <a:solidFill>
+                  <a:srgbClr val="000000"/>
+                </a:solidFill>
+                <a:latin typeface="Kollektif"/>
+                <a:ea typeface="Kollektif"/>
+                <a:cs typeface="Kollektif"/>
+                <a:sym typeface="Kollektif"/>
+              </a:rPr>
+              <a:t> op 0 </a:t>
+            </a:r>
+            <a:r>
+              <a:rPr lang="en-US" sz="3100" dirty="0" err="1">
+                <a:solidFill>
+                  <a:srgbClr val="000000"/>
+                </a:solidFill>
+                <a:latin typeface="Kollektif"/>
+                <a:ea typeface="Kollektif"/>
+                <a:cs typeface="Kollektif"/>
+                <a:sym typeface="Kollektif"/>
+              </a:rPr>
+              <a:t>tijdens</a:t>
+            </a:r>
+            <a:r>
+              <a:rPr lang="en-US" sz="3100" dirty="0">
+                <a:solidFill>
+                  <a:srgbClr val="000000"/>
+                </a:solidFill>
+                <a:latin typeface="Kollektif"/>
+                <a:ea typeface="Kollektif"/>
+                <a:cs typeface="Kollektif"/>
+                <a:sym typeface="Kollektif"/>
+              </a:rPr>
+              <a:t> </a:t>
+            </a:r>
+            <a:r>
+              <a:rPr lang="en-US" sz="3100" dirty="0" err="1">
+                <a:solidFill>
+                  <a:srgbClr val="000000"/>
+                </a:solidFill>
+                <a:latin typeface="Kollektif"/>
+                <a:ea typeface="Kollektif"/>
+                <a:cs typeface="Kollektif"/>
+                <a:sym typeface="Kollektif"/>
+              </a:rPr>
+              <a:t>pauzes</a:t>
+            </a:r>
+            <a:r>
+              <a:rPr lang="en-US" sz="3100" dirty="0">
+                <a:solidFill>
+                  <a:srgbClr val="000000"/>
+                </a:solidFill>
+                <a:latin typeface="Kollektif"/>
+                <a:ea typeface="Kollektif"/>
+                <a:cs typeface="Kollektif"/>
+                <a:sym typeface="Kollektif"/>
+              </a:rPr>
+              <a:t>.</a:t>
+            </a:r>
+          </a:p>
+          <a:p>
+            <a:pPr algn="l">
+              <a:lnSpc>
+                <a:spcPts val="3184"/>
+              </a:lnSpc>
+            </a:pPr>
+            <a:endParaRPr lang="en-US" sz="3100" dirty="0">
+              <a:solidFill>
+                <a:srgbClr val="000000"/>
+              </a:solidFill>
+              <a:latin typeface="Kollektif"/>
+              <a:ea typeface="Kollektif"/>
+              <a:cs typeface="Kollektif"/>
+              <a:sym typeface="Kollektif"/>
+            </a:endParaRPr>
+          </a:p>
+          <a:p>
+            <a:pPr algn="l">
+              <a:lnSpc>
+                <a:spcPts val="3184"/>
+              </a:lnSpc>
+            </a:pPr>
+            <a:r>
+              <a:rPr lang="en-US" sz="3100" dirty="0">
+                <a:solidFill>
+                  <a:srgbClr val="000000"/>
+                </a:solidFill>
+                <a:latin typeface="Kollektif"/>
+                <a:ea typeface="Kollektif"/>
+                <a:cs typeface="Kollektif"/>
+                <a:sym typeface="Kollektif"/>
+              </a:rPr>
+              <a:t>4. Druk op de </a:t>
+            </a:r>
+            <a:r>
+              <a:rPr lang="en-US" sz="3100" dirty="0" err="1">
+                <a:solidFill>
+                  <a:srgbClr val="000000"/>
+                </a:solidFill>
+                <a:latin typeface="Kollektif"/>
+                <a:ea typeface="Kollektif"/>
+                <a:cs typeface="Kollektif"/>
+                <a:sym typeface="Kollektif"/>
+              </a:rPr>
+              <a:t>ontlastingsknop</a:t>
+            </a:r>
+            <a:r>
+              <a:rPr lang="en-US" sz="3100" dirty="0">
+                <a:solidFill>
+                  <a:srgbClr val="000000"/>
+                </a:solidFill>
+                <a:latin typeface="Kollektif"/>
+                <a:ea typeface="Kollektif"/>
+                <a:cs typeface="Kollektif"/>
+                <a:sym typeface="Kollektif"/>
+              </a:rPr>
+              <a:t> </a:t>
+            </a:r>
+            <a:r>
+              <a:rPr lang="en-US" sz="3100" dirty="0" err="1">
+                <a:solidFill>
+                  <a:srgbClr val="000000"/>
+                </a:solidFill>
+                <a:latin typeface="Kollektif"/>
+                <a:ea typeface="Kollektif"/>
+                <a:cs typeface="Kollektif"/>
+                <a:sym typeface="Kollektif"/>
+              </a:rPr>
+              <a:t>als</a:t>
+            </a:r>
+            <a:r>
+              <a:rPr lang="en-US" sz="3100" dirty="0">
+                <a:solidFill>
+                  <a:srgbClr val="000000"/>
+                </a:solidFill>
+                <a:latin typeface="Kollektif"/>
+                <a:ea typeface="Kollektif"/>
+                <a:cs typeface="Kollektif"/>
+                <a:sym typeface="Kollektif"/>
+              </a:rPr>
+              <a:t> de </a:t>
+            </a:r>
+            <a:r>
+              <a:rPr lang="en-US" sz="3100" dirty="0" err="1">
+                <a:solidFill>
+                  <a:srgbClr val="000000"/>
+                </a:solidFill>
+                <a:latin typeface="Kollektif"/>
+                <a:ea typeface="Kollektif"/>
+                <a:cs typeface="Kollektif"/>
+                <a:sym typeface="Kollektif"/>
+              </a:rPr>
+              <a:t>druk</a:t>
+            </a:r>
+            <a:r>
+              <a:rPr lang="en-US" sz="3100" dirty="0">
+                <a:solidFill>
+                  <a:srgbClr val="000000"/>
+                </a:solidFill>
+                <a:latin typeface="Kollektif"/>
+                <a:ea typeface="Kollektif"/>
+                <a:cs typeface="Kollektif"/>
+                <a:sym typeface="Kollektif"/>
+              </a:rPr>
+              <a:t> </a:t>
+            </a:r>
+            <a:r>
+              <a:rPr lang="en-US" sz="3100" dirty="0" err="1">
+                <a:solidFill>
+                  <a:srgbClr val="000000"/>
+                </a:solidFill>
+                <a:latin typeface="Kollektif"/>
+                <a:ea typeface="Kollektif"/>
+                <a:cs typeface="Kollektif"/>
+                <a:sym typeface="Kollektif"/>
+              </a:rPr>
+              <a:t>ondraaglijk</a:t>
+            </a:r>
+            <a:r>
+              <a:rPr lang="en-US" sz="3100" dirty="0">
+                <a:solidFill>
+                  <a:srgbClr val="000000"/>
+                </a:solidFill>
+                <a:latin typeface="Kollektif"/>
+                <a:ea typeface="Kollektif"/>
+                <a:cs typeface="Kollektif"/>
+                <a:sym typeface="Kollektif"/>
+              </a:rPr>
+              <a:t> </a:t>
+            </a:r>
+            <a:r>
+              <a:rPr lang="en-US" sz="3100" dirty="0" err="1">
+                <a:solidFill>
+                  <a:srgbClr val="000000"/>
+                </a:solidFill>
+                <a:latin typeface="Kollektif"/>
+                <a:ea typeface="Kollektif"/>
+                <a:cs typeface="Kollektif"/>
+                <a:sym typeface="Kollektif"/>
+              </a:rPr>
+              <a:t>wordt</a:t>
+            </a:r>
+            <a:r>
+              <a:rPr lang="en-US" sz="3100" dirty="0">
+                <a:solidFill>
+                  <a:srgbClr val="000000"/>
+                </a:solidFill>
+                <a:latin typeface="Kollektif"/>
+                <a:ea typeface="Kollektif"/>
+                <a:cs typeface="Kollektif"/>
+                <a:sym typeface="Kollektif"/>
+              </a:rPr>
+              <a:t> om direct </a:t>
+            </a:r>
+            <a:r>
+              <a:rPr lang="en-US" sz="3100" dirty="0" err="1">
+                <a:solidFill>
+                  <a:srgbClr val="000000"/>
+                </a:solidFill>
+                <a:latin typeface="Kollektif"/>
+                <a:ea typeface="Kollektif"/>
+                <a:cs typeface="Kollektif"/>
+                <a:sym typeface="Kollektif"/>
+              </a:rPr>
+              <a:t>te</a:t>
+            </a:r>
+            <a:r>
+              <a:rPr lang="en-US" sz="3100" dirty="0">
+                <a:solidFill>
+                  <a:srgbClr val="000000"/>
+                </a:solidFill>
+                <a:latin typeface="Kollektif"/>
+                <a:ea typeface="Kollektif"/>
+                <a:cs typeface="Kollektif"/>
+                <a:sym typeface="Kollektif"/>
+              </a:rPr>
+              <a:t> </a:t>
+            </a:r>
+            <a:r>
+              <a:rPr lang="en-US" sz="3100" dirty="0" err="1">
+                <a:solidFill>
+                  <a:srgbClr val="000000"/>
+                </a:solidFill>
+                <a:latin typeface="Kollektif"/>
+                <a:ea typeface="Kollektif"/>
+                <a:cs typeface="Kollektif"/>
+                <a:sym typeface="Kollektif"/>
+              </a:rPr>
+              <a:t>stoppen</a:t>
+            </a:r>
+            <a:r>
+              <a:rPr lang="en-US" sz="3100" dirty="0">
+                <a:solidFill>
+                  <a:srgbClr val="000000"/>
+                </a:solidFill>
+                <a:latin typeface="Kollektif"/>
+                <a:ea typeface="Kollektif"/>
+                <a:cs typeface="Kollektif"/>
+                <a:sym typeface="Kollektif"/>
+              </a:rPr>
+              <a:t>.</a:t>
+            </a:r>
+          </a:p>
+          <a:p>
+            <a:pPr algn="l">
+              <a:lnSpc>
+                <a:spcPts val="3184"/>
+              </a:lnSpc>
+            </a:pPr>
+            <a:endParaRPr lang="en-US" sz="3100" dirty="0">
+              <a:solidFill>
+                <a:srgbClr val="000000"/>
+              </a:solidFill>
+              <a:latin typeface="Kollektif"/>
+              <a:ea typeface="Kollektif"/>
+              <a:cs typeface="Kollektif"/>
+              <a:sym typeface="Kollektif"/>
+            </a:endParaRPr>
+          </a:p>
+          <a:p>
+            <a:pPr algn="l">
+              <a:lnSpc>
+                <a:spcPts val="3184"/>
+              </a:lnSpc>
+            </a:pPr>
+            <a:r>
+              <a:rPr lang="en-US" sz="3100" dirty="0">
+                <a:solidFill>
+                  <a:srgbClr val="000000"/>
+                </a:solidFill>
+                <a:latin typeface="Kollektif"/>
+                <a:ea typeface="Kollektif"/>
+                <a:cs typeface="Kollektif"/>
+                <a:sym typeface="Kollektif"/>
+              </a:rPr>
+              <a:t>5. </a:t>
+            </a:r>
+            <a:r>
+              <a:rPr lang="en-US" sz="3100" dirty="0" err="1">
+                <a:solidFill>
+                  <a:srgbClr val="000000"/>
+                </a:solidFill>
+                <a:latin typeface="Kollektif"/>
+                <a:ea typeface="Kollektif"/>
+                <a:cs typeface="Kollektif"/>
+                <a:sym typeface="Kollektif"/>
+              </a:rPr>
+              <a:t>Probeer</a:t>
+            </a:r>
+            <a:r>
+              <a:rPr lang="en-US" sz="3100" dirty="0">
+                <a:solidFill>
+                  <a:srgbClr val="000000"/>
+                </a:solidFill>
+                <a:latin typeface="Kollektif"/>
+                <a:ea typeface="Kollektif"/>
+                <a:cs typeface="Kollektif"/>
+                <a:sym typeface="Kollektif"/>
+              </a:rPr>
+              <a:t> </a:t>
+            </a:r>
+            <a:r>
+              <a:rPr lang="en-US" sz="3100" dirty="0" err="1">
+                <a:solidFill>
+                  <a:srgbClr val="000000"/>
+                </a:solidFill>
+                <a:latin typeface="Kollektif"/>
+                <a:ea typeface="Kollektif"/>
+                <a:cs typeface="Kollektif"/>
+                <a:sym typeface="Kollektif"/>
+              </a:rPr>
+              <a:t>uw</a:t>
+            </a:r>
+            <a:r>
+              <a:rPr lang="en-US" sz="3100" dirty="0">
+                <a:solidFill>
+                  <a:srgbClr val="000000"/>
+                </a:solidFill>
+                <a:latin typeface="Kollektif"/>
+                <a:ea typeface="Kollektif"/>
+                <a:cs typeface="Kollektif"/>
+                <a:sym typeface="Kollektif"/>
+              </a:rPr>
+              <a:t> been </a:t>
+            </a:r>
+            <a:r>
+              <a:rPr lang="en-US" sz="3100" dirty="0" err="1">
+                <a:solidFill>
+                  <a:srgbClr val="000000"/>
+                </a:solidFill>
+                <a:latin typeface="Kollektif"/>
+                <a:ea typeface="Kollektif"/>
+                <a:cs typeface="Kollektif"/>
+                <a:sym typeface="Kollektif"/>
+              </a:rPr>
+              <a:t>stil</a:t>
+            </a:r>
+            <a:r>
+              <a:rPr lang="en-US" sz="3100" dirty="0">
+                <a:solidFill>
+                  <a:srgbClr val="000000"/>
+                </a:solidFill>
+                <a:latin typeface="Kollektif"/>
+                <a:ea typeface="Kollektif"/>
+                <a:cs typeface="Kollektif"/>
+                <a:sym typeface="Kollektif"/>
+              </a:rPr>
+              <a:t> </a:t>
+            </a:r>
+            <a:r>
+              <a:rPr lang="en-US" sz="3100" dirty="0" err="1">
+                <a:solidFill>
+                  <a:srgbClr val="000000"/>
+                </a:solidFill>
+                <a:latin typeface="Kollektif"/>
+                <a:ea typeface="Kollektif"/>
+                <a:cs typeface="Kollektif"/>
+                <a:sym typeface="Kollektif"/>
+              </a:rPr>
+              <a:t>te</a:t>
+            </a:r>
+            <a:r>
+              <a:rPr lang="en-US" sz="3100" dirty="0">
+                <a:solidFill>
+                  <a:srgbClr val="000000"/>
+                </a:solidFill>
+                <a:latin typeface="Kollektif"/>
+                <a:ea typeface="Kollektif"/>
+                <a:cs typeface="Kollektif"/>
+                <a:sym typeface="Kollektif"/>
+              </a:rPr>
+              <a:t> </a:t>
+            </a:r>
+            <a:r>
+              <a:rPr lang="en-US" sz="3100" dirty="0" err="1">
+                <a:solidFill>
+                  <a:srgbClr val="000000"/>
+                </a:solidFill>
+                <a:latin typeface="Kollektif"/>
+                <a:ea typeface="Kollektif"/>
+                <a:cs typeface="Kollektif"/>
+                <a:sym typeface="Kollektif"/>
+              </a:rPr>
+              <a:t>houden</a:t>
+            </a:r>
+            <a:r>
+              <a:rPr lang="en-US" sz="3100" dirty="0">
+                <a:solidFill>
+                  <a:srgbClr val="000000"/>
+                </a:solidFill>
+                <a:latin typeface="Kollektif"/>
+                <a:ea typeface="Kollektif"/>
+                <a:cs typeface="Kollektif"/>
+                <a:sym typeface="Kollektif"/>
+              </a:rPr>
+              <a:t>.</a:t>
+            </a:r>
+          </a:p>
+          <a:p>
+            <a:pPr algn="l">
+              <a:lnSpc>
+                <a:spcPts val="3184"/>
+              </a:lnSpc>
+            </a:pPr>
+            <a:endParaRPr lang="en-US" sz="3100" dirty="0">
+              <a:solidFill>
+                <a:srgbClr val="000000"/>
+              </a:solidFill>
+              <a:latin typeface="Kollektif"/>
+              <a:ea typeface="Kollektif"/>
+              <a:cs typeface="Kollektif"/>
+              <a:sym typeface="Kollektif"/>
+            </a:endParaRPr>
+          </a:p>
+          <a:p>
+            <a:pPr algn="l">
+              <a:lnSpc>
+                <a:spcPts val="3184"/>
+              </a:lnSpc>
+            </a:pPr>
             <a:endParaRPr lang="en-US" sz="3499" dirty="0">
               <a:solidFill>
                 <a:srgbClr val="000000"/>
@@ -8361,59 +9140,6 @@
               <a:cs typeface="Kollektif"/>
               <a:sym typeface="Kollektif"/>
             </a:endParaRPr>
-          </a:p>
-        </p:txBody>
-      </p:sp>
-      <p:sp>
-        <p:nvSpPr>
-          <p:cNvPr id="3" name="Freeform 3"/>
-          <p:cNvSpPr/>
-          <p:nvPr/>
-        </p:nvSpPr>
-        <p:spPr>
-          <a:xfrm>
-            <a:off x="3516069" y="8724900"/>
-            <a:ext cx="11301259" cy="1723442"/>
-          </a:xfrm>
-          <a:custGeom>
-            <a:avLst/>
-            <a:gdLst/>
-            <a:ahLst/>
-            <a:cxnLst/>
-            <a:rect l="l" t="t" r="r" b="b"/>
-            <a:pathLst>
-              <a:path w="11301259" h="1723442">
-                <a:moveTo>
-                  <a:pt x="0" y="0"/>
-                </a:moveTo>
-                <a:lnTo>
-                  <a:pt x="11301259" y="0"/>
-                </a:lnTo>
-                <a:lnTo>
-                  <a:pt x="11301259" y="1723442"/>
-                </a:lnTo>
-                <a:lnTo>
-                  <a:pt x="0" y="1723442"/>
-                </a:lnTo>
-                <a:lnTo>
-                  <a:pt x="0" y="0"/>
-                </a:lnTo>
-                <a:close/>
-              </a:path>
-            </a:pathLst>
-          </a:custGeom>
-          <a:blipFill>
-            <a:blip r:embed="rId2"/>
-            <a:stretch>
-              <a:fillRect/>
-            </a:stretch>
-          </a:blipFill>
-        </p:spPr>
-        <p:txBody>
-          <a:bodyPr/>
-          <a:lstStyle/>
-          <a:p>
-            <a:endParaRPr lang="nl-BE"/>
           </a:p>
         </p:txBody>
       </p:sp>
@@ -8453,7 +9179,7 @@
                 <a:cs typeface="Bryndan Write"/>
                 <a:sym typeface="Bryndan Write"/>
               </a:rPr>
-              <a:t>Testprocedure</a:t>
+              <a:t>Onderdeel</a:t>
             </a:r>
             <a:r>
               <a:rPr lang="en-US" sz="6999" dirty="0">
@@ -8465,35 +9191,41 @@
                 <a:cs typeface="Bryndan Write"/>
                 <a:sym typeface="Bryndan Write"/>
               </a:rPr>
-              <a:t> - </a:t>
-            </a:r>
-            <a:r>
-              <a:rPr lang="en-US" sz="6999" dirty="0" err="1">
-                <a:solidFill>
-                  <a:srgbClr val="000000"/>
-                </a:solidFill>
-                <a:latin typeface="Bryndan Write"/>
-                <a:ea typeface="Bryndan Write"/>
-                <a:cs typeface="Bryndan Write"/>
-                <a:sym typeface="Bryndan Write"/>
-              </a:rPr>
-              <a:t>Onderdeel</a:t>
-            </a:r>
-            <a:r>
-              <a:rPr lang="en-US" sz="6999" dirty="0">
-                <a:solidFill>
-                  <a:srgbClr val="000000"/>
-                </a:solidFill>
-                <a:latin typeface="Bryndan Write"/>
-                <a:ea typeface="Bryndan Write"/>
-                <a:cs typeface="Bryndan Write"/>
-                <a:sym typeface="Bryndan Write"/>
-              </a:rPr>
               <a:t> 3</a:t>
             </a:r>
           </a:p>
         </p:txBody>
       </p:sp>
+      <p:pic>
+        <p:nvPicPr>
+          <p:cNvPr id="6" name="Picture 5">
+            <a:extLst>
+              <a:ext uri="{FF2B5EF4-FFF2-40B4-BE49-F238E27FC236}">
+                <a16:creationId xmlns:a16="http://schemas.microsoft.com/office/drawing/2014/main" id="{1CFFE94F-8473-D28E-1703-2DAD5B5324C9}"/>
+              </a:ext>
+            </a:extLst>
+          </p:cNvPr>
+          <p:cNvPicPr>
+            <a:picLocks noChangeAspect="1"/>
+          </p:cNvPicPr>
+          <p:nvPr/>
+        </p:nvPicPr>
+        <p:blipFill>
+          <a:blip r:embed="rId2"/>
+          <a:stretch>
+            <a:fillRect/>
+          </a:stretch>
+        </p:blipFill>
+        <p:spPr>
+          <a:xfrm>
+            <a:off x="2830249" y="7833360"/>
+            <a:ext cx="12627501" cy="2164715"/>
+          </a:xfrm>
+          <a:prstGeom prst="rect">
+            <a:avLst/>
+          </a:prstGeom>
+        </p:spPr>
+      </p:pic>
     </p:spTree>
   </p:cSld>
   <p:clrMapOvr>
@@ -8527,8 +9259,8 @@
         </p:nvSpPr>
         <p:spPr>
           <a:xfrm>
-            <a:off x="0" y="1257300"/>
-            <a:ext cx="18288000" cy="15268282"/>
+            <a:off x="-1" y="1081846"/>
+            <a:ext cx="18288000" cy="16012076"/>
           </a:xfrm>
           <a:prstGeom prst="rect">
             <a:avLst/>
@@ -9426,7 +10158,7 @@
           <a:p>
             <a:pPr>
               <a:lnSpc>
-                <a:spcPts val="3730"/>
+                <a:spcPts val="4427"/>
               </a:lnSpc>
             </a:pPr>
             <a:r>
@@ -9439,69 +10171,334 @@
                 <a:cs typeface="Kollektif"/>
                 <a:sym typeface="Kollektif"/>
               </a:rPr>
-              <a:t>    4. </a:t>
-            </a:r>
-            <a:r>
-              <a:rPr lang="nl-BE" sz="3100" dirty="0">
-                <a:solidFill>
-                  <a:srgbClr val="000000"/>
-                </a:solidFill>
-                <a:latin typeface="Kollektif"/>
-                <a:ea typeface="Kollektif"/>
-                <a:cs typeface="Kollektif"/>
-                <a:sym typeface="Kollektif"/>
-              </a:rPr>
-              <a:t>Na één minuut haal je je hand uit het water. Daarna herhalen we de eerste test met de </a:t>
-            </a:r>
-            <a:r>
-              <a:rPr lang="nl-BE" sz="3100" dirty="0" err="1">
-                <a:solidFill>
-                  <a:srgbClr val="000000"/>
-                </a:solidFill>
-                <a:latin typeface="Kollektif"/>
-                <a:ea typeface="Kollektif"/>
-                <a:cs typeface="Kollektif"/>
-                <a:sym typeface="Kollektif"/>
-              </a:rPr>
-              <a:t>cuff</a:t>
-            </a:r>
-            <a:r>
-              <a:rPr lang="nl-BE" sz="3100" dirty="0">
-                <a:solidFill>
-                  <a:srgbClr val="000000"/>
-                </a:solidFill>
-                <a:latin typeface="Kollektif"/>
-                <a:ea typeface="Kollektif"/>
-                <a:cs typeface="Kollektif"/>
-                <a:sym typeface="Kollektif"/>
-              </a:rPr>
-              <a:t>, waarbij 	de druk geleidelijk wordt opgebouwd.</a:t>
-            </a:r>
-            <a:endParaRPr lang="en-US" sz="3100" dirty="0">
-              <a:solidFill>
-                <a:srgbClr val="000000"/>
-              </a:solidFill>
-              <a:latin typeface="Kollektif"/>
-              <a:ea typeface="Kollektif"/>
-              <a:cs typeface="Kollektif"/>
-              <a:sym typeface="Kollektif"/>
-            </a:endParaRPr>
+              <a:t>    4. We </a:t>
+            </a:r>
+            <a:r>
+              <a:rPr lang="en-US" sz="3100" dirty="0" err="1">
+                <a:solidFill>
+                  <a:srgbClr val="000000"/>
+                </a:solidFill>
+                <a:latin typeface="Kollektif"/>
+                <a:ea typeface="Kollektif"/>
+                <a:cs typeface="Kollektif"/>
+                <a:sym typeface="Kollektif"/>
+              </a:rPr>
+              <a:t>herhalen</a:t>
+            </a:r>
+            <a:r>
+              <a:rPr lang="en-US" sz="3100" dirty="0">
+                <a:solidFill>
+                  <a:srgbClr val="000000"/>
+                </a:solidFill>
+                <a:latin typeface="Kollektif"/>
+                <a:ea typeface="Kollektif"/>
+                <a:cs typeface="Kollektif"/>
+                <a:sym typeface="Kollektif"/>
+              </a:rPr>
+              <a:t> de </a:t>
+            </a:r>
+            <a:r>
+              <a:rPr lang="en-US" sz="3100" dirty="0" err="1">
+                <a:solidFill>
+                  <a:srgbClr val="000000"/>
+                </a:solidFill>
+                <a:latin typeface="Kollektif"/>
+                <a:ea typeface="Kollektif"/>
+                <a:cs typeface="Kollektif"/>
+                <a:sym typeface="Kollektif"/>
+              </a:rPr>
+              <a:t>eerste</a:t>
+            </a:r>
+            <a:r>
+              <a:rPr lang="en-US" sz="3100" dirty="0">
+                <a:solidFill>
+                  <a:srgbClr val="000000"/>
+                </a:solidFill>
+                <a:latin typeface="Kollektif"/>
+                <a:ea typeface="Kollektif"/>
+                <a:cs typeface="Kollektif"/>
+                <a:sym typeface="Kollektif"/>
+              </a:rPr>
+              <a:t> test met de cuff:</a:t>
+            </a:r>
           </a:p>
           <a:p>
             <a:pPr>
               <a:lnSpc>
-                <a:spcPts val="3730"/>
+                <a:spcPts val="4427"/>
               </a:lnSpc>
             </a:pPr>
-            <a:endParaRPr lang="en-US" sz="3100" dirty="0">
-              <a:solidFill>
-                <a:srgbClr val="000000"/>
-              </a:solidFill>
-              <a:latin typeface="Kollektif"/>
-              <a:ea typeface="Kollektif"/>
-              <a:cs typeface="Kollektif"/>
-              <a:sym typeface="Kollektif"/>
-            </a:endParaRPr>
+            <a:r>
+              <a:rPr lang="en-US" sz="3100" dirty="0">
+                <a:solidFill>
+                  <a:srgbClr val="000000"/>
+                </a:solidFill>
+                <a:latin typeface="Kollektif"/>
+                <a:ea typeface="Kollektif"/>
+                <a:cs typeface="Kollektif"/>
+                <a:sym typeface="Kollektif"/>
+              </a:rPr>
+              <a:t>	</a:t>
+            </a:r>
+            <a:r>
+              <a:rPr lang="en-US" sz="3100" dirty="0" err="1">
+                <a:solidFill>
+                  <a:srgbClr val="000000"/>
+                </a:solidFill>
+                <a:latin typeface="Kollektif"/>
+                <a:ea typeface="Kollektif"/>
+                <a:cs typeface="Kollektif"/>
+                <a:sym typeface="Kollektif"/>
+              </a:rPr>
+              <a:t>Tolereer</a:t>
+            </a:r>
+            <a:r>
+              <a:rPr lang="en-US" sz="3100" dirty="0">
+                <a:solidFill>
+                  <a:srgbClr val="000000"/>
+                </a:solidFill>
+                <a:latin typeface="Kollektif"/>
+                <a:ea typeface="Kollektif"/>
+                <a:cs typeface="Kollektif"/>
+                <a:sym typeface="Kollektif"/>
+              </a:rPr>
+              <a:t> </a:t>
+            </a:r>
+            <a:r>
+              <a:rPr lang="en-US" sz="3100" dirty="0" err="1">
+                <a:solidFill>
+                  <a:srgbClr val="000000"/>
+                </a:solidFill>
+                <a:latin typeface="Kollektif"/>
+                <a:ea typeface="Kollektif"/>
+                <a:cs typeface="Kollektif"/>
+                <a:sym typeface="Kollektif"/>
+              </a:rPr>
+              <a:t>zoveel</a:t>
+            </a:r>
+            <a:r>
+              <a:rPr lang="en-US" sz="3100" dirty="0">
+                <a:solidFill>
+                  <a:srgbClr val="000000"/>
+                </a:solidFill>
+                <a:latin typeface="Kollektif"/>
+                <a:ea typeface="Kollektif"/>
+                <a:cs typeface="Kollektif"/>
+                <a:sym typeface="Kollektif"/>
+              </a:rPr>
+              <a:t> </a:t>
+            </a:r>
+            <a:r>
+              <a:rPr lang="en-US" sz="3100" dirty="0" err="1">
+                <a:solidFill>
+                  <a:srgbClr val="000000"/>
+                </a:solidFill>
+                <a:latin typeface="Kollektif"/>
+                <a:ea typeface="Kollektif"/>
+                <a:cs typeface="Kollektif"/>
+                <a:sym typeface="Kollektif"/>
+              </a:rPr>
+              <a:t>mogelijk</a:t>
+            </a:r>
+            <a:r>
+              <a:rPr lang="en-US" sz="3100" dirty="0">
+                <a:solidFill>
+                  <a:srgbClr val="000000"/>
+                </a:solidFill>
+                <a:latin typeface="Kollektif"/>
+                <a:ea typeface="Kollektif"/>
+                <a:cs typeface="Kollektif"/>
+                <a:sym typeface="Kollektif"/>
+              </a:rPr>
+              <a:t> </a:t>
+            </a:r>
+            <a:r>
+              <a:rPr lang="en-US" sz="3100" dirty="0" err="1">
+                <a:solidFill>
+                  <a:srgbClr val="000000"/>
+                </a:solidFill>
+                <a:latin typeface="Kollektif"/>
+                <a:ea typeface="Kollektif"/>
+                <a:cs typeface="Kollektif"/>
+                <a:sym typeface="Kollektif"/>
+              </a:rPr>
+              <a:t>geleidelijk</a:t>
+            </a:r>
+            <a:r>
+              <a:rPr lang="en-US" sz="3100" dirty="0">
+                <a:solidFill>
+                  <a:srgbClr val="000000"/>
+                </a:solidFill>
+                <a:latin typeface="Kollektif"/>
+                <a:ea typeface="Kollektif"/>
+                <a:cs typeface="Kollektif"/>
+                <a:sym typeface="Kollektif"/>
+              </a:rPr>
+              <a:t> </a:t>
+            </a:r>
+            <a:r>
+              <a:rPr lang="en-US" sz="3100" dirty="0" err="1">
+                <a:solidFill>
+                  <a:srgbClr val="000000"/>
+                </a:solidFill>
+                <a:latin typeface="Kollektif"/>
+                <a:ea typeface="Kollektif"/>
+                <a:cs typeface="Kollektif"/>
+                <a:sym typeface="Kollektif"/>
+              </a:rPr>
+              <a:t>opbouwende</a:t>
+            </a:r>
+            <a:r>
+              <a:rPr lang="en-US" sz="3100" dirty="0">
+                <a:solidFill>
+                  <a:srgbClr val="000000"/>
+                </a:solidFill>
+                <a:latin typeface="Kollektif"/>
+                <a:ea typeface="Kollektif"/>
+                <a:cs typeface="Kollektif"/>
+                <a:sym typeface="Kollektif"/>
+              </a:rPr>
+              <a:t> </a:t>
+            </a:r>
+            <a:r>
+              <a:rPr lang="en-US" sz="3100" dirty="0" err="1">
+                <a:solidFill>
+                  <a:srgbClr val="000000"/>
+                </a:solidFill>
+                <a:latin typeface="Kollektif"/>
+                <a:ea typeface="Kollektif"/>
+                <a:cs typeface="Kollektif"/>
+                <a:sym typeface="Kollektif"/>
+              </a:rPr>
+              <a:t>druk</a:t>
+            </a:r>
+            <a:r>
+              <a:rPr lang="en-US" sz="3100" dirty="0">
+                <a:solidFill>
+                  <a:srgbClr val="000000"/>
+                </a:solidFill>
+                <a:latin typeface="Kollektif"/>
+                <a:ea typeface="Kollektif"/>
+                <a:cs typeface="Kollektif"/>
+                <a:sym typeface="Kollektif"/>
+              </a:rPr>
+              <a:t>.</a:t>
+            </a:r>
+          </a:p>
+          <a:p>
+            <a:pPr>
+              <a:lnSpc>
+                <a:spcPts val="4427"/>
+              </a:lnSpc>
+            </a:pPr>
+            <a:r>
+              <a:rPr lang="en-US" sz="3100" dirty="0">
+                <a:solidFill>
+                  <a:srgbClr val="000000"/>
+                </a:solidFill>
+                <a:latin typeface="Kollektif"/>
+                <a:ea typeface="Kollektif"/>
+                <a:cs typeface="Kollektif"/>
+                <a:sym typeface="Kollektif"/>
+              </a:rPr>
+              <a:t>	</a:t>
+            </a:r>
+            <a:r>
+              <a:rPr lang="en-US" sz="3100" dirty="0" err="1">
+                <a:solidFill>
+                  <a:srgbClr val="000000"/>
+                </a:solidFill>
+                <a:latin typeface="Kollektif"/>
+                <a:ea typeface="Kollektif"/>
+                <a:cs typeface="Kollektif"/>
+                <a:sym typeface="Kollektif"/>
+              </a:rPr>
+              <a:t>Geef</a:t>
+            </a:r>
+            <a:r>
+              <a:rPr lang="en-US" sz="3100" dirty="0">
+                <a:solidFill>
+                  <a:srgbClr val="000000"/>
+                </a:solidFill>
+                <a:latin typeface="Kollektif"/>
+                <a:ea typeface="Kollektif"/>
+                <a:cs typeface="Kollektif"/>
+                <a:sym typeface="Kollektif"/>
+              </a:rPr>
+              <a:t> de </a:t>
+            </a:r>
+            <a:r>
+              <a:rPr lang="en-US" sz="3100" dirty="0" err="1">
+                <a:solidFill>
+                  <a:srgbClr val="000000"/>
+                </a:solidFill>
+                <a:latin typeface="Kollektif"/>
+                <a:ea typeface="Kollektif"/>
+                <a:cs typeface="Kollektif"/>
+                <a:sym typeface="Kollektif"/>
+              </a:rPr>
+              <a:t>drukbeleving</a:t>
+            </a:r>
+            <a:r>
+              <a:rPr lang="en-US" sz="3100" dirty="0">
+                <a:solidFill>
+                  <a:srgbClr val="000000"/>
+                </a:solidFill>
+                <a:latin typeface="Kollektif"/>
+                <a:ea typeface="Kollektif"/>
+                <a:cs typeface="Kollektif"/>
+                <a:sym typeface="Kollektif"/>
+              </a:rPr>
+              <a:t> </a:t>
+            </a:r>
+            <a:r>
+              <a:rPr lang="en-US" sz="3100" dirty="0" err="1">
+                <a:solidFill>
+                  <a:srgbClr val="000000"/>
+                </a:solidFill>
+                <a:latin typeface="Kollektif"/>
+                <a:ea typeface="Kollektif"/>
+                <a:cs typeface="Kollektif"/>
+                <a:sym typeface="Kollektif"/>
+              </a:rPr>
+              <a:t>aan</a:t>
+            </a:r>
+            <a:r>
+              <a:rPr lang="en-US" sz="3100" dirty="0">
+                <a:solidFill>
+                  <a:srgbClr val="000000"/>
+                </a:solidFill>
+                <a:latin typeface="Kollektif"/>
+                <a:ea typeface="Kollektif"/>
+                <a:cs typeface="Kollektif"/>
+                <a:sym typeface="Kollektif"/>
+              </a:rPr>
+              <a:t> op de </a:t>
+            </a:r>
+            <a:r>
+              <a:rPr lang="en-US" sz="3100" dirty="0" err="1">
+                <a:solidFill>
+                  <a:srgbClr val="000000"/>
+                </a:solidFill>
+                <a:latin typeface="Kollektif"/>
+                <a:ea typeface="Kollektif"/>
+                <a:cs typeface="Kollektif"/>
+                <a:sym typeface="Kollektif"/>
+              </a:rPr>
+              <a:t>schaal</a:t>
+            </a:r>
+            <a:r>
+              <a:rPr lang="en-US" sz="3100" dirty="0">
+                <a:solidFill>
+                  <a:srgbClr val="000000"/>
+                </a:solidFill>
+                <a:latin typeface="Kollektif"/>
+                <a:ea typeface="Kollektif"/>
+                <a:cs typeface="Kollektif"/>
+                <a:sym typeface="Kollektif"/>
+              </a:rPr>
+              <a:t>.</a:t>
+            </a:r>
           </a:p>
           <a:p>
             <a:pPr algn="ctr">
@@ -9822,7 +10819,7 @@
         </p:nvSpPr>
         <p:spPr>
           <a:xfrm rot="946521" flipV="1">
-            <a:off x="177325" y="4019494"/>
+            <a:off x="177325" y="3854316"/>
             <a:ext cx="703795" cy="280866"/>
           </a:xfrm>
           <a:custGeom>
@@ -10015,30 +11012,6 @@
                 <a:cs typeface="Bryndan Write"/>
                 <a:sym typeface="Bryndan Write"/>
               </a:rPr>
-              <a:t>Testprocedure</a:t>
-            </a:r>
-            <a:r>
-              <a:rPr lang="en-US" sz="6999" dirty="0">
-                <a:solidFill>
-                  <a:srgbClr val="000000"/>
-                </a:solidFill>
-                <a:latin typeface="Bryndan Write"/>
-                <a:ea typeface="Bryndan Write"/>
-                <a:cs typeface="Bryndan Write"/>
-                <a:sym typeface="Bryndan Write"/>
-              </a:rPr>
-              <a:t> - </a:t>
-            </a:r>
-            <a:r>
-              <a:rPr lang="en-US" sz="6999" dirty="0" err="1">
-                <a:solidFill>
-                  <a:srgbClr val="000000"/>
-                </a:solidFill>
-                <a:latin typeface="Bryndan Write"/>
-                <a:ea typeface="Bryndan Write"/>
-                <a:cs typeface="Bryndan Write"/>
-                <a:sym typeface="Bryndan Write"/>
-              </a:rPr>
               <a:t>Onderdeel</a:t>
             </a:r>
             <a:r>
@@ -10070,7 +11043,7 @@
         </p:nvSpPr>
         <p:spPr>
           <a:xfrm rot="946521" flipV="1">
-            <a:off x="177324" y="4556432"/>
+            <a:off x="177324" y="4391254"/>
             <a:ext cx="703795" cy="280866"/>
           </a:xfrm>
           <a:custGeom>
@@ -10135,7 +11108,137 @@
         </p:nvSpPr>
         <p:spPr>
           <a:xfrm rot="946521" flipV="1">
-            <a:off x="177324" y="5995880"/>
+            <a:off x="177324" y="5843480"/>
+            <a:ext cx="703795" cy="280866"/>
+          </a:xfrm>
+          <a:custGeom>
+            <a:avLst/>
+            <a:gdLst/>
+            <a:ahLst/>
+            <a:cxnLst/>
+            <a:rect l="l" t="t" r="r" b="b"/>
+            <a:pathLst>
+              <a:path w="873232" h="312180">
+                <a:moveTo>
+                  <a:pt x="0" y="312181"/>
+                </a:moveTo>
+                <a:lnTo>
+                  <a:pt x="873231" y="312181"/>
+                </a:lnTo>
+                <a:lnTo>
+                  <a:pt x="873231" y="0"/>
+                </a:lnTo>
+                <a:lnTo>
+                  <a:pt x="0" y="0"/>
+                </a:lnTo>
+                <a:lnTo>
+                  <a:pt x="0" y="312181"/>
+                </a:lnTo>
+                <a:close/>
+              </a:path>
+            </a:pathLst>
+          </a:custGeom>
+          <a:blipFill>
+            <a:blip r:embed="rId2">
+              <a:extLst>
+                <a:ext uri="{96DAC541-7B7A-43D3-8B79-37D633B846F1}">
+                  <asvg:svgBlip xmlns:asvg="http://schemas.microsoft.com/office/drawing/2016/SVG/main" r:embed="rId3"/>
+                </a:ext>
+              </a:extLst>
+            </a:blip>
+            <a:stretch>
+              <a:fillRect/>
+            </a:stretch>
+          </a:blipFill>
+        </p:spPr>
+        <p:txBody>
+          <a:bodyPr/>
+          <a:lstStyle/>
+          <a:p>
+            <a:endParaRPr lang="nl-BE"/>
+          </a:p>
+        </p:txBody>
+      </p:sp>
+      <p:sp>
+        <p:nvSpPr>
+          <p:cNvPr id="4" name="Freeform 3">
+            <a:extLst>
+              <a:ext uri="{FF2B5EF4-FFF2-40B4-BE49-F238E27FC236}">
+                <a16:creationId xmlns:a16="http://schemas.microsoft.com/office/drawing/2014/main" id="{B1972741-D4B6-7B8B-7DF3-DBB06583A807}"/>
+              </a:ext>
+            </a:extLst>
+          </p:cNvPr>
+          <p:cNvSpPr/>
+          <p:nvPr/>
+        </p:nvSpPr>
+        <p:spPr>
+          <a:xfrm rot="946521" flipV="1">
+            <a:off x="153729" y="7407158"/>
+            <a:ext cx="703795" cy="280866"/>
+          </a:xfrm>
+          <a:custGeom>
+            <a:avLst/>
+            <a:gdLst/>
+            <a:ahLst/>
+            <a:cxnLst/>
+            <a:rect l="l" t="t" r="r" b="b"/>
+            <a:pathLst>
+              <a:path w="873232" h="312180">
+                <a:moveTo>
+                  <a:pt x="0" y="312181"/>
+                </a:moveTo>
+                <a:lnTo>
+                  <a:pt x="873231" y="312181"/>
+                </a:lnTo>
+                <a:lnTo>
+                  <a:pt x="873231" y="0"/>
+                </a:lnTo>
+                <a:lnTo>
+                  <a:pt x="0" y="0"/>
+                </a:lnTo>
+                <a:lnTo>
+                  <a:pt x="0" y="312181"/>
+                </a:lnTo>
+                <a:close/>
+              </a:path>
+            </a:pathLst>
+          </a:custGeom>
+          <a:blipFill>
+            <a:blip r:embed="rId2">
+              <a:extLst>
+                <a:ext uri="{96DAC541-7B7A-43D3-8B79-37D633B846F1}">
+                  <asvg:svgBlip xmlns:asvg="http://schemas.microsoft.com/office/drawing/2016/SVG/main" r:embed="rId3"/>
+                </a:ext>
+              </a:extLst>
+            </a:blip>
+            <a:stretch>
+              <a:fillRect/>
+            </a:stretch>
+          </a:blipFill>
+        </p:spPr>
+        <p:txBody>
+          <a:bodyPr/>
+          <a:lstStyle/>
+          <a:p>
+            <a:endParaRPr lang="nl-BE"/>
+          </a:p>
+        </p:txBody>
+      </p:sp>
+      <p:sp>
+        <p:nvSpPr>
+          <p:cNvPr id="10" name="Freeform 3">
+            <a:extLst>
+              <a:ext uri="{FF2B5EF4-FFF2-40B4-BE49-F238E27FC236}">
+                <a16:creationId xmlns:a16="http://schemas.microsoft.com/office/drawing/2014/main" id="{D32FD639-FAEC-2F4F-5578-83EA90ECCD7A}"/>
+              </a:ext>
+            </a:extLst>
+          </p:cNvPr>
+          <p:cNvSpPr/>
+          <p:nvPr/>
+        </p:nvSpPr>
+        <p:spPr>
+          <a:xfrm rot="946521" flipV="1">
+            <a:off x="153728" y="7944096"/>
             <a:ext cx="703795" cy="280866"/>
           </a:xfrm>
           <a:custGeom>
